--- a/pres-source/03-spark.pptx
+++ b/pres-source/03-spark.pptx
@@ -5,7 +5,7 @@
     <p:sldMasterId id="2147483648" r:id="rId1"/>
   </p:sldMasterIdLst>
   <p:notesMasterIdLst>
-    <p:notesMasterId r:id="rId35"/>
+    <p:notesMasterId r:id="rId37"/>
   </p:notesMasterIdLst>
   <p:sldIdLst>
     <p:sldId id="256" r:id="rId2"/>
@@ -17,30 +17,32 @@
     <p:sldId id="295" r:id="rId8"/>
     <p:sldId id="266" r:id="rId9"/>
     <p:sldId id="273" r:id="rId10"/>
-    <p:sldId id="296" r:id="rId11"/>
-    <p:sldId id="297" r:id="rId12"/>
-    <p:sldId id="272" r:id="rId13"/>
-    <p:sldId id="280" r:id="rId14"/>
-    <p:sldId id="302" r:id="rId15"/>
-    <p:sldId id="303" r:id="rId16"/>
-    <p:sldId id="267" r:id="rId17"/>
-    <p:sldId id="300" r:id="rId18"/>
-    <p:sldId id="301" r:id="rId19"/>
-    <p:sldId id="308" r:id="rId20"/>
-    <p:sldId id="305" r:id="rId21"/>
-    <p:sldId id="304" r:id="rId22"/>
-    <p:sldId id="306" r:id="rId23"/>
-    <p:sldId id="307" r:id="rId24"/>
-    <p:sldId id="282" r:id="rId25"/>
-    <p:sldId id="278" r:id="rId26"/>
-    <p:sldId id="279" r:id="rId27"/>
-    <p:sldId id="316" r:id="rId28"/>
-    <p:sldId id="276" r:id="rId29"/>
-    <p:sldId id="268" r:id="rId30"/>
-    <p:sldId id="283" r:id="rId31"/>
-    <p:sldId id="277" r:id="rId32"/>
-    <p:sldId id="274" r:id="rId33"/>
-    <p:sldId id="293" r:id="rId34"/>
+    <p:sldId id="317" r:id="rId11"/>
+    <p:sldId id="296" r:id="rId12"/>
+    <p:sldId id="297" r:id="rId13"/>
+    <p:sldId id="272" r:id="rId14"/>
+    <p:sldId id="280" r:id="rId15"/>
+    <p:sldId id="302" r:id="rId16"/>
+    <p:sldId id="303" r:id="rId17"/>
+    <p:sldId id="267" r:id="rId18"/>
+    <p:sldId id="300" r:id="rId19"/>
+    <p:sldId id="301" r:id="rId20"/>
+    <p:sldId id="308" r:id="rId21"/>
+    <p:sldId id="305" r:id="rId22"/>
+    <p:sldId id="304" r:id="rId23"/>
+    <p:sldId id="306" r:id="rId24"/>
+    <p:sldId id="307" r:id="rId25"/>
+    <p:sldId id="319" r:id="rId26"/>
+    <p:sldId id="318" r:id="rId27"/>
+    <p:sldId id="282" r:id="rId28"/>
+    <p:sldId id="278" r:id="rId29"/>
+    <p:sldId id="316" r:id="rId30"/>
+    <p:sldId id="276" r:id="rId31"/>
+    <p:sldId id="268" r:id="rId32"/>
+    <p:sldId id="283" r:id="rId33"/>
+    <p:sldId id="277" r:id="rId34"/>
+    <p:sldId id="274" r:id="rId35"/>
+    <p:sldId id="293" r:id="rId36"/>
   </p:sldIdLst>
   <p:sldSz cx="9144000" cy="6858000" type="screen4x3"/>
   <p:notesSz cx="6858000" cy="9144000"/>
@@ -139,6 +141,22 @@
       </a:defRPr>
     </a:lvl9pPr>
   </p:defaultTextStyle>
+  <p:extLst>
+    <p:ext uri="{EFAFB233-063F-42B5-8137-9DF3F51BA10A}">
+      <p15:sldGuideLst xmlns:p15="http://schemas.microsoft.com/office/powerpoint/2012/main">
+        <p15:guide id="1" orient="horz" pos="2160">
+          <p15:clr>
+            <a:srgbClr val="A4A3A4"/>
+          </p15:clr>
+        </p15:guide>
+        <p15:guide id="2" pos="2880">
+          <p15:clr>
+            <a:srgbClr val="A4A3A4"/>
+          </p15:clr>
+        </p15:guide>
+      </p15:sldGuideLst>
+    </p:ext>
+  </p:extLst>
 </p:presentation>
 </file>
 
@@ -229,7 +247,7 @@
             <a:fld id="{7307762F-A706-E543-A832-3C298AA3103F}" type="datetimeFigureOut">
               <a:rPr lang="en-US" smtClean="0"/>
               <a:pPr/>
-              <a:t>06/12/17</a:t>
+              <a:t>2/9/19</a:t>
             </a:fld>
             <a:endParaRPr lang="en-US" dirty="0"/>
           </a:p>
@@ -293,38 +311,37 @@
           <a:p>
             <a:pPr lvl="0"/>
             <a:r>
-              <a:rPr lang="en-US" dirty="0" smtClean="0"/>
+              <a:rPr lang="en-US" dirty="0"/>
               <a:t>Click to edit Master text styles</a:t>
             </a:r>
           </a:p>
           <a:p>
             <a:pPr lvl="1"/>
             <a:r>
-              <a:rPr lang="en-US" dirty="0" smtClean="0"/>
+              <a:rPr lang="en-US" dirty="0"/>
               <a:t>Second level</a:t>
             </a:r>
           </a:p>
           <a:p>
             <a:pPr lvl="2"/>
             <a:r>
-              <a:rPr lang="en-US" dirty="0" smtClean="0"/>
+              <a:rPr lang="en-US" dirty="0"/>
               <a:t>Third level</a:t>
             </a:r>
           </a:p>
           <a:p>
             <a:pPr lvl="3"/>
             <a:r>
-              <a:rPr lang="en-US" dirty="0" smtClean="0"/>
+              <a:rPr lang="en-US" dirty="0"/>
               <a:t>Fourth level</a:t>
             </a:r>
           </a:p>
           <a:p>
             <a:pPr lvl="4"/>
             <a:r>
-              <a:rPr lang="en-US" dirty="0" smtClean="0"/>
+              <a:rPr lang="en-US" dirty="0"/>
               <a:t>Fifth level</a:t>
             </a:r>
-            <a:endParaRPr lang="en-US" dirty="0"/>
           </a:p>
         </p:txBody>
       </p:sp>
@@ -502,6 +519,395 @@
 </p:notesMaster>
 </file>
 
+<file path=ppt/notesSlides/notesSlide1.xml><?xml version="1.0" encoding="utf-8"?>
+<p:notes xmlns:a="http://schemas.openxmlformats.org/drawingml/2006/main" xmlns:r="http://schemas.openxmlformats.org/officeDocument/2006/relationships" xmlns:p="http://schemas.openxmlformats.org/presentationml/2006/main">
+  <p:cSld>
+    <p:spTree>
+      <p:nvGrpSpPr>
+        <p:cNvPr id="1" name=""/>
+        <p:cNvGrpSpPr/>
+        <p:nvPr/>
+      </p:nvGrpSpPr>
+      <p:grpSpPr>
+        <a:xfrm>
+          <a:off x="0" y="0"/>
+          <a:ext cx="0" cy="0"/>
+          <a:chOff x="0" y="0"/>
+          <a:chExt cx="0" cy="0"/>
+        </a:xfrm>
+      </p:grpSpPr>
+      <p:sp>
+        <p:nvSpPr>
+          <p:cNvPr id="2" name="Slide Image Placeholder 1"/>
+          <p:cNvSpPr>
+            <a:spLocks noGrp="1" noRot="1" noChangeAspect="1"/>
+          </p:cNvSpPr>
+          <p:nvPr>
+            <p:ph type="sldImg"/>
+          </p:nvPr>
+        </p:nvSpPr>
+        <p:spPr/>
+      </p:sp>
+      <p:sp>
+        <p:nvSpPr>
+          <p:cNvPr id="3" name="Notes Placeholder 2"/>
+          <p:cNvSpPr>
+            <a:spLocks noGrp="1"/>
+          </p:cNvSpPr>
+          <p:nvPr>
+            <p:ph type="body" idx="1"/>
+          </p:nvPr>
+        </p:nvSpPr>
+        <p:spPr/>
+        <p:txBody>
+          <a:bodyPr/>
+          <a:lstStyle/>
+          <a:p>
+            <a:r>
+              <a:rPr lang="en-US" dirty="0"/>
+              <a:t>HDFS = </a:t>
+            </a:r>
+            <a:r>
+              <a:rPr lang="en-US" dirty="0" err="1"/>
+              <a:t>hadoop</a:t>
+            </a:r>
+            <a:r>
+              <a:rPr lang="en-US" dirty="0"/>
+              <a:t> distributed file system</a:t>
+            </a:r>
+          </a:p>
+          <a:p>
+            <a:endParaRPr lang="en-US" dirty="0"/>
+          </a:p>
+        </p:txBody>
+      </p:sp>
+      <p:sp>
+        <p:nvSpPr>
+          <p:cNvPr id="4" name="Slide Number Placeholder 3"/>
+          <p:cNvSpPr>
+            <a:spLocks noGrp="1"/>
+          </p:cNvSpPr>
+          <p:nvPr>
+            <p:ph type="sldNum" sz="quarter" idx="5"/>
+          </p:nvPr>
+        </p:nvSpPr>
+        <p:spPr/>
+        <p:txBody>
+          <a:bodyPr/>
+          <a:lstStyle/>
+          <a:p>
+            <a:fld id="{BC39F3E1-B436-EB4D-8332-DAA0486A7B2B}" type="slidenum">
+              <a:rPr lang="en-US" smtClean="0"/>
+              <a:pPr/>
+              <a:t>4</a:t>
+            </a:fld>
+            <a:endParaRPr lang="en-US" dirty="0"/>
+          </a:p>
+        </p:txBody>
+      </p:sp>
+    </p:spTree>
+    <p:extLst>
+      <p:ext uri="{BB962C8B-B14F-4D97-AF65-F5344CB8AC3E}">
+        <p14:creationId xmlns:p14="http://schemas.microsoft.com/office/powerpoint/2010/main" val="2487892756"/>
+      </p:ext>
+    </p:extLst>
+  </p:cSld>
+  <p:clrMapOvr>
+    <a:masterClrMapping/>
+  </p:clrMapOvr>
+</p:notes>
+</file>
+
+<file path=ppt/notesSlides/notesSlide2.xml><?xml version="1.0" encoding="utf-8"?>
+<p:notes xmlns:a="http://schemas.openxmlformats.org/drawingml/2006/main" xmlns:r="http://schemas.openxmlformats.org/officeDocument/2006/relationships" xmlns:p="http://schemas.openxmlformats.org/presentationml/2006/main">
+  <p:cSld>
+    <p:spTree>
+      <p:nvGrpSpPr>
+        <p:cNvPr id="1" name=""/>
+        <p:cNvGrpSpPr/>
+        <p:nvPr/>
+      </p:nvGrpSpPr>
+      <p:grpSpPr>
+        <a:xfrm>
+          <a:off x="0" y="0"/>
+          <a:ext cx="0" cy="0"/>
+          <a:chOff x="0" y="0"/>
+          <a:chExt cx="0" cy="0"/>
+        </a:xfrm>
+      </p:grpSpPr>
+      <p:sp>
+        <p:nvSpPr>
+          <p:cNvPr id="2" name="Slide Image Placeholder 1"/>
+          <p:cNvSpPr>
+            <a:spLocks noGrp="1" noRot="1" noChangeAspect="1"/>
+          </p:cNvSpPr>
+          <p:nvPr>
+            <p:ph type="sldImg"/>
+          </p:nvPr>
+        </p:nvSpPr>
+        <p:spPr/>
+      </p:sp>
+      <p:sp>
+        <p:nvSpPr>
+          <p:cNvPr id="3" name="Notes Placeholder 2"/>
+          <p:cNvSpPr>
+            <a:spLocks noGrp="1"/>
+          </p:cNvSpPr>
+          <p:nvPr>
+            <p:ph type="body" idx="1"/>
+          </p:nvPr>
+        </p:nvSpPr>
+        <p:spPr/>
+        <p:txBody>
+          <a:bodyPr/>
+          <a:lstStyle/>
+          <a:p>
+            <a:r>
+              <a:rPr lang="en-US" dirty="0"/>
+              <a:t>lineage = graph (DAG) of all of the parent RDDs of an RDD</a:t>
+            </a:r>
+          </a:p>
+        </p:txBody>
+      </p:sp>
+      <p:sp>
+        <p:nvSpPr>
+          <p:cNvPr id="4" name="Slide Number Placeholder 3"/>
+          <p:cNvSpPr>
+            <a:spLocks noGrp="1"/>
+          </p:cNvSpPr>
+          <p:nvPr>
+            <p:ph type="sldNum" sz="quarter" idx="5"/>
+          </p:nvPr>
+        </p:nvSpPr>
+        <p:spPr/>
+        <p:txBody>
+          <a:bodyPr/>
+          <a:lstStyle/>
+          <a:p>
+            <a:fld id="{BC39F3E1-B436-EB4D-8332-DAA0486A7B2B}" type="slidenum">
+              <a:rPr lang="en-US" smtClean="0"/>
+              <a:pPr/>
+              <a:t>9</a:t>
+            </a:fld>
+            <a:endParaRPr lang="en-US" dirty="0"/>
+          </a:p>
+        </p:txBody>
+      </p:sp>
+    </p:spTree>
+    <p:extLst>
+      <p:ext uri="{BB962C8B-B14F-4D97-AF65-F5344CB8AC3E}">
+        <p14:creationId xmlns:p14="http://schemas.microsoft.com/office/powerpoint/2010/main" val="128443309"/>
+      </p:ext>
+    </p:extLst>
+  </p:cSld>
+  <p:clrMapOvr>
+    <a:masterClrMapping/>
+  </p:clrMapOvr>
+</p:notes>
+</file>
+
+<file path=ppt/notesSlides/notesSlide3.xml><?xml version="1.0" encoding="utf-8"?>
+<p:notes xmlns:a="http://schemas.openxmlformats.org/drawingml/2006/main" xmlns:r="http://schemas.openxmlformats.org/officeDocument/2006/relationships" xmlns:p="http://schemas.openxmlformats.org/presentationml/2006/main">
+  <p:cSld>
+    <p:spTree>
+      <p:nvGrpSpPr>
+        <p:cNvPr id="1" name=""/>
+        <p:cNvGrpSpPr/>
+        <p:nvPr/>
+      </p:nvGrpSpPr>
+      <p:grpSpPr>
+        <a:xfrm>
+          <a:off x="0" y="0"/>
+          <a:ext cx="0" cy="0"/>
+          <a:chOff x="0" y="0"/>
+          <a:chExt cx="0" cy="0"/>
+        </a:xfrm>
+      </p:grpSpPr>
+      <p:sp>
+        <p:nvSpPr>
+          <p:cNvPr id="2" name="Slide Image Placeholder 1"/>
+          <p:cNvSpPr>
+            <a:spLocks noGrp="1" noRot="1" noChangeAspect="1"/>
+          </p:cNvSpPr>
+          <p:nvPr>
+            <p:ph type="sldImg"/>
+          </p:nvPr>
+        </p:nvSpPr>
+        <p:spPr/>
+      </p:sp>
+      <p:sp>
+        <p:nvSpPr>
+          <p:cNvPr id="3" name="Notes Placeholder 2"/>
+          <p:cNvSpPr>
+            <a:spLocks noGrp="1"/>
+          </p:cNvSpPr>
+          <p:nvPr>
+            <p:ph type="body" idx="1"/>
+          </p:nvPr>
+        </p:nvSpPr>
+        <p:spPr/>
+        <p:txBody>
+          <a:bodyPr/>
+          <a:lstStyle/>
+          <a:p>
+            <a:r>
+              <a:rPr lang="en-US" dirty="0"/>
+              <a:t>Concentrate on</a:t>
+            </a:r>
+          </a:p>
+          <a:p>
+            <a:r>
+              <a:rPr lang="en-US" dirty="0"/>
+              <a:t>reduce()</a:t>
+            </a:r>
+          </a:p>
+          <a:p>
+            <a:r>
+              <a:rPr lang="en-US" dirty="0"/>
+              <a:t>collect()</a:t>
+            </a:r>
+          </a:p>
+        </p:txBody>
+      </p:sp>
+      <p:sp>
+        <p:nvSpPr>
+          <p:cNvPr id="4" name="Slide Number Placeholder 3"/>
+          <p:cNvSpPr>
+            <a:spLocks noGrp="1"/>
+          </p:cNvSpPr>
+          <p:nvPr>
+            <p:ph type="sldNum" sz="quarter" idx="5"/>
+          </p:nvPr>
+        </p:nvSpPr>
+        <p:spPr/>
+        <p:txBody>
+          <a:bodyPr/>
+          <a:lstStyle/>
+          <a:p>
+            <a:fld id="{BC39F3E1-B436-EB4D-8332-DAA0486A7B2B}" type="slidenum">
+              <a:rPr lang="en-US" smtClean="0"/>
+              <a:pPr/>
+              <a:t>22</a:t>
+            </a:fld>
+            <a:endParaRPr lang="en-US" dirty="0"/>
+          </a:p>
+        </p:txBody>
+      </p:sp>
+    </p:spTree>
+    <p:extLst>
+      <p:ext uri="{BB962C8B-B14F-4D97-AF65-F5344CB8AC3E}">
+        <p14:creationId xmlns:p14="http://schemas.microsoft.com/office/powerpoint/2010/main" val="2903697495"/>
+      </p:ext>
+    </p:extLst>
+  </p:cSld>
+  <p:clrMapOvr>
+    <a:masterClrMapping/>
+  </p:clrMapOvr>
+</p:notes>
+</file>
+
+<file path=ppt/notesSlides/notesSlide4.xml><?xml version="1.0" encoding="utf-8"?>
+<p:notes xmlns:a="http://schemas.openxmlformats.org/drawingml/2006/main" xmlns:r="http://schemas.openxmlformats.org/officeDocument/2006/relationships" xmlns:p="http://schemas.openxmlformats.org/presentationml/2006/main">
+  <p:cSld>
+    <p:spTree>
+      <p:nvGrpSpPr>
+        <p:cNvPr id="1" name=""/>
+        <p:cNvGrpSpPr/>
+        <p:nvPr/>
+      </p:nvGrpSpPr>
+      <p:grpSpPr>
+        <a:xfrm>
+          <a:off x="0" y="0"/>
+          <a:ext cx="0" cy="0"/>
+          <a:chOff x="0" y="0"/>
+          <a:chExt cx="0" cy="0"/>
+        </a:xfrm>
+      </p:grpSpPr>
+      <p:sp>
+        <p:nvSpPr>
+          <p:cNvPr id="2" name="Slide Image Placeholder 1"/>
+          <p:cNvSpPr>
+            <a:spLocks noGrp="1" noRot="1" noChangeAspect="1"/>
+          </p:cNvSpPr>
+          <p:nvPr>
+            <p:ph type="sldImg"/>
+          </p:nvPr>
+        </p:nvSpPr>
+        <p:spPr/>
+      </p:sp>
+      <p:sp>
+        <p:nvSpPr>
+          <p:cNvPr id="3" name="Notes Placeholder 2"/>
+          <p:cNvSpPr>
+            <a:spLocks noGrp="1"/>
+          </p:cNvSpPr>
+          <p:nvPr>
+            <p:ph type="body" idx="1"/>
+          </p:nvPr>
+        </p:nvSpPr>
+        <p:spPr/>
+        <p:txBody>
+          <a:bodyPr/>
+          <a:lstStyle/>
+          <a:p>
+            <a:r>
+              <a:rPr lang="en-US" dirty="0"/>
+              <a:t>Talk about </a:t>
+            </a:r>
+            <a:r>
+              <a:rPr lang="en-US" dirty="0" err="1"/>
+              <a:t>sortByKey</a:t>
+            </a:r>
+            <a:endParaRPr lang="en-US" dirty="0"/>
+          </a:p>
+          <a:p>
+            <a:r>
+              <a:rPr lang="en-US" dirty="0"/>
+              <a:t>Is this faster than sorting the results in serial?</a:t>
+            </a:r>
+          </a:p>
+          <a:p>
+            <a:endParaRPr lang="en-US" dirty="0"/>
+          </a:p>
+        </p:txBody>
+      </p:sp>
+      <p:sp>
+        <p:nvSpPr>
+          <p:cNvPr id="4" name="Slide Number Placeholder 3"/>
+          <p:cNvSpPr>
+            <a:spLocks noGrp="1"/>
+          </p:cNvSpPr>
+          <p:nvPr>
+            <p:ph type="sldNum" sz="quarter" idx="5"/>
+          </p:nvPr>
+        </p:nvSpPr>
+        <p:spPr/>
+        <p:txBody>
+          <a:bodyPr/>
+          <a:lstStyle/>
+          <a:p>
+            <a:fld id="{BC39F3E1-B436-EB4D-8332-DAA0486A7B2B}" type="slidenum">
+              <a:rPr lang="en-US" smtClean="0"/>
+              <a:pPr/>
+              <a:t>24</a:t>
+            </a:fld>
+            <a:endParaRPr lang="en-US" dirty="0"/>
+          </a:p>
+        </p:txBody>
+      </p:sp>
+    </p:spTree>
+    <p:extLst>
+      <p:ext uri="{BB962C8B-B14F-4D97-AF65-F5344CB8AC3E}">
+        <p14:creationId xmlns:p14="http://schemas.microsoft.com/office/powerpoint/2010/main" val="553260831"/>
+      </p:ext>
+    </p:extLst>
+  </p:cSld>
+  <p:clrMapOvr>
+    <a:masterClrMapping/>
+  </p:clrMapOvr>
+</p:notes>
+</file>
+
 <file path=ppt/slideLayouts/slideLayout1.xml><?xml version="1.0" encoding="utf-8"?>
 <p:sldLayout xmlns:a="http://schemas.openxmlformats.org/drawingml/2006/main" xmlns:r="http://schemas.openxmlformats.org/officeDocument/2006/relationships" xmlns:p="http://schemas.openxmlformats.org/presentationml/2006/main" type="title" preserve="1">
   <p:cSld name="Title Slide">
@@ -540,10 +946,9 @@
           <a:lstStyle/>
           <a:p>
             <a:r>
-              <a:rPr lang="en-US" smtClean="0"/>
+              <a:rPr lang="en-US"/>
               <a:t>Click to edit Master title style</a:t>
             </a:r>
-            <a:endParaRPr lang="en-US"/>
           </a:p>
         </p:txBody>
       </p:sp>
@@ -659,10 +1064,9 @@
           </a:lstStyle>
           <a:p>
             <a:r>
-              <a:rPr lang="en-US" smtClean="0"/>
+              <a:rPr lang="en-US"/>
               <a:t>Click to edit Master subtitle style</a:t>
             </a:r>
-            <a:endParaRPr lang="en-US"/>
           </a:p>
         </p:txBody>
       </p:sp>
@@ -712,10 +1116,9 @@
           <a:lstStyle/>
           <a:p>
             <a:r>
-              <a:rPr lang="en-US" smtClean="0"/>
+              <a:rPr lang="en-US"/>
               <a:t>Click to edit Master title style</a:t>
             </a:r>
-            <a:endParaRPr lang="en-US"/>
           </a:p>
         </p:txBody>
       </p:sp>
@@ -736,38 +1139,37 @@
           <a:p>
             <a:pPr lvl="0"/>
             <a:r>
-              <a:rPr lang="en-US" smtClean="0"/>
+              <a:rPr lang="en-US"/>
               <a:t>Click to edit Master text styles</a:t>
             </a:r>
           </a:p>
           <a:p>
             <a:pPr lvl="1"/>
             <a:r>
-              <a:rPr lang="en-US" smtClean="0"/>
+              <a:rPr lang="en-US"/>
               <a:t>Second level</a:t>
             </a:r>
           </a:p>
           <a:p>
             <a:pPr lvl="2"/>
             <a:r>
-              <a:rPr lang="en-US" smtClean="0"/>
+              <a:rPr lang="en-US"/>
               <a:t>Third level</a:t>
             </a:r>
           </a:p>
           <a:p>
             <a:pPr lvl="3"/>
             <a:r>
-              <a:rPr lang="en-US" smtClean="0"/>
+              <a:rPr lang="en-US"/>
               <a:t>Fourth level</a:t>
             </a:r>
           </a:p>
           <a:p>
             <a:pPr lvl="4"/>
             <a:r>
-              <a:rPr lang="en-US" smtClean="0"/>
+              <a:rPr lang="en-US"/>
               <a:t>Fifth level</a:t>
             </a:r>
-            <a:endParaRPr lang="en-US"/>
           </a:p>
         </p:txBody>
       </p:sp>
@@ -803,7 +1205,7 @@
             <a:fld id="{875CF0EB-321F-0749-B37A-89BBA859503C}" type="datetimeFigureOut">
               <a:rPr lang="en-US" smtClean="0"/>
               <a:pPr/>
-              <a:t>06/12/17</a:t>
+              <a:t>2/9/19</a:t>
             </a:fld>
             <a:endParaRPr lang="en-US" dirty="0"/>
           </a:p>
@@ -931,10 +1333,9 @@
           <a:lstStyle/>
           <a:p>
             <a:r>
-              <a:rPr lang="en-US" smtClean="0"/>
+              <a:rPr lang="en-US"/>
               <a:t>Click to edit Master title style</a:t>
             </a:r>
-            <a:endParaRPr lang="en-US"/>
           </a:p>
         </p:txBody>
       </p:sp>
@@ -960,38 +1361,37 @@
           <a:p>
             <a:pPr lvl="0"/>
             <a:r>
-              <a:rPr lang="en-US" smtClean="0"/>
+              <a:rPr lang="en-US"/>
               <a:t>Click to edit Master text styles</a:t>
             </a:r>
           </a:p>
           <a:p>
             <a:pPr lvl="1"/>
             <a:r>
-              <a:rPr lang="en-US" smtClean="0"/>
+              <a:rPr lang="en-US"/>
               <a:t>Second level</a:t>
             </a:r>
           </a:p>
           <a:p>
             <a:pPr lvl="2"/>
             <a:r>
-              <a:rPr lang="en-US" smtClean="0"/>
+              <a:rPr lang="en-US"/>
               <a:t>Third level</a:t>
             </a:r>
           </a:p>
           <a:p>
             <a:pPr lvl="3"/>
             <a:r>
-              <a:rPr lang="en-US" smtClean="0"/>
+              <a:rPr lang="en-US"/>
               <a:t>Fourth level</a:t>
             </a:r>
           </a:p>
           <a:p>
             <a:pPr lvl="4"/>
             <a:r>
-              <a:rPr lang="en-US" smtClean="0"/>
+              <a:rPr lang="en-US"/>
               <a:t>Fifth level</a:t>
             </a:r>
-            <a:endParaRPr lang="en-US"/>
           </a:p>
         </p:txBody>
       </p:sp>
@@ -1027,7 +1427,7 @@
             <a:fld id="{875CF0EB-321F-0749-B37A-89BBA859503C}" type="datetimeFigureOut">
               <a:rPr lang="en-US" smtClean="0"/>
               <a:pPr/>
-              <a:t>06/12/17</a:t>
+              <a:t>2/9/19</a:t>
             </a:fld>
             <a:endParaRPr lang="en-US" dirty="0"/>
           </a:p>
@@ -1150,10 +1550,9 @@
           <a:lstStyle/>
           <a:p>
             <a:r>
-              <a:rPr lang="en-US" smtClean="0"/>
+              <a:rPr lang="en-US"/>
               <a:t>Click to edit Master title style</a:t>
             </a:r>
-            <a:endParaRPr lang="en-US"/>
           </a:p>
         </p:txBody>
       </p:sp>
@@ -1174,38 +1573,37 @@
           <a:p>
             <a:pPr lvl="0"/>
             <a:r>
-              <a:rPr lang="en-US" smtClean="0"/>
+              <a:rPr lang="en-US"/>
               <a:t>Click to edit Master text styles</a:t>
             </a:r>
           </a:p>
           <a:p>
             <a:pPr lvl="1"/>
             <a:r>
-              <a:rPr lang="en-US" smtClean="0"/>
+              <a:rPr lang="en-US"/>
               <a:t>Second level</a:t>
             </a:r>
           </a:p>
           <a:p>
             <a:pPr lvl="2"/>
             <a:r>
-              <a:rPr lang="en-US" smtClean="0"/>
+              <a:rPr lang="en-US"/>
               <a:t>Third level</a:t>
             </a:r>
           </a:p>
           <a:p>
             <a:pPr lvl="3"/>
             <a:r>
-              <a:rPr lang="en-US" smtClean="0"/>
+              <a:rPr lang="en-US"/>
               <a:t>Fourth level</a:t>
             </a:r>
           </a:p>
           <a:p>
             <a:pPr lvl="4"/>
             <a:r>
-              <a:rPr lang="en-US" smtClean="0"/>
+              <a:rPr lang="en-US"/>
               <a:t>Fifth level</a:t>
             </a:r>
-            <a:endParaRPr lang="en-US"/>
           </a:p>
         </p:txBody>
       </p:sp>
@@ -1241,7 +1639,7 @@
             <a:fld id="{875CF0EB-321F-0749-B37A-89BBA859503C}" type="datetimeFigureOut">
               <a:rPr lang="en-US" smtClean="0"/>
               <a:pPr/>
-              <a:t>06/12/17</a:t>
+              <a:t>2/9/19</a:t>
             </a:fld>
             <a:endParaRPr lang="en-US" dirty="0"/>
           </a:p>
@@ -1373,10 +1771,9 @@
           </a:lstStyle>
           <a:p>
             <a:r>
-              <a:rPr lang="en-US" smtClean="0"/>
+              <a:rPr lang="en-US"/>
               <a:t>Click to edit Master title style</a:t>
             </a:r>
-            <a:endParaRPr lang="en-US"/>
           </a:p>
         </p:txBody>
       </p:sp>
@@ -1493,7 +1890,7 @@
           <a:p>
             <a:pPr lvl="0"/>
             <a:r>
-              <a:rPr lang="en-US" smtClean="0"/>
+              <a:rPr lang="en-US"/>
               <a:t>Click to edit Master text styles</a:t>
             </a:r>
           </a:p>
@@ -1531,7 +1928,7 @@
             <a:fld id="{875CF0EB-321F-0749-B37A-89BBA859503C}" type="datetimeFigureOut">
               <a:rPr lang="en-US" smtClean="0"/>
               <a:pPr/>
-              <a:t>06/12/17</a:t>
+              <a:t>2/9/19</a:t>
             </a:fld>
             <a:endParaRPr lang="en-US" dirty="0"/>
           </a:p>
@@ -1654,10 +2051,9 @@
           <a:lstStyle/>
           <a:p>
             <a:r>
-              <a:rPr lang="en-US" smtClean="0"/>
+              <a:rPr lang="en-US"/>
               <a:t>Click to edit Master title style</a:t>
             </a:r>
-            <a:endParaRPr lang="en-US"/>
           </a:p>
         </p:txBody>
       </p:sp>
@@ -1711,38 +2107,37 @@
           <a:p>
             <a:pPr lvl="0"/>
             <a:r>
-              <a:rPr lang="en-US" smtClean="0"/>
+              <a:rPr lang="en-US"/>
               <a:t>Click to edit Master text styles</a:t>
             </a:r>
           </a:p>
           <a:p>
             <a:pPr lvl="1"/>
             <a:r>
-              <a:rPr lang="en-US" smtClean="0"/>
+              <a:rPr lang="en-US"/>
               <a:t>Second level</a:t>
             </a:r>
           </a:p>
           <a:p>
             <a:pPr lvl="2"/>
             <a:r>
-              <a:rPr lang="en-US" smtClean="0"/>
+              <a:rPr lang="en-US"/>
               <a:t>Third level</a:t>
             </a:r>
           </a:p>
           <a:p>
             <a:pPr lvl="3"/>
             <a:r>
-              <a:rPr lang="en-US" smtClean="0"/>
+              <a:rPr lang="en-US"/>
               <a:t>Fourth level</a:t>
             </a:r>
           </a:p>
           <a:p>
             <a:pPr lvl="4"/>
             <a:r>
-              <a:rPr lang="en-US" smtClean="0"/>
+              <a:rPr lang="en-US"/>
               <a:t>Fifth level</a:t>
             </a:r>
-            <a:endParaRPr lang="en-US"/>
           </a:p>
         </p:txBody>
       </p:sp>
@@ -1796,38 +2191,37 @@
           <a:p>
             <a:pPr lvl="0"/>
             <a:r>
-              <a:rPr lang="en-US" smtClean="0"/>
+              <a:rPr lang="en-US"/>
               <a:t>Click to edit Master text styles</a:t>
             </a:r>
           </a:p>
           <a:p>
             <a:pPr lvl="1"/>
             <a:r>
-              <a:rPr lang="en-US" smtClean="0"/>
+              <a:rPr lang="en-US"/>
               <a:t>Second level</a:t>
             </a:r>
           </a:p>
           <a:p>
             <a:pPr lvl="2"/>
             <a:r>
-              <a:rPr lang="en-US" smtClean="0"/>
+              <a:rPr lang="en-US"/>
               <a:t>Third level</a:t>
             </a:r>
           </a:p>
           <a:p>
             <a:pPr lvl="3"/>
             <a:r>
-              <a:rPr lang="en-US" smtClean="0"/>
+              <a:rPr lang="en-US"/>
               <a:t>Fourth level</a:t>
             </a:r>
           </a:p>
           <a:p>
             <a:pPr lvl="4"/>
             <a:r>
-              <a:rPr lang="en-US" smtClean="0"/>
+              <a:rPr lang="en-US"/>
               <a:t>Fifth level</a:t>
             </a:r>
-            <a:endParaRPr lang="en-US"/>
           </a:p>
         </p:txBody>
       </p:sp>
@@ -1863,7 +2257,7 @@
             <a:fld id="{875CF0EB-321F-0749-B37A-89BBA859503C}" type="datetimeFigureOut">
               <a:rPr lang="en-US" smtClean="0"/>
               <a:pPr/>
-              <a:t>06/12/17</a:t>
+              <a:t>2/9/19</a:t>
             </a:fld>
             <a:endParaRPr lang="en-US" dirty="0"/>
           </a:p>
@@ -1990,10 +2384,9 @@
           </a:lstStyle>
           <a:p>
             <a:r>
-              <a:rPr lang="en-US" smtClean="0"/>
+              <a:rPr lang="en-US"/>
               <a:t>Click to edit Master title style</a:t>
             </a:r>
-            <a:endParaRPr lang="en-US"/>
           </a:p>
         </p:txBody>
       </p:sp>
@@ -2056,7 +2449,7 @@
           <a:p>
             <a:pPr lvl="0"/>
             <a:r>
-              <a:rPr lang="en-US" smtClean="0"/>
+              <a:rPr lang="en-US"/>
               <a:t>Click to edit Master text styles</a:t>
             </a:r>
           </a:p>
@@ -2112,38 +2505,37 @@
           <a:p>
             <a:pPr lvl="0"/>
             <a:r>
-              <a:rPr lang="en-US" smtClean="0"/>
+              <a:rPr lang="en-US"/>
               <a:t>Click to edit Master text styles</a:t>
             </a:r>
           </a:p>
           <a:p>
             <a:pPr lvl="1"/>
             <a:r>
-              <a:rPr lang="en-US" smtClean="0"/>
+              <a:rPr lang="en-US"/>
               <a:t>Second level</a:t>
             </a:r>
           </a:p>
           <a:p>
             <a:pPr lvl="2"/>
             <a:r>
-              <a:rPr lang="en-US" smtClean="0"/>
+              <a:rPr lang="en-US"/>
               <a:t>Third level</a:t>
             </a:r>
           </a:p>
           <a:p>
             <a:pPr lvl="3"/>
             <a:r>
-              <a:rPr lang="en-US" smtClean="0"/>
+              <a:rPr lang="en-US"/>
               <a:t>Fourth level</a:t>
             </a:r>
           </a:p>
           <a:p>
             <a:pPr lvl="4"/>
             <a:r>
-              <a:rPr lang="en-US" smtClean="0"/>
+              <a:rPr lang="en-US"/>
               <a:t>Fifth level</a:t>
             </a:r>
-            <a:endParaRPr lang="en-US"/>
           </a:p>
         </p:txBody>
       </p:sp>
@@ -2206,7 +2598,7 @@
           <a:p>
             <a:pPr lvl="0"/>
             <a:r>
-              <a:rPr lang="en-US" smtClean="0"/>
+              <a:rPr lang="en-US"/>
               <a:t>Click to edit Master text styles</a:t>
             </a:r>
           </a:p>
@@ -2262,38 +2654,37 @@
           <a:p>
             <a:pPr lvl="0"/>
             <a:r>
-              <a:rPr lang="en-US" smtClean="0"/>
+              <a:rPr lang="en-US"/>
               <a:t>Click to edit Master text styles</a:t>
             </a:r>
           </a:p>
           <a:p>
             <a:pPr lvl="1"/>
             <a:r>
-              <a:rPr lang="en-US" smtClean="0"/>
+              <a:rPr lang="en-US"/>
               <a:t>Second level</a:t>
             </a:r>
           </a:p>
           <a:p>
             <a:pPr lvl="2"/>
             <a:r>
-              <a:rPr lang="en-US" smtClean="0"/>
+              <a:rPr lang="en-US"/>
               <a:t>Third level</a:t>
             </a:r>
           </a:p>
           <a:p>
             <a:pPr lvl="3"/>
             <a:r>
-              <a:rPr lang="en-US" smtClean="0"/>
+              <a:rPr lang="en-US"/>
               <a:t>Fourth level</a:t>
             </a:r>
           </a:p>
           <a:p>
             <a:pPr lvl="4"/>
             <a:r>
-              <a:rPr lang="en-US" smtClean="0"/>
+              <a:rPr lang="en-US"/>
               <a:t>Fifth level</a:t>
             </a:r>
-            <a:endParaRPr lang="en-US"/>
           </a:p>
         </p:txBody>
       </p:sp>
@@ -2329,7 +2720,7 @@
             <a:fld id="{875CF0EB-321F-0749-B37A-89BBA859503C}" type="datetimeFigureOut">
               <a:rPr lang="en-US" smtClean="0"/>
               <a:pPr/>
-              <a:t>06/12/17</a:t>
+              <a:t>2/9/19</a:t>
             </a:fld>
             <a:endParaRPr lang="en-US" dirty="0"/>
           </a:p>
@@ -2452,10 +2843,9 @@
           <a:lstStyle/>
           <a:p>
             <a:r>
-              <a:rPr lang="en-US" smtClean="0"/>
+              <a:rPr lang="en-US"/>
               <a:t>Click to edit Master title style</a:t>
             </a:r>
-            <a:endParaRPr lang="en-US"/>
           </a:p>
         </p:txBody>
       </p:sp>
@@ -2491,7 +2881,7 @@
             <a:fld id="{875CF0EB-321F-0749-B37A-89BBA859503C}" type="datetimeFigureOut">
               <a:rPr lang="en-US" smtClean="0"/>
               <a:pPr/>
-              <a:t>06/12/17</a:t>
+              <a:t>2/9/19</a:t>
             </a:fld>
             <a:endParaRPr lang="en-US" dirty="0"/>
           </a:p>
@@ -2630,7 +3020,7 @@
             <a:fld id="{875CF0EB-321F-0749-B37A-89BBA859503C}" type="datetimeFigureOut">
               <a:rPr lang="en-US" smtClean="0"/>
               <a:pPr/>
-              <a:t>06/12/17</a:t>
+              <a:t>2/9/19</a:t>
             </a:fld>
             <a:endParaRPr lang="en-US" dirty="0"/>
           </a:p>
@@ -2762,10 +3152,9 @@
           </a:lstStyle>
           <a:p>
             <a:r>
-              <a:rPr lang="en-US" smtClean="0"/>
+              <a:rPr lang="en-US"/>
               <a:t>Click to edit Master title style</a:t>
             </a:r>
-            <a:endParaRPr lang="en-US"/>
           </a:p>
         </p:txBody>
       </p:sp>
@@ -2819,38 +3208,37 @@
           <a:p>
             <a:pPr lvl="0"/>
             <a:r>
-              <a:rPr lang="en-US" smtClean="0"/>
+              <a:rPr lang="en-US"/>
               <a:t>Click to edit Master text styles</a:t>
             </a:r>
           </a:p>
           <a:p>
             <a:pPr lvl="1"/>
             <a:r>
-              <a:rPr lang="en-US" smtClean="0"/>
+              <a:rPr lang="en-US"/>
               <a:t>Second level</a:t>
             </a:r>
           </a:p>
           <a:p>
             <a:pPr lvl="2"/>
             <a:r>
-              <a:rPr lang="en-US" smtClean="0"/>
+              <a:rPr lang="en-US"/>
               <a:t>Third level</a:t>
             </a:r>
           </a:p>
           <a:p>
             <a:pPr lvl="3"/>
             <a:r>
-              <a:rPr lang="en-US" smtClean="0"/>
+              <a:rPr lang="en-US"/>
               <a:t>Fourth level</a:t>
             </a:r>
           </a:p>
           <a:p>
             <a:pPr lvl="4"/>
             <a:r>
-              <a:rPr lang="en-US" smtClean="0"/>
+              <a:rPr lang="en-US"/>
               <a:t>Fifth level</a:t>
             </a:r>
-            <a:endParaRPr lang="en-US"/>
           </a:p>
         </p:txBody>
       </p:sp>
@@ -2913,7 +3301,7 @@
           <a:p>
             <a:pPr lvl="0"/>
             <a:r>
-              <a:rPr lang="en-US" smtClean="0"/>
+              <a:rPr lang="en-US"/>
               <a:t>Click to edit Master text styles</a:t>
             </a:r>
           </a:p>
@@ -2951,7 +3339,7 @@
             <a:fld id="{875CF0EB-321F-0749-B37A-89BBA859503C}" type="datetimeFigureOut">
               <a:rPr lang="en-US" smtClean="0"/>
               <a:pPr/>
-              <a:t>06/12/17</a:t>
+              <a:t>2/9/19</a:t>
             </a:fld>
             <a:endParaRPr lang="en-US" dirty="0"/>
           </a:p>
@@ -3083,10 +3471,9 @@
           </a:lstStyle>
           <a:p>
             <a:r>
-              <a:rPr lang="en-US" smtClean="0"/>
+              <a:rPr lang="en-US"/>
               <a:t>Click to edit Master title style</a:t>
             </a:r>
-            <a:endParaRPr lang="en-US"/>
           </a:p>
         </p:txBody>
       </p:sp>
@@ -3210,7 +3597,7 @@
           <a:p>
             <a:pPr lvl="0"/>
             <a:r>
-              <a:rPr lang="en-US" smtClean="0"/>
+              <a:rPr lang="en-US"/>
               <a:t>Click to edit Master text styles</a:t>
             </a:r>
           </a:p>
@@ -3248,7 +3635,7 @@
             <a:fld id="{875CF0EB-321F-0749-B37A-89BBA859503C}" type="datetimeFigureOut">
               <a:rPr lang="en-US" smtClean="0"/>
               <a:pPr/>
-              <a:t>06/12/17</a:t>
+              <a:t>2/9/19</a:t>
             </a:fld>
             <a:endParaRPr lang="en-US" dirty="0"/>
           </a:p>
@@ -3386,10 +3773,9 @@
           <a:lstStyle/>
           <a:p>
             <a:r>
-              <a:rPr lang="en-US" dirty="0" smtClean="0"/>
+              <a:rPr lang="en-US" dirty="0"/>
               <a:t>Click to edit Master title style</a:t>
             </a:r>
-            <a:endParaRPr lang="en-US" dirty="0"/>
           </a:p>
         </p:txBody>
       </p:sp>
@@ -3420,38 +3806,37 @@
           <a:p>
             <a:pPr lvl="0"/>
             <a:r>
-              <a:rPr lang="en-US" dirty="0" smtClean="0"/>
+              <a:rPr lang="en-US" dirty="0"/>
               <a:t>Click to edit Master text styles</a:t>
             </a:r>
           </a:p>
           <a:p>
             <a:pPr lvl="1"/>
             <a:r>
-              <a:rPr lang="en-US" dirty="0" smtClean="0"/>
+              <a:rPr lang="en-US" dirty="0"/>
               <a:t>Second level</a:t>
             </a:r>
           </a:p>
           <a:p>
             <a:pPr lvl="2"/>
             <a:r>
-              <a:rPr lang="en-US" dirty="0" smtClean="0"/>
+              <a:rPr lang="en-US" dirty="0"/>
               <a:t>Third level</a:t>
             </a:r>
           </a:p>
           <a:p>
             <a:pPr lvl="3"/>
             <a:r>
-              <a:rPr lang="en-US" dirty="0" smtClean="0"/>
+              <a:rPr lang="en-US" dirty="0"/>
               <a:t>Fourth level</a:t>
             </a:r>
           </a:p>
           <a:p>
             <a:pPr lvl="4"/>
             <a:r>
-              <a:rPr lang="en-US" dirty="0" smtClean="0"/>
+              <a:rPr lang="en-US" dirty="0"/>
               <a:t>Fifth level</a:t>
             </a:r>
-            <a:endParaRPr lang="en-US" dirty="0"/>
           </a:p>
         </p:txBody>
       </p:sp>
@@ -3477,14 +3862,14 @@
           </a:ln>
           <a:extLst>
             <a:ext uri="{909E8E84-426E-40dd-AFC4-6F175D3DCCD1}">
-              <a14:hiddenFill xmlns:a14="http://schemas.microsoft.com/office/drawing/2010/main">
+              <a14:hiddenFill xmlns:a14="http://schemas.microsoft.com/office/drawing/2010/main" xmlns="">
                 <a:solidFill>
                   <a:srgbClr val="FFFFFF"/>
                 </a:solidFill>
               </a14:hiddenFill>
             </a:ext>
             <a:ext uri="{91240B29-F687-4f45-9708-019B960494DF}">
-              <a14:hiddenLine xmlns:a14="http://schemas.microsoft.com/office/drawing/2010/main" w="9525">
+              <a14:hiddenLine xmlns:a14="http://schemas.microsoft.com/office/drawing/2010/main" xmlns="" w="9525">
                 <a:solidFill>
                   <a:srgbClr val="000000"/>
                 </a:solidFill>
@@ -3638,7 +4023,7 @@
               <a:defRPr/>
             </a:pPr>
             <a:r>
-              <a:rPr lang="en-US" sz="700" dirty="0" smtClean="0">
+              <a:rPr lang="en-US" sz="700" dirty="0">
                 <a:latin typeface="Montserrat"/>
               </a:rPr>
               <a:t>© Paul Fremantle 2015.  This work is licensed under a Creative Commons</a:t>
@@ -3649,55 +4034,55 @@
               <a:defRPr/>
             </a:pPr>
             <a:r>
-              <a:rPr lang="en-US" sz="700" dirty="0" smtClean="0">
+              <a:rPr lang="en-US" sz="700" dirty="0">
                 <a:latin typeface="Montserrat"/>
               </a:rPr>
               <a:t> Attribution-</a:t>
             </a:r>
             <a:r>
-              <a:rPr lang="en-US" sz="700" dirty="0" err="1" smtClean="0">
+              <a:rPr lang="en-US" sz="700" dirty="0" err="1">
                 <a:latin typeface="Montserrat"/>
               </a:rPr>
               <a:t>NonCommercial</a:t>
             </a:r>
             <a:r>
-              <a:rPr lang="en-US" sz="700" dirty="0" smtClean="0">
+              <a:rPr lang="en-US" sz="700" dirty="0">
                 <a:latin typeface="Montserrat"/>
               </a:rPr>
               <a:t>-</a:t>
             </a:r>
             <a:r>
-              <a:rPr lang="en-US" sz="700" dirty="0" err="1" smtClean="0">
+              <a:rPr lang="en-US" sz="700" dirty="0" err="1">
                 <a:latin typeface="Montserrat"/>
               </a:rPr>
               <a:t>ShareAlike</a:t>
             </a:r>
             <a:r>
-              <a:rPr lang="en-US" sz="700" dirty="0" smtClean="0">
+              <a:rPr lang="en-US" sz="700" dirty="0">
                 <a:latin typeface="Montserrat"/>
               </a:rPr>
               <a:t> 4.0 International License</a:t>
             </a:r>
             <a:br>
-              <a:rPr lang="en-US" sz="700" dirty="0" smtClean="0">
+              <a:rPr lang="en-US" sz="700" dirty="0">
                 <a:latin typeface="Montserrat"/>
               </a:rPr>
             </a:br>
             <a:r>
-              <a:rPr lang="en-US" sz="700" dirty="0" smtClean="0">
+              <a:rPr lang="en-US" sz="700" dirty="0">
                 <a:latin typeface="Montserrat"/>
               </a:rPr>
               <a:t>See  </a:t>
             </a:r>
             <a:r>
-              <a:rPr lang="en-US" sz="700" dirty="0" smtClean="0">
+              <a:rPr lang="en-US" sz="700" dirty="0">
                 <a:latin typeface="Montserrat"/>
                 <a:hlinkClick r:id="rId13"/>
               </a:rPr>
               <a:t>http://creativecommons.org/licenses/by-nc-sa/4.0/</a:t>
             </a:r>
             <a:r>
-              <a:rPr lang="en-US" sz="700" dirty="0" smtClean="0">
+              <a:rPr lang="en-US" sz="700" dirty="0">
                 <a:latin typeface="Montserrat"/>
               </a:rPr>
               <a:t> </a:t>
@@ -4038,14 +4423,14 @@
           <a:noFill/>
           <a:extLst>
             <a:ext uri="{909E8E84-426E-40dd-AFC4-6F175D3DCCD1}">
-              <a14:hiddenFill xmlns:a14="http://schemas.microsoft.com/office/drawing/2010/main">
+              <a14:hiddenFill xmlns:a14="http://schemas.microsoft.com/office/drawing/2010/main" xmlns="">
                 <a:solidFill>
                   <a:srgbClr val="FFFFFF"/>
                 </a:solidFill>
               </a14:hiddenFill>
             </a:ext>
             <a:ext uri="{91240B29-F687-4f45-9708-019B960494DF}">
-              <a14:hiddenLine xmlns:a14="http://schemas.microsoft.com/office/drawing/2010/main" w="9525">
+              <a14:hiddenLine xmlns:a14="http://schemas.microsoft.com/office/drawing/2010/main" xmlns="" w="9525">
                 <a:solidFill>
                   <a:srgbClr val="000000"/>
                 </a:solidFill>
@@ -4067,24 +4452,11 @@
           <a:p>
             <a:pPr eaLnBrk="1" hangingPunct="1"/>
             <a:r>
-              <a:rPr lang="en-US" sz="4000" dirty="0" smtClean="0">
+              <a:rPr lang="en-US" sz="4000" dirty="0">
                 <a:ea typeface="ヒラギノ角ゴ ProN W3" charset="0"/>
                 <a:cs typeface="ヒラギノ角ゴ ProN W3" charset="0"/>
               </a:rPr>
               <a:t>Big Data Engineering</a:t>
-            </a:r>
-            <a:br>
-              <a:rPr lang="en-US" sz="4000" dirty="0" smtClean="0">
-                <a:ea typeface="ヒラギノ角ゴ ProN W3" charset="0"/>
-                <a:cs typeface="ヒラギノ角ゴ ProN W3" charset="0"/>
-              </a:rPr>
-            </a:br>
-            <a:r>
-              <a:rPr lang="en-US" sz="4000" dirty="0">
-                <a:ea typeface="ヒラギノ角ゴ ProN W3" charset="0"/>
-                <a:cs typeface="ヒラギノ角ゴ ProN W3" charset="0"/>
-              </a:rPr>
-              <a:t/>
             </a:r>
             <a:br>
               <a:rPr lang="en-US" sz="4000" dirty="0">
@@ -4092,8 +4464,14 @@
                 <a:cs typeface="ヒラギノ角ゴ ProN W3" charset="0"/>
               </a:rPr>
             </a:br>
-            <a:r>
-              <a:rPr lang="en-US" sz="4000" dirty="0" smtClean="0">
+            <a:br>
+              <a:rPr lang="en-US" sz="4000" dirty="0">
+                <a:ea typeface="ヒラギノ角ゴ ProN W3" charset="0"/>
+                <a:cs typeface="ヒラギノ角ゴ ProN W3" charset="0"/>
+              </a:rPr>
+            </a:br>
+            <a:r>
+              <a:rPr lang="en-US" sz="4000" dirty="0">
                 <a:ea typeface="ヒラギノ角ゴ ProN W3" charset="0"/>
                 <a:cs typeface="ヒラギノ角ゴ ProN W3" charset="0"/>
               </a:rPr>
@@ -4116,21 +4494,6 @@
   <p:clrMapOvr>
     <a:masterClrMapping/>
   </p:clrMapOvr>
-  <mc:AlternateContent xmlns:mc="http://schemas.openxmlformats.org/markup-compatibility/2006" xmlns:p14="http://schemas.microsoft.com/office/powerpoint/2010/main">
-    <mc:Choice Requires="p14">
-      <p:transition spd="slow" p14:dur="2000"/>
-    </mc:Choice>
-    <mc:Fallback xmlns="">
-      <p:transition xmlns:p14="http://schemas.microsoft.com/office/powerpoint/2010/main" spd="slow"/>
-    </mc:Fallback>
-  </mc:AlternateContent>
-  <p:timing>
-    <p:tnLst>
-      <p:par>
-        <p:cTn xmlns:p14="http://schemas.microsoft.com/office/powerpoint/2010/main" id="1" dur="indefinite" restart="never" nodeType="tmRoot"/>
-      </p:par>
-    </p:tnLst>
-  </p:timing>
 </p:sld>
 </file>
 
@@ -4169,11 +4532,145 @@
           <a:lstStyle/>
           <a:p>
             <a:r>
-              <a:rPr lang="en-US" sz="3600" dirty="0" smtClean="0"/>
+              <a:rPr lang="en-US" dirty="0"/>
+              <a:t>RDD Lineage</a:t>
+            </a:r>
+            <a:br>
+              <a:rPr lang="en-US" dirty="0"/>
+            </a:br>
+            <a:r>
+              <a:rPr lang="en-US" sz="3100" dirty="0"/>
+              <a:t>(aka RDD operator graph and RDD dependency graph)</a:t>
+            </a:r>
+          </a:p>
+        </p:txBody>
+      </p:sp>
+      <p:pic>
+        <p:nvPicPr>
+          <p:cNvPr id="4" name="Picture 3"/>
+          <p:cNvPicPr>
+            <a:picLocks noChangeAspect="1"/>
+          </p:cNvPicPr>
+          <p:nvPr/>
+        </p:nvPicPr>
+        <p:blipFill>
+          <a:blip r:embed="rId2"/>
+          <a:stretch>
+            <a:fillRect/>
+          </a:stretch>
+        </p:blipFill>
+        <p:spPr>
+          <a:xfrm>
+            <a:off x="1312334" y="2233249"/>
+            <a:ext cx="4521200" cy="3251200"/>
+          </a:xfrm>
+          <a:prstGeom prst="rect">
+            <a:avLst/>
+          </a:prstGeom>
+        </p:spPr>
+      </p:pic>
+      <p:sp>
+        <p:nvSpPr>
+          <p:cNvPr id="3" name="TextBox 2">
+            <a:extLst>
+              <a:ext uri="{FF2B5EF4-FFF2-40B4-BE49-F238E27FC236}">
+                <a16:creationId xmlns:a16="http://schemas.microsoft.com/office/drawing/2014/main" id="{1BDBAF57-9DBD-7F4D-86DA-91A8870A7385}"/>
+              </a:ext>
+            </a:extLst>
+          </p:cNvPr>
+          <p:cNvSpPr txBox="1"/>
+          <p:nvPr/>
+        </p:nvSpPr>
+        <p:spPr>
+          <a:xfrm>
+            <a:off x="6536267" y="2963333"/>
+            <a:ext cx="2150533" cy="1754326"/>
+          </a:xfrm>
+          <a:prstGeom prst="rect">
+            <a:avLst/>
+          </a:prstGeom>
+          <a:noFill/>
+        </p:spPr>
+        <p:txBody>
+          <a:bodyPr wrap="square" rtlCol="0">
+            <a:spAutoFit/>
+          </a:bodyPr>
+          <a:lstStyle/>
+          <a:p>
+            <a:pPr marL="285750" indent="-285750">
+              <a:buFont typeface="Arial" panose="020B0604020202020204" pitchFamily="34" charset="0"/>
+              <a:buChar char="•"/>
+            </a:pPr>
+            <a:r>
+              <a:rPr lang="en-US" dirty="0"/>
+              <a:t>Which RDDs depend on which other RDDs?</a:t>
+            </a:r>
+          </a:p>
+          <a:p>
+            <a:pPr marL="285750" indent="-285750">
+              <a:buFont typeface="Arial" panose="020B0604020202020204" pitchFamily="34" charset="0"/>
+              <a:buChar char="•"/>
+            </a:pPr>
+            <a:r>
+              <a:rPr lang="en-US" dirty="0"/>
+              <a:t>Why is it important that it is a DAG?</a:t>
+            </a:r>
+          </a:p>
+        </p:txBody>
+      </p:sp>
+    </p:spTree>
+    <p:extLst>
+      <p:ext uri="{BB962C8B-B14F-4D97-AF65-F5344CB8AC3E}">
+        <p14:creationId xmlns:p14="http://schemas.microsoft.com/office/powerpoint/2010/main" val="1053382709"/>
+      </p:ext>
+    </p:extLst>
+  </p:cSld>
+  <p:clrMapOvr>
+    <a:masterClrMapping/>
+  </p:clrMapOvr>
+</p:sld>
+</file>
+
+<file path=ppt/slides/slide11.xml><?xml version="1.0" encoding="utf-8"?>
+<p:sld xmlns:a="http://schemas.openxmlformats.org/drawingml/2006/main" xmlns:r="http://schemas.openxmlformats.org/officeDocument/2006/relationships" xmlns:p="http://schemas.openxmlformats.org/presentationml/2006/main">
+  <p:cSld>
+    <p:spTree>
+      <p:nvGrpSpPr>
+        <p:cNvPr id="1" name=""/>
+        <p:cNvGrpSpPr/>
+        <p:nvPr/>
+      </p:nvGrpSpPr>
+      <p:grpSpPr>
+        <a:xfrm>
+          <a:off x="0" y="0"/>
+          <a:ext cx="0" cy="0"/>
+          <a:chOff x="0" y="0"/>
+          <a:chExt cx="0" cy="0"/>
+        </a:xfrm>
+      </p:grpSpPr>
+      <p:sp>
+        <p:nvSpPr>
+          <p:cNvPr id="2" name="Title 1"/>
+          <p:cNvSpPr>
+            <a:spLocks noGrp="1"/>
+          </p:cNvSpPr>
+          <p:nvPr>
+            <p:ph type="title"/>
+          </p:nvPr>
+        </p:nvSpPr>
+        <p:spPr/>
+        <p:txBody>
+          <a:bodyPr>
+            <a:normAutofit fontScale="90000"/>
+          </a:bodyPr>
+          <a:lstStyle/>
+          <a:p>
+            <a:r>
+              <a:rPr lang="en-US" sz="3600" dirty="0"/>
               <a:t>Narrow and Wide dependencies</a:t>
             </a:r>
             <a:br>
-              <a:rPr lang="en-US" sz="3600" dirty="0" smtClean="0"/>
+              <a:rPr lang="en-US" sz="3600" dirty="0"/>
             </a:br>
             <a:endParaRPr lang="en-US" sz="3600" dirty="0"/>
           </a:p>
@@ -4233,19 +4730,12 @@
               <a:rPr lang="en-US" dirty="0">
                 <a:hlinkClick r:id="rId3"/>
               </a:rPr>
-              <a:t>http://www.cs.berkeley.edu/~matei/papers/2012/</a:t>
-            </a:r>
-            <a:r>
-              <a:rPr lang="en-US" dirty="0" smtClean="0">
-                <a:hlinkClick r:id="rId3"/>
-              </a:rPr>
-              <a:t>nsdi_spark.pdf</a:t>
-            </a:r>
-            <a:r>
-              <a:rPr lang="en-US" dirty="0" smtClean="0"/>
+              <a:t>http://www.cs.berkeley.edu/~matei/papers/2012/nsdi_spark.pdf</a:t>
+            </a:r>
+            <a:r>
+              <a:rPr lang="en-US" dirty="0"/>
               <a:t> </a:t>
             </a:r>
-            <a:endParaRPr lang="en-US" dirty="0"/>
           </a:p>
         </p:txBody>
       </p:sp>
@@ -4272,30 +4762,29 @@
           <a:lstStyle/>
           <a:p>
             <a:r>
-              <a:rPr lang="en-US" sz="1400" b="1" dirty="0" smtClean="0"/>
+              <a:rPr lang="en-US" sz="1400" b="1" dirty="0"/>
               <a:t>Narrow dependencies:</a:t>
             </a:r>
             <a:br>
-              <a:rPr lang="en-US" sz="1400" b="1" dirty="0" smtClean="0"/>
+              <a:rPr lang="en-US" sz="1400" b="1" dirty="0"/>
             </a:br>
             <a:r>
-              <a:rPr lang="en-US" sz="1400" dirty="0" smtClean="0"/>
+              <a:rPr lang="en-US" sz="1400" dirty="0"/>
               <a:t>Each partition of the parent is used by one child partition</a:t>
             </a:r>
           </a:p>
           <a:p>
             <a:r>
-              <a:rPr lang="en-US" sz="1400" b="1" dirty="0" smtClean="0"/>
+              <a:rPr lang="en-US" sz="1400" b="1" dirty="0"/>
               <a:t>Wide Dependencies:</a:t>
             </a:r>
             <a:br>
-              <a:rPr lang="en-US" sz="1400" b="1" dirty="0" smtClean="0"/>
+              <a:rPr lang="en-US" sz="1400" b="1" dirty="0"/>
             </a:br>
             <a:r>
-              <a:rPr lang="en-US" sz="1400" dirty="0" smtClean="0"/>
+              <a:rPr lang="en-US" sz="1400" dirty="0"/>
               <a:t>multiple child dependencies depend upon it</a:t>
             </a:r>
-            <a:endParaRPr lang="en-US" sz="1400" dirty="0"/>
           </a:p>
         </p:txBody>
       </p:sp>
@@ -4309,17 +4798,10 @@
   <p:clrMapOvr>
     <a:masterClrMapping/>
   </p:clrMapOvr>
-  <p:timing>
-    <p:tnLst>
-      <p:par>
-        <p:cTn xmlns:p14="http://schemas.microsoft.com/office/powerpoint/2010/main" id="1" dur="indefinite" restart="never" nodeType="tmRoot"/>
-      </p:par>
-    </p:tnLst>
-  </p:timing>
 </p:sld>
 </file>
 
-<file path=ppt/slides/slide11.xml><?xml version="1.0" encoding="utf-8"?>
+<file path=ppt/slides/slide12.xml><?xml version="1.0" encoding="utf-8"?>
 <p:sld xmlns:a="http://schemas.openxmlformats.org/drawingml/2006/main" xmlns:r="http://schemas.openxmlformats.org/officeDocument/2006/relationships" xmlns:p="http://schemas.openxmlformats.org/presentationml/2006/main">
   <p:cSld>
     <p:spTree>
@@ -4354,11 +4836,11 @@
           <a:lstStyle/>
           <a:p>
             <a:r>
-              <a:rPr lang="en-US" sz="4000" dirty="0" smtClean="0"/>
+              <a:rPr lang="en-US" sz="4000" dirty="0"/>
               <a:t>How Spark computes jobs</a:t>
             </a:r>
             <a:br>
-              <a:rPr lang="en-US" sz="4000" dirty="0" smtClean="0"/>
+              <a:rPr lang="en-US" sz="4000" dirty="0"/>
             </a:br>
             <a:endParaRPr lang="en-US" sz="4000" dirty="0"/>
           </a:p>
@@ -4418,19 +4900,12 @@
               <a:rPr lang="en-US" dirty="0">
                 <a:hlinkClick r:id="rId3"/>
               </a:rPr>
-              <a:t>http://www.cs.berkeley.edu/~matei/papers/2012/</a:t>
-            </a:r>
-            <a:r>
-              <a:rPr lang="en-US" dirty="0" smtClean="0">
-                <a:hlinkClick r:id="rId3"/>
-              </a:rPr>
-              <a:t>nsdi_spark.pdf</a:t>
-            </a:r>
-            <a:r>
-              <a:rPr lang="en-US" dirty="0" smtClean="0"/>
+              <a:t>http://www.cs.berkeley.edu/~matei/papers/2012/nsdi_spark.pdf</a:t>
+            </a:r>
+            <a:r>
+              <a:rPr lang="en-US" dirty="0"/>
               <a:t> </a:t>
             </a:r>
-            <a:endParaRPr lang="en-US" dirty="0"/>
           </a:p>
         </p:txBody>
       </p:sp>
@@ -4456,20 +4931,16 @@
           <a:lstStyle/>
           <a:p>
             <a:r>
-              <a:rPr lang="en-US" dirty="0" smtClean="0"/>
+              <a:rPr lang="en-US" dirty="0"/>
               <a:t>Boxes</a:t>
             </a:r>
             <a:r>
-              <a:rPr lang="en-US" b="1" dirty="0" smtClean="0"/>
+              <a:rPr lang="en-US" b="1" dirty="0"/>
               <a:t> </a:t>
             </a:r>
             <a:r>
-              <a:rPr lang="en-US" dirty="0" smtClean="0"/>
-              <a:t>with </a:t>
-            </a:r>
-            <a:r>
-              <a:rPr lang="en-US" dirty="0"/>
-              <a:t>solid outlines are </a:t>
+              <a:rPr lang="en-US" dirty="0"/>
+              <a:t>with solid outlines are </a:t>
             </a:r>
             <a:r>
               <a:rPr lang="en-US" b="1" dirty="0"/>
@@ -4479,32 +4950,16 @@
               <a:rPr lang="en-US" dirty="0"/>
               <a:t> </a:t>
             </a:r>
-            <a:r>
-              <a:rPr lang="en-US" dirty="0" smtClean="0"/>
-              <a:t/>
-            </a:r>
             <a:br>
-              <a:rPr lang="en-US" dirty="0" smtClean="0"/>
+              <a:rPr lang="en-US" dirty="0"/>
             </a:br>
             <a:r>
-              <a:rPr lang="en-US" b="1" dirty="0" smtClean="0"/>
+              <a:rPr lang="en-US" b="1" dirty="0"/>
               <a:t>Partitions</a:t>
             </a:r>
             <a:r>
-              <a:rPr lang="en-US" dirty="0" smtClean="0"/>
-              <a:t> </a:t>
-            </a:r>
-            <a:r>
-              <a:rPr lang="en-US" dirty="0"/>
-              <a:t>are </a:t>
-            </a:r>
-            <a:r>
-              <a:rPr lang="en-US" dirty="0" smtClean="0"/>
-              <a:t>shaded rectangles, in </a:t>
-            </a:r>
-            <a:r>
-              <a:rPr lang="en-US" dirty="0"/>
-              <a:t>black if they are </a:t>
+              <a:rPr lang="en-US" dirty="0"/>
+              <a:t> are shaded rectangles, in black if they are </a:t>
             </a:r>
             <a:r>
               <a:rPr lang="en-US" b="1" dirty="0"/>
@@ -4514,33 +4969,21 @@
               <a:rPr lang="en-US" dirty="0"/>
               <a:t>. </a:t>
             </a:r>
-            <a:r>
-              <a:rPr lang="en-US" dirty="0" smtClean="0"/>
-              <a:t/>
-            </a:r>
             <a:br>
-              <a:rPr lang="en-US" dirty="0" smtClean="0"/>
+              <a:rPr lang="en-US" dirty="0"/>
             </a:br>
-            <a:endParaRPr lang="en-US" dirty="0" smtClean="0"/>
-          </a:p>
-          <a:p>
-            <a:r>
-              <a:rPr lang="en-US" dirty="0" smtClean="0"/>
-              <a:t>To </a:t>
-            </a:r>
-            <a:r>
-              <a:rPr lang="en-US" dirty="0"/>
-              <a:t>run an action on RDD</a:t>
-            </a:r>
-          </a:p>
-          <a:p>
-            <a:r>
-              <a:rPr lang="en-US" dirty="0"/>
-              <a:t>G, </a:t>
-            </a:r>
-            <a:r>
-              <a:rPr lang="en-US" dirty="0" smtClean="0"/>
-              <a:t>build </a:t>
+            <a:endParaRPr lang="en-US" dirty="0"/>
+          </a:p>
+          <a:p>
+            <a:r>
+              <a:rPr lang="en-US" dirty="0"/>
+              <a:t>To run an action on RDD</a:t>
+            </a:r>
+          </a:p>
+          <a:p>
+            <a:r>
+              <a:rPr lang="en-US" dirty="0"/>
+              <a:t>G, build </a:t>
             </a:r>
             <a:r>
               <a:rPr lang="en-US" b="1" dirty="0"/>
@@ -4556,37 +4999,17 @@
             </a:r>
             <a:r>
               <a:rPr lang="en-US" dirty="0"/>
-              <a:t> </a:t>
-            </a:r>
-            <a:r>
-              <a:rPr lang="en-US" dirty="0" smtClean="0"/>
-              <a:t>narrow transformations </a:t>
-            </a:r>
-            <a:r>
-              <a:rPr lang="en-US" dirty="0"/>
-              <a:t>inside each stage. </a:t>
-            </a:r>
-            <a:r>
-              <a:rPr lang="en-US" dirty="0" smtClean="0"/>
-              <a:t/>
+              <a:t> narrow transformations inside each stage. </a:t>
             </a:r>
             <a:br>
-              <a:rPr lang="en-US" dirty="0" smtClean="0"/>
+              <a:rPr lang="en-US" dirty="0"/>
             </a:br>
-            <a:r>
-              <a:rPr lang="en-US" dirty="0" smtClean="0"/>
-              <a:t/>
-            </a:r>
             <a:br>
-              <a:rPr lang="en-US" dirty="0" smtClean="0"/>
+              <a:rPr lang="en-US" dirty="0"/>
             </a:br>
             <a:r>
-              <a:rPr lang="en-US" dirty="0" smtClean="0"/>
-              <a:t>In </a:t>
-            </a:r>
-            <a:r>
-              <a:rPr lang="en-US" dirty="0"/>
-              <a:t>this case, stage 1’s</a:t>
+              <a:rPr lang="en-US" dirty="0"/>
+              <a:t>In this case, stage 1’s</a:t>
             </a:r>
           </a:p>
           <a:p>
@@ -4607,17 +5030,10 @@
   <p:clrMapOvr>
     <a:masterClrMapping/>
   </p:clrMapOvr>
-  <p:timing>
-    <p:tnLst>
-      <p:par>
-        <p:cTn xmlns:p14="http://schemas.microsoft.com/office/powerpoint/2010/main" id="1" dur="indefinite" restart="never" nodeType="tmRoot"/>
-      </p:par>
-    </p:tnLst>
-  </p:timing>
 </p:sld>
 </file>
 
-<file path=ppt/slides/slide12.xml><?xml version="1.0" encoding="utf-8"?>
+<file path=ppt/slides/slide13.xml><?xml version="1.0" encoding="utf-8"?>
 <p:sld xmlns:a="http://schemas.openxmlformats.org/drawingml/2006/main" xmlns:r="http://schemas.openxmlformats.org/officeDocument/2006/relationships" xmlns:p="http://schemas.openxmlformats.org/presentationml/2006/main">
   <p:cSld>
     <p:spTree>
@@ -4650,22 +5066,21 @@
           <a:lstStyle/>
           <a:p>
             <a:r>
-              <a:rPr lang="en-US" dirty="0" err="1" smtClean="0"/>
+              <a:rPr lang="en-US" dirty="0" err="1"/>
               <a:t>Hadoop</a:t>
             </a:r>
             <a:r>
-              <a:rPr lang="en-US" dirty="0" smtClean="0"/>
+              <a:rPr lang="en-US" dirty="0"/>
               <a:t> </a:t>
             </a:r>
             <a:r>
-              <a:rPr lang="en-US" dirty="0" err="1" smtClean="0"/>
+              <a:rPr lang="en-US" dirty="0" err="1"/>
               <a:t>vs</a:t>
             </a:r>
             <a:r>
-              <a:rPr lang="en-US" dirty="0" smtClean="0"/>
+              <a:rPr lang="en-US" dirty="0"/>
               <a:t> Spark sorting</a:t>
             </a:r>
-            <a:endParaRPr lang="en-US" dirty="0"/>
           </a:p>
         </p:txBody>
       </p:sp>
@@ -4703,17 +5118,10 @@
   <p:clrMapOvr>
     <a:masterClrMapping/>
   </p:clrMapOvr>
-  <p:timing>
-    <p:tnLst>
-      <p:par>
-        <p:cTn xmlns:p14="http://schemas.microsoft.com/office/powerpoint/2010/main" id="1" dur="indefinite" restart="never" nodeType="tmRoot"/>
-      </p:par>
-    </p:tnLst>
-  </p:timing>
 </p:sld>
 </file>
 
-<file path=ppt/slides/slide13.xml><?xml version="1.0" encoding="utf-8"?>
+<file path=ppt/slides/slide14.xml><?xml version="1.0" encoding="utf-8"?>
 <p:sld xmlns:a="http://schemas.openxmlformats.org/drawingml/2006/main" xmlns:r="http://schemas.openxmlformats.org/officeDocument/2006/relationships" xmlns:p="http://schemas.openxmlformats.org/presentationml/2006/main">
   <p:cSld>
     <p:spTree>
@@ -4746,10 +5154,9 @@
           <a:lstStyle/>
           <a:p>
             <a:r>
-              <a:rPr lang="en-US" dirty="0" smtClean="0"/>
+              <a:rPr lang="en-US" dirty="0"/>
               <a:t>Apache Spark cluster model</a:t>
             </a:r>
-            <a:endParaRPr lang="en-US" dirty="0"/>
           </a:p>
         </p:txBody>
       </p:sp>
@@ -4787,156 +5194,6 @@
   <p:clrMapOvr>
     <a:masterClrMapping/>
   </p:clrMapOvr>
-  <p:timing>
-    <p:tnLst>
-      <p:par>
-        <p:cTn xmlns:p14="http://schemas.microsoft.com/office/powerpoint/2010/main" id="1" dur="indefinite" restart="never" nodeType="tmRoot"/>
-      </p:par>
-    </p:tnLst>
-  </p:timing>
-</p:sld>
-</file>
-
-<file path=ppt/slides/slide14.xml><?xml version="1.0" encoding="utf-8"?>
-<p:sld xmlns:a="http://schemas.openxmlformats.org/drawingml/2006/main" xmlns:r="http://schemas.openxmlformats.org/officeDocument/2006/relationships" xmlns:p="http://schemas.openxmlformats.org/presentationml/2006/main">
-  <p:cSld>
-    <p:spTree>
-      <p:nvGrpSpPr>
-        <p:cNvPr id="1" name=""/>
-        <p:cNvGrpSpPr/>
-        <p:nvPr/>
-      </p:nvGrpSpPr>
-      <p:grpSpPr>
-        <a:xfrm>
-          <a:off x="0" y="0"/>
-          <a:ext cx="0" cy="0"/>
-          <a:chOff x="0" y="0"/>
-          <a:chExt cx="0" cy="0"/>
-        </a:xfrm>
-      </p:grpSpPr>
-      <p:sp>
-        <p:nvSpPr>
-          <p:cNvPr id="2" name="Title 1"/>
-          <p:cNvSpPr>
-            <a:spLocks noGrp="1"/>
-          </p:cNvSpPr>
-          <p:nvPr>
-            <p:ph type="title"/>
-          </p:nvPr>
-        </p:nvSpPr>
-        <p:spPr/>
-        <p:txBody>
-          <a:bodyPr/>
-          <a:lstStyle/>
-          <a:p>
-            <a:r>
-              <a:rPr lang="en-US" dirty="0" smtClean="0"/>
-              <a:t>Spark Coding</a:t>
-            </a:r>
-            <a:endParaRPr lang="en-US" dirty="0"/>
-          </a:p>
-        </p:txBody>
-      </p:sp>
-      <p:sp>
-        <p:nvSpPr>
-          <p:cNvPr id="3" name="Content Placeholder 2"/>
-          <p:cNvSpPr>
-            <a:spLocks noGrp="1"/>
-          </p:cNvSpPr>
-          <p:nvPr>
-            <p:ph idx="1"/>
-          </p:nvPr>
-        </p:nvSpPr>
-        <p:spPr/>
-        <p:txBody>
-          <a:bodyPr>
-            <a:normAutofit fontScale="85000" lnSpcReduction="10000"/>
-          </a:bodyPr>
-          <a:lstStyle/>
-          <a:p>
-            <a:r>
-              <a:rPr lang="en-US" dirty="0" smtClean="0"/>
-              <a:t>You can code in:</a:t>
-            </a:r>
-          </a:p>
-          <a:p>
-            <a:pPr lvl="1"/>
-            <a:r>
-              <a:rPr lang="en-US" dirty="0" err="1" smtClean="0"/>
-              <a:t>Scala</a:t>
-            </a:r>
-            <a:endParaRPr lang="en-US" dirty="0" smtClean="0"/>
-          </a:p>
-          <a:p>
-            <a:pPr lvl="1"/>
-            <a:r>
-              <a:rPr lang="en-US" dirty="0" smtClean="0"/>
-              <a:t>Java</a:t>
-            </a:r>
-          </a:p>
-          <a:p>
-            <a:pPr lvl="1"/>
-            <a:r>
-              <a:rPr lang="en-US" dirty="0" smtClean="0"/>
-              <a:t>Python</a:t>
-            </a:r>
-          </a:p>
-          <a:p>
-            <a:pPr lvl="1"/>
-            <a:r>
-              <a:rPr lang="en-US" dirty="0" smtClean="0"/>
-              <a:t>R</a:t>
-            </a:r>
-          </a:p>
-          <a:p>
-            <a:pPr lvl="1"/>
-            <a:r>
-              <a:rPr lang="en-US" dirty="0" smtClean="0"/>
-              <a:t>SQL</a:t>
-            </a:r>
-          </a:p>
-          <a:p>
-            <a:r>
-              <a:rPr lang="en-US" dirty="0" smtClean="0"/>
-              <a:t>We will be using Python and SQL in the class</a:t>
-            </a:r>
-            <a:br>
-              <a:rPr lang="en-US" dirty="0" smtClean="0"/>
-            </a:br>
-            <a:endParaRPr lang="en-US" dirty="0" smtClean="0"/>
-          </a:p>
-          <a:p>
-            <a:r>
-              <a:rPr lang="en-US" dirty="0" smtClean="0"/>
-              <a:t>After you leave here you can use anything you like </a:t>
-            </a:r>
-          </a:p>
-          <a:p>
-            <a:pPr lvl="1"/>
-            <a:r>
-              <a:rPr lang="en-US" dirty="0" smtClean="0"/>
-              <a:t>Including “Not Spark”</a:t>
-            </a:r>
-          </a:p>
-        </p:txBody>
-      </p:sp>
-    </p:spTree>
-    <p:extLst>
-      <p:ext uri="{BB962C8B-B14F-4D97-AF65-F5344CB8AC3E}">
-        <p14:creationId xmlns:p14="http://schemas.microsoft.com/office/powerpoint/2010/main" val="3418550297"/>
-      </p:ext>
-    </p:extLst>
-  </p:cSld>
-  <p:clrMapOvr>
-    <a:masterClrMapping/>
-  </p:clrMapOvr>
-  <p:timing>
-    <p:tnLst>
-      <p:par>
-        <p:cTn xmlns:p14="http://schemas.microsoft.com/office/powerpoint/2010/main" id="1" dur="indefinite" restart="never" nodeType="tmRoot"/>
-      </p:par>
-    </p:tnLst>
-  </p:timing>
 </p:sld>
 </file>
 
@@ -4973,10 +5230,9 @@
           <a:lstStyle/>
           <a:p>
             <a:r>
-              <a:rPr lang="en-US" dirty="0" smtClean="0"/>
-              <a:t>Spark Key Objects</a:t>
-            </a:r>
-            <a:endParaRPr lang="en-US" dirty="0"/>
+              <a:rPr lang="en-US" dirty="0"/>
+              <a:t>Spark Coding</a:t>
+            </a:r>
           </a:p>
         </p:txBody>
       </p:sp>
@@ -4993,84 +5249,72 @@
         <p:spPr/>
         <p:txBody>
           <a:bodyPr>
-            <a:normAutofit fontScale="85000" lnSpcReduction="20000"/>
+            <a:normAutofit fontScale="92500" lnSpcReduction="20000"/>
           </a:bodyPr>
           <a:lstStyle/>
           <a:p>
             <a:r>
-              <a:rPr lang="en-US" dirty="0" smtClean="0"/>
-              <a:t>RDD</a:t>
+              <a:rPr lang="en-US" dirty="0"/>
+              <a:t>You can code in:</a:t>
             </a:r>
           </a:p>
           <a:p>
             <a:pPr lvl="1"/>
             <a:r>
-              <a:rPr lang="en-US" dirty="0" smtClean="0"/>
-              <a:t>Think of it like an array</a:t>
-            </a:r>
+              <a:rPr lang="en-US" dirty="0" err="1"/>
+              <a:t>Scala</a:t>
+            </a:r>
+            <a:endParaRPr lang="en-US" dirty="0"/>
           </a:p>
           <a:p>
             <a:pPr lvl="1"/>
             <a:r>
-              <a:rPr lang="en-US" dirty="0" smtClean="0"/>
-              <a:t>You can do map/reduce operations on it</a:t>
-            </a:r>
-          </a:p>
-          <a:p>
-            <a:pPr lvl="2"/>
-            <a:r>
-              <a:rPr lang="en-US" dirty="0" smtClean="0"/>
-              <a:t>And others</a:t>
+              <a:rPr lang="en-US" dirty="0"/>
+              <a:t>Java</a:t>
             </a:r>
           </a:p>
           <a:p>
             <a:pPr lvl="1"/>
             <a:r>
-              <a:rPr lang="en-US" dirty="0" smtClean="0"/>
-              <a:t>But you can’t assume everything is run on one machine</a:t>
+              <a:rPr lang="en-US" dirty="0"/>
+              <a:t>Python</a:t>
             </a:r>
           </a:p>
           <a:p>
             <a:pPr lvl="1"/>
             <a:r>
-              <a:rPr lang="en-US" dirty="0" smtClean="0"/>
-              <a:t>Unless you explicitly force that using </a:t>
-            </a:r>
-            <a:r>
-              <a:rPr lang="en-US" dirty="0" err="1" smtClean="0"/>
-              <a:t>forEach</a:t>
-            </a:r>
-            <a:r>
-              <a:rPr lang="en-US" dirty="0" smtClean="0"/>
-              <a:t>() or collect()</a:t>
-            </a:r>
-          </a:p>
-          <a:p>
-            <a:r>
-              <a:rPr lang="en-US" dirty="0" err="1" smtClean="0"/>
-              <a:t>DataFrame</a:t>
-            </a:r>
-            <a:endParaRPr lang="en-US" dirty="0" smtClean="0"/>
+              <a:rPr lang="en-US" dirty="0"/>
+              <a:t>R</a:t>
+            </a:r>
           </a:p>
           <a:p>
             <a:pPr lvl="1"/>
             <a:r>
-              <a:rPr lang="en-US" dirty="0" smtClean="0"/>
-              <a:t>Just like a Pandas </a:t>
-            </a:r>
-            <a:r>
-              <a:rPr lang="en-US" dirty="0" err="1" smtClean="0"/>
-              <a:t>DataFrame</a:t>
-            </a:r>
-            <a:r>
-              <a:rPr lang="en-US" dirty="0" smtClean="0"/>
-              <a:t> except distributed across machines and threads</a:t>
-            </a:r>
-          </a:p>
-          <a:p>
-            <a:r>
-              <a:rPr lang="en-US" dirty="0" smtClean="0"/>
-              <a:t>You can convert from DF &lt;-&gt; RDD</a:t>
+              <a:rPr lang="en-US" dirty="0"/>
+              <a:t>SQL</a:t>
+            </a:r>
+          </a:p>
+          <a:p>
+            <a:r>
+              <a:rPr lang="en-US" dirty="0"/>
+              <a:t>We will be using Python and SQL in the class</a:t>
+            </a:r>
+            <a:br>
+              <a:rPr lang="en-US" dirty="0"/>
+            </a:br>
+            <a:endParaRPr lang="en-US" dirty="0"/>
+          </a:p>
+          <a:p>
+            <a:r>
+              <a:rPr lang="en-US" dirty="0"/>
+              <a:t>After you leave here you can use anything you like </a:t>
+            </a:r>
+          </a:p>
+          <a:p>
+            <a:pPr lvl="1"/>
+            <a:r>
+              <a:rPr lang="en-US" dirty="0"/>
+              <a:t>Including “Not Spark”</a:t>
             </a:r>
           </a:p>
         </p:txBody>
@@ -5078,20 +5322,13 @@
     </p:spTree>
     <p:extLst>
       <p:ext uri="{BB962C8B-B14F-4D97-AF65-F5344CB8AC3E}">
-        <p14:creationId xmlns:p14="http://schemas.microsoft.com/office/powerpoint/2010/main" val="2045902029"/>
+        <p14:creationId xmlns:p14="http://schemas.microsoft.com/office/powerpoint/2010/main" val="3418550297"/>
       </p:ext>
     </p:extLst>
   </p:cSld>
   <p:clrMapOvr>
     <a:masterClrMapping/>
   </p:clrMapOvr>
-  <p:timing>
-    <p:tnLst>
-      <p:par>
-        <p:cTn xmlns:p14="http://schemas.microsoft.com/office/powerpoint/2010/main" id="1" dur="indefinite" restart="never" nodeType="tmRoot"/>
-      </p:par>
-    </p:tnLst>
-  </p:timing>
 </p:sld>
 </file>
 
@@ -5128,10 +5365,9 @@
           <a:lstStyle/>
           <a:p>
             <a:r>
-              <a:rPr lang="en-US" dirty="0" smtClean="0"/>
-              <a:t>Apache Spark RDD objects</a:t>
-            </a:r>
-            <a:endParaRPr lang="en-US" dirty="0"/>
+              <a:rPr lang="en-US" dirty="0"/>
+              <a:t>Spark Key Objects</a:t>
+            </a:r>
           </a:p>
         </p:txBody>
       </p:sp>
@@ -5148,95 +5384,84 @@
         <p:spPr/>
         <p:txBody>
           <a:bodyPr>
-            <a:normAutofit fontScale="77500" lnSpcReduction="20000"/>
+            <a:normAutofit fontScale="85000" lnSpcReduction="10000"/>
           </a:bodyPr>
           <a:lstStyle/>
           <a:p>
             <a:r>
-              <a:rPr lang="en-US" dirty="0" smtClean="0"/>
-              <a:t>Typical operations include</a:t>
+              <a:rPr lang="en-US" dirty="0"/>
+              <a:t>RDD</a:t>
             </a:r>
           </a:p>
           <a:p>
             <a:pPr lvl="1"/>
             <a:r>
-              <a:rPr lang="en-US" dirty="0" smtClean="0"/>
-              <a:t>map: apply a function to each line/element</a:t>
+              <a:rPr lang="en-US" dirty="0"/>
+              <a:t>Think of it like an array</a:t>
             </a:r>
           </a:p>
           <a:p>
             <a:pPr lvl="1"/>
             <a:r>
-              <a:rPr lang="en-US" dirty="0" err="1" smtClean="0"/>
-              <a:t>flatMap</a:t>
-            </a:r>
-            <a:r>
-              <a:rPr lang="en-US" dirty="0" smtClean="0"/>
-              <a:t>: can return a sequence not just an element</a:t>
+              <a:rPr lang="en-US" dirty="0"/>
+              <a:t>You can do map/reduce operations on it</a:t>
+            </a:r>
+          </a:p>
+          <a:p>
+            <a:pPr lvl="2"/>
+            <a:r>
+              <a:rPr lang="en-US" dirty="0"/>
+              <a:t>And others</a:t>
             </a:r>
           </a:p>
           <a:p>
             <a:pPr lvl="1"/>
             <a:r>
-              <a:rPr lang="en-US" dirty="0" smtClean="0"/>
-              <a:t>filter: return element if </a:t>
-            </a:r>
-            <a:r>
-              <a:rPr lang="en-US" dirty="0" err="1" smtClean="0"/>
-              <a:t>func</a:t>
-            </a:r>
-            <a:r>
-              <a:rPr lang="en-US" dirty="0" smtClean="0"/>
-              <a:t>(element) is true</a:t>
+              <a:rPr lang="en-US" dirty="0"/>
+              <a:t>But you can’t assume everything is run on one machine</a:t>
             </a:r>
           </a:p>
           <a:p>
             <a:pPr lvl="1"/>
             <a:r>
-              <a:rPr lang="en-US" dirty="0" err="1" smtClean="0"/>
-              <a:t>reduceByKey</a:t>
-            </a:r>
-            <a:r>
-              <a:rPr lang="en-US" dirty="0" smtClean="0"/>
-              <a:t>: reduces a set of [K,V] key/value pairs</a:t>
-            </a:r>
+              <a:rPr lang="en-US" dirty="0"/>
+              <a:t>Unless you explicitly force that using </a:t>
+            </a:r>
+            <a:r>
+              <a:rPr lang="en-US" dirty="0" err="1"/>
+              <a:t>forEach</a:t>
+            </a:r>
+            <a:r>
+              <a:rPr lang="en-US" dirty="0"/>
+              <a:t>() or collect()</a:t>
+            </a:r>
+          </a:p>
+          <a:p>
+            <a:r>
+              <a:rPr lang="en-US" dirty="0" err="1"/>
+              <a:t>DataFrame</a:t>
+            </a:r>
+            <a:endParaRPr lang="en-US" dirty="0"/>
           </a:p>
           <a:p>
             <a:pPr lvl="1"/>
             <a:r>
-              <a:rPr lang="en-US" dirty="0" smtClean="0"/>
-              <a:t>reduce: apply a reducer function</a:t>
-            </a:r>
-          </a:p>
-          <a:p>
-            <a:pPr lvl="1"/>
-            <a:r>
-              <a:rPr lang="en-US" dirty="0" smtClean="0"/>
-              <a:t>collect: get all the results back to the master (driver) server in the cluster</a:t>
-            </a:r>
-          </a:p>
-          <a:p>
-            <a:pPr lvl="1"/>
-            <a:r>
-              <a:rPr lang="en-US" dirty="0" err="1" smtClean="0"/>
-              <a:t>foreach</a:t>
-            </a:r>
-            <a:r>
-              <a:rPr lang="en-US" dirty="0" smtClean="0"/>
-              <a:t>: apply a function across each element</a:t>
-            </a:r>
-          </a:p>
-          <a:p>
-            <a:r>
-              <a:rPr lang="en-US" dirty="0" smtClean="0"/>
-              <a:t>Operations on RDDs will happen across machines</a:t>
-            </a:r>
-          </a:p>
-          <a:p>
-            <a:pPr lvl="1"/>
-            <a:r>
-              <a:rPr lang="en-US" dirty="0" smtClean="0"/>
-              <a:t>Be careful!</a:t>
+              <a:rPr lang="en-US" dirty="0"/>
+              <a:t>Just like a Pandas </a:t>
+            </a:r>
+            <a:r>
+              <a:rPr lang="en-US" dirty="0" err="1"/>
+              <a:t>DataFrame</a:t>
+            </a:r>
+            <a:r>
+              <a:rPr lang="en-US" dirty="0"/>
+              <a:t> except distributed across machines and threads</a:t>
+            </a:r>
+          </a:p>
+          <a:p>
+            <a:r>
+              <a:rPr lang="en-US" dirty="0"/>
+              <a:t>You can convert from DF &lt;-&gt; RDD</a:t>
             </a:r>
           </a:p>
         </p:txBody>
@@ -5244,20 +5469,13 @@
     </p:spTree>
     <p:extLst>
       <p:ext uri="{BB962C8B-B14F-4D97-AF65-F5344CB8AC3E}">
-        <p14:creationId xmlns:p14="http://schemas.microsoft.com/office/powerpoint/2010/main" val="3975351591"/>
+        <p14:creationId xmlns:p14="http://schemas.microsoft.com/office/powerpoint/2010/main" val="2045902029"/>
       </p:ext>
     </p:extLst>
   </p:cSld>
   <p:clrMapOvr>
     <a:masterClrMapping/>
   </p:clrMapOvr>
-  <p:timing>
-    <p:tnLst>
-      <p:par>
-        <p:cTn xmlns:p14="http://schemas.microsoft.com/office/powerpoint/2010/main" id="1" dur="indefinite" restart="never" nodeType="tmRoot"/>
-      </p:par>
-    </p:tnLst>
-  </p:timing>
 </p:sld>
 </file>
 
@@ -5294,10 +5512,9 @@
           <a:lstStyle/>
           <a:p>
             <a:r>
-              <a:rPr lang="en-US" dirty="0" smtClean="0"/>
-              <a:t>Most common </a:t>
-            </a:r>
-            <a:endParaRPr lang="en-US" dirty="0"/>
+              <a:rPr lang="en-US" dirty="0"/>
+              <a:t>Apache Spark RDD objects</a:t>
+            </a:r>
           </a:p>
         </p:txBody>
       </p:sp>
@@ -5314,143 +5531,109 @@
         <p:spPr/>
         <p:txBody>
           <a:bodyPr>
-            <a:normAutofit fontScale="92500"/>
+            <a:normAutofit fontScale="92500" lnSpcReduction="20000"/>
           </a:bodyPr>
           <a:lstStyle/>
           <a:p>
             <a:r>
-              <a:rPr lang="en-US" dirty="0" err="1" smtClean="0"/>
-              <a:t>RDD.map</a:t>
-            </a:r>
-            <a:r>
-              <a:rPr lang="en-US" dirty="0" smtClean="0"/>
-              <a:t>(lambda x: </a:t>
-            </a:r>
-            <a:r>
-              <a:rPr lang="is-IS" dirty="0" smtClean="0"/>
-              <a:t>…)</a:t>
+              <a:rPr lang="en-US" dirty="0"/>
+              <a:t>Typical operations include</a:t>
             </a:r>
           </a:p>
           <a:p>
             <a:pPr lvl="1"/>
             <a:r>
-              <a:rPr lang="is-IS" dirty="0" smtClean="0"/>
-              <a:t>Applies the lambda function to each element in the RDD</a:t>
-            </a:r>
-          </a:p>
-          <a:p>
-            <a:r>
-              <a:rPr lang="is-IS" dirty="0" smtClean="0"/>
-              <a:t>RDD.flatMap(lambda x: ...)</a:t>
+              <a:rPr lang="en-US" dirty="0"/>
+              <a:t>map: apply a function to each line/element</a:t>
             </a:r>
           </a:p>
           <a:p>
             <a:pPr lvl="1"/>
             <a:r>
-              <a:rPr lang="en-US" dirty="0" smtClean="0"/>
-              <a:t>The lambda produces a sequence of items that are then flattened into a single RDD</a:t>
-            </a:r>
-          </a:p>
-          <a:p>
-            <a:r>
-              <a:rPr lang="en-US" dirty="0" err="1" smtClean="0">
-                <a:solidFill>
-                  <a:schemeClr val="bg1">
-                    <a:lumMod val="50000"/>
-                  </a:schemeClr>
-                </a:solidFill>
-              </a:rPr>
-              <a:t>RDD.reduce</a:t>
-            </a:r>
-            <a:r>
-              <a:rPr lang="en-US" dirty="0" smtClean="0">
-                <a:solidFill>
-                  <a:schemeClr val="bg1">
-                    <a:lumMod val="50000"/>
-                  </a:schemeClr>
-                </a:solidFill>
-              </a:rPr>
-              <a:t>(lambda </a:t>
-            </a:r>
-            <a:r>
-              <a:rPr lang="en-US" dirty="0" err="1" smtClean="0">
-                <a:solidFill>
-                  <a:schemeClr val="bg1">
-                    <a:lumMod val="50000"/>
-                  </a:schemeClr>
-                </a:solidFill>
-              </a:rPr>
-              <a:t>x,y</a:t>
-            </a:r>
-            <a:r>
-              <a:rPr lang="en-US" dirty="0" smtClean="0">
-                <a:solidFill>
-                  <a:schemeClr val="bg1">
-                    <a:lumMod val="50000"/>
-                  </a:schemeClr>
-                </a:solidFill>
-              </a:rPr>
-              <a:t>: </a:t>
-            </a:r>
-            <a:r>
-              <a:rPr lang="is-IS" dirty="0" smtClean="0">
-                <a:solidFill>
-                  <a:schemeClr val="bg1">
-                    <a:lumMod val="50000"/>
-                  </a:schemeClr>
-                </a:solidFill>
-              </a:rPr>
-              <a:t>…)</a:t>
+              <a:rPr lang="en-US" dirty="0" err="1"/>
+              <a:t>flatMap</a:t>
+            </a:r>
+            <a:r>
+              <a:rPr lang="en-US" dirty="0"/>
+              <a:t>: can return a sequence not just an element</a:t>
             </a:r>
           </a:p>
           <a:p>
             <a:pPr lvl="1"/>
             <a:r>
-              <a:rPr lang="is-IS" dirty="0" smtClean="0">
-                <a:solidFill>
-                  <a:schemeClr val="bg1">
-                    <a:lumMod val="50000"/>
-                  </a:schemeClr>
-                </a:solidFill>
-              </a:rPr>
-              <a:t>Applies the function iteratively across all the elements in the RDD</a:t>
-            </a:r>
-            <a:endParaRPr lang="en-US" dirty="0" smtClean="0">
-              <a:solidFill>
-                <a:schemeClr val="bg1">
-                  <a:lumMod val="50000"/>
-                </a:schemeClr>
-              </a:solidFill>
-            </a:endParaRPr>
-          </a:p>
-          <a:p>
-            <a:pPr marL="0" indent="0">
-              <a:buNone/>
-            </a:pPr>
-            <a:endParaRPr lang="en-US" dirty="0" smtClean="0"/>
-          </a:p>
-          <a:p>
-            <a:endParaRPr lang="en-US" dirty="0"/>
+              <a:rPr lang="en-US" dirty="0"/>
+              <a:t>filter: return element if </a:t>
+            </a:r>
+            <a:r>
+              <a:rPr lang="en-US" dirty="0" err="1"/>
+              <a:t>func</a:t>
+            </a:r>
+            <a:r>
+              <a:rPr lang="en-US" dirty="0"/>
+              <a:t>(element) is true</a:t>
+            </a:r>
+          </a:p>
+          <a:p>
+            <a:pPr lvl="1"/>
+            <a:r>
+              <a:rPr lang="en-US" dirty="0" err="1"/>
+              <a:t>reduceByKey</a:t>
+            </a:r>
+            <a:r>
+              <a:rPr lang="en-US" dirty="0"/>
+              <a:t>: reduces a set of [K,V] key/value pairs</a:t>
+            </a:r>
+          </a:p>
+          <a:p>
+            <a:pPr lvl="1"/>
+            <a:r>
+              <a:rPr lang="en-US" dirty="0"/>
+              <a:t>reduce: apply a reducer function</a:t>
+            </a:r>
+          </a:p>
+          <a:p>
+            <a:pPr lvl="1"/>
+            <a:r>
+              <a:rPr lang="en-US" dirty="0"/>
+              <a:t>collect: get all the results back to the master (driver) server in the cluster</a:t>
+            </a:r>
+          </a:p>
+          <a:p>
+            <a:pPr lvl="1"/>
+            <a:r>
+              <a:rPr lang="en-US" dirty="0" err="1"/>
+              <a:t>foreach</a:t>
+            </a:r>
+            <a:r>
+              <a:rPr lang="en-US" dirty="0"/>
+              <a:t>: apply a function across each element</a:t>
+            </a:r>
+          </a:p>
+          <a:p>
+            <a:r>
+              <a:rPr lang="en-US" dirty="0"/>
+              <a:t>Operations on RDDs will happen across machines</a:t>
+            </a:r>
+          </a:p>
+          <a:p>
+            <a:pPr lvl="1"/>
+            <a:r>
+              <a:rPr lang="en-US" dirty="0"/>
+              <a:t>Be careful!</a:t>
+            </a:r>
           </a:p>
         </p:txBody>
       </p:sp>
     </p:spTree>
     <p:extLst>
       <p:ext uri="{BB962C8B-B14F-4D97-AF65-F5344CB8AC3E}">
-        <p14:creationId xmlns:p14="http://schemas.microsoft.com/office/powerpoint/2010/main" val="3242857952"/>
+        <p14:creationId xmlns:p14="http://schemas.microsoft.com/office/powerpoint/2010/main" val="3975351591"/>
       </p:ext>
     </p:extLst>
   </p:cSld>
   <p:clrMapOvr>
     <a:masterClrMapping/>
   </p:clrMapOvr>
-  <p:timing>
-    <p:tnLst>
-      <p:par>
-        <p:cTn xmlns:p14="http://schemas.microsoft.com/office/powerpoint/2010/main" id="1" dur="indefinite" restart="never" nodeType="tmRoot"/>
-      </p:par>
-    </p:tnLst>
-  </p:timing>
 </p:sld>
 </file>
 
@@ -5487,97 +5670,141 @@
           <a:lstStyle/>
           <a:p>
             <a:r>
-              <a:rPr lang="en-US" dirty="0" err="1" smtClean="0"/>
-              <a:t>reduceByKey</a:t>
-            </a:r>
+              <a:rPr lang="en-US" dirty="0"/>
+              <a:t>Most common </a:t>
+            </a:r>
+          </a:p>
+        </p:txBody>
+      </p:sp>
+      <p:sp>
+        <p:nvSpPr>
+          <p:cNvPr id="3" name="Content Placeholder 2"/>
+          <p:cNvSpPr>
+            <a:spLocks noGrp="1"/>
+          </p:cNvSpPr>
+          <p:nvPr>
+            <p:ph idx="1"/>
+          </p:nvPr>
+        </p:nvSpPr>
+        <p:spPr/>
+        <p:txBody>
+          <a:bodyPr>
+            <a:normAutofit lnSpcReduction="10000"/>
+          </a:bodyPr>
+          <a:lstStyle/>
+          <a:p>
+            <a:r>
+              <a:rPr lang="en-US" dirty="0" err="1"/>
+              <a:t>RDD.map</a:t>
+            </a:r>
+            <a:r>
+              <a:rPr lang="en-US" dirty="0"/>
+              <a:t>(lambda x: </a:t>
+            </a:r>
+            <a:r>
+              <a:rPr lang="is-IS" dirty="0"/>
+              <a:t>…)</a:t>
+            </a:r>
+          </a:p>
+          <a:p>
+            <a:pPr lvl="1"/>
+            <a:r>
+              <a:rPr lang="is-IS" dirty="0"/>
+              <a:t>Applies the lambda function to each element in the RDD</a:t>
+            </a:r>
+          </a:p>
+          <a:p>
+            <a:r>
+              <a:rPr lang="is-IS" dirty="0"/>
+              <a:t>RDD.flatMap(lambda x: ...)</a:t>
+            </a:r>
+          </a:p>
+          <a:p>
+            <a:pPr lvl="1"/>
+            <a:r>
+              <a:rPr lang="en-US" dirty="0"/>
+              <a:t>The lambda produces a sequence of items that are then flattened into a single RDD</a:t>
+            </a:r>
+          </a:p>
+          <a:p>
+            <a:r>
+              <a:rPr lang="en-US" dirty="0" err="1">
+                <a:solidFill>
+                  <a:schemeClr val="bg1">
+                    <a:lumMod val="50000"/>
+                  </a:schemeClr>
+                </a:solidFill>
+              </a:rPr>
+              <a:t>RDD.reduce</a:t>
+            </a:r>
+            <a:r>
+              <a:rPr lang="en-US" dirty="0">
+                <a:solidFill>
+                  <a:schemeClr val="bg1">
+                    <a:lumMod val="50000"/>
+                  </a:schemeClr>
+                </a:solidFill>
+              </a:rPr>
+              <a:t>(lambda </a:t>
+            </a:r>
+            <a:r>
+              <a:rPr lang="en-US" dirty="0" err="1">
+                <a:solidFill>
+                  <a:schemeClr val="bg1">
+                    <a:lumMod val="50000"/>
+                  </a:schemeClr>
+                </a:solidFill>
+              </a:rPr>
+              <a:t>x,y</a:t>
+            </a:r>
+            <a:r>
+              <a:rPr lang="en-US" dirty="0">
+                <a:solidFill>
+                  <a:schemeClr val="bg1">
+                    <a:lumMod val="50000"/>
+                  </a:schemeClr>
+                </a:solidFill>
+              </a:rPr>
+              <a:t>: </a:t>
+            </a:r>
+            <a:r>
+              <a:rPr lang="is-IS" dirty="0">
+                <a:solidFill>
+                  <a:schemeClr val="bg1">
+                    <a:lumMod val="50000"/>
+                  </a:schemeClr>
+                </a:solidFill>
+              </a:rPr>
+              <a:t>…)</a:t>
+            </a:r>
+          </a:p>
+          <a:p>
+            <a:pPr lvl="1"/>
+            <a:r>
+              <a:rPr lang="is-IS" dirty="0">
+                <a:solidFill>
+                  <a:schemeClr val="bg1">
+                    <a:lumMod val="50000"/>
+                  </a:schemeClr>
+                </a:solidFill>
+              </a:rPr>
+              <a:t>Applies the function iteratively across all the elements in the RDD</a:t>
+            </a:r>
+            <a:endParaRPr lang="en-US" dirty="0">
+              <a:solidFill>
+                <a:schemeClr val="bg1">
+                  <a:lumMod val="50000"/>
+                </a:schemeClr>
+              </a:solidFill>
+            </a:endParaRPr>
+          </a:p>
+          <a:p>
+            <a:pPr marL="0" indent="0">
+              <a:buNone/>
+            </a:pPr>
             <a:endParaRPr lang="en-US" dirty="0"/>
           </a:p>
-        </p:txBody>
-      </p:sp>
-      <p:sp>
-        <p:nvSpPr>
-          <p:cNvPr id="3" name="Content Placeholder 2"/>
-          <p:cNvSpPr>
-            <a:spLocks noGrp="1"/>
-          </p:cNvSpPr>
-          <p:nvPr>
-            <p:ph idx="1"/>
-          </p:nvPr>
-        </p:nvSpPr>
-        <p:spPr/>
-        <p:txBody>
-          <a:bodyPr/>
-          <a:lstStyle/>
-          <a:p>
-            <a:r>
-              <a:rPr lang="en-US" dirty="0" smtClean="0"/>
-              <a:t>Function (V,V) -&gt; V</a:t>
-            </a:r>
-          </a:p>
-          <a:p>
-            <a:r>
-              <a:rPr lang="en-US" dirty="0" smtClean="0"/>
-              <a:t>Takes pairs (K,V)</a:t>
-            </a:r>
-          </a:p>
-          <a:p>
-            <a:pPr lvl="1"/>
-            <a:r>
-              <a:rPr lang="en-US" dirty="0" smtClean="0"/>
-              <a:t>It will apply the function </a:t>
-            </a:r>
-            <a:r>
-              <a:rPr lang="en-US" i="1" dirty="0" smtClean="0"/>
-              <a:t>within</a:t>
-            </a:r>
-            <a:r>
-              <a:rPr lang="en-US" dirty="0" smtClean="0"/>
-              <a:t> the Key K</a:t>
-            </a:r>
-          </a:p>
-          <a:p>
-            <a:pPr lvl="1"/>
-            <a:r>
-              <a:rPr lang="en-US" dirty="0"/>
-              <a:t>[</a:t>
-            </a:r>
-            <a:r>
-              <a:rPr lang="en-US" dirty="0" smtClean="0"/>
-              <a:t>(hello, 1), (hello, 1), (hello, 1), </a:t>
-            </a:r>
-            <a:br>
-              <a:rPr lang="en-US" dirty="0" smtClean="0"/>
-            </a:br>
-            <a:r>
-              <a:rPr lang="en-US" dirty="0" smtClean="0"/>
-              <a:t>(world,1), (world, 1)]</a:t>
-            </a:r>
-            <a:br>
-              <a:rPr lang="en-US" dirty="0" smtClean="0"/>
-            </a:br>
-            <a:r>
-              <a:rPr lang="en-US" i="1" dirty="0" smtClean="0"/>
-              <a:t>lambda </a:t>
-            </a:r>
-            <a:r>
-              <a:rPr lang="en-US" i="1" dirty="0" err="1" smtClean="0"/>
-              <a:t>x,y</a:t>
-            </a:r>
-            <a:r>
-              <a:rPr lang="en-US" i="1" dirty="0" smtClean="0"/>
-              <a:t>: </a:t>
-            </a:r>
-            <a:r>
-              <a:rPr lang="en-US" i="1" dirty="0" err="1" smtClean="0"/>
-              <a:t>x+y</a:t>
-            </a:r>
-            <a:endParaRPr lang="en-US" i="1" dirty="0"/>
-          </a:p>
-          <a:p>
-            <a:r>
-              <a:rPr lang="en-US" dirty="0" smtClean="0"/>
-              <a:t>What is the result?</a:t>
-            </a:r>
+          <a:p>
             <a:endParaRPr lang="en-US" dirty="0"/>
           </a:p>
         </p:txBody>
@@ -5585,20 +5812,13 @@
     </p:spTree>
     <p:extLst>
       <p:ext uri="{BB962C8B-B14F-4D97-AF65-F5344CB8AC3E}">
-        <p14:creationId xmlns:p14="http://schemas.microsoft.com/office/powerpoint/2010/main" val="1596769057"/>
+        <p14:creationId xmlns:p14="http://schemas.microsoft.com/office/powerpoint/2010/main" val="3242857952"/>
       </p:ext>
     </p:extLst>
   </p:cSld>
   <p:clrMapOvr>
     <a:masterClrMapping/>
   </p:clrMapOvr>
-  <p:timing>
-    <p:tnLst>
-      <p:par>
-        <p:cTn xmlns:p14="http://schemas.microsoft.com/office/powerpoint/2010/main" id="1" dur="indefinite" restart="never" nodeType="tmRoot"/>
-      </p:par>
-    </p:tnLst>
-  </p:timing>
 </p:sld>
 </file>
 
@@ -5635,8 +5855,8 @@
           <a:lstStyle/>
           <a:p>
             <a:r>
-              <a:rPr lang="en-US" dirty="0" smtClean="0"/>
-              <a:t>Getting results</a:t>
+              <a:rPr lang="en-US" dirty="0" err="1"/>
+              <a:t>reduceByKey</a:t>
             </a:r>
             <a:endParaRPr lang="en-US" dirty="0"/>
           </a:p>
@@ -5658,65 +5878,83 @@
           <a:lstStyle/>
           <a:p>
             <a:r>
-              <a:rPr lang="en-US" dirty="0" smtClean="0"/>
-              <a:t>You often need to bring the results back to a single thread to display them:</a:t>
+              <a:rPr lang="en-US" dirty="0"/>
+              <a:t>Function (V,V) -&gt; V</a:t>
+            </a:r>
+          </a:p>
+          <a:p>
+            <a:r>
+              <a:rPr lang="en-US" dirty="0"/>
+              <a:t>Takes pairs (K,V)</a:t>
             </a:r>
           </a:p>
           <a:p>
             <a:pPr lvl="1"/>
             <a:r>
-              <a:rPr lang="en-US" dirty="0" smtClean="0"/>
-              <a:t>collect()</a:t>
-            </a:r>
-          </a:p>
-          <a:p>
-            <a:r>
-              <a:rPr lang="en-US" dirty="0" smtClean="0"/>
-              <a:t>Alternatively you can save the results (which can happen in parallel)</a:t>
+              <a:rPr lang="en-US" dirty="0"/>
+              <a:t>It will apply the function </a:t>
+            </a:r>
+            <a:r>
+              <a:rPr lang="en-US" i="1" dirty="0"/>
+              <a:t>within</a:t>
+            </a:r>
+            <a:r>
+              <a:rPr lang="en-US" dirty="0"/>
+              <a:t> the Key K</a:t>
             </a:r>
           </a:p>
           <a:p>
             <a:pPr lvl="1"/>
             <a:r>
-              <a:rPr lang="en-US" dirty="0" err="1" smtClean="0"/>
-              <a:t>RDD.saveAsTextFile</a:t>
-            </a:r>
-            <a:r>
-              <a:rPr lang="en-US" dirty="0" smtClean="0"/>
-              <a:t>()</a:t>
-            </a:r>
-          </a:p>
-          <a:p>
-            <a:pPr lvl="1"/>
-            <a:r>
-              <a:rPr lang="en-US" dirty="0" err="1" smtClean="0"/>
-              <a:t>DataFrame.save</a:t>
-            </a:r>
-            <a:r>
-              <a:rPr lang="en-US" dirty="0" smtClean="0"/>
-              <a:t>()</a:t>
-            </a:r>
-            <a:endParaRPr lang="en-US" dirty="0"/>
+              <a:rPr lang="en-US" dirty="0"/>
+              <a:t>[(hello, 1), (hello, 1), (hello, 1), </a:t>
+            </a:r>
+            <a:br>
+              <a:rPr lang="en-US" dirty="0"/>
+            </a:br>
+            <a:r>
+              <a:rPr lang="en-US" dirty="0"/>
+              <a:t>(world,1), (world, 1)]</a:t>
+            </a:r>
+            <a:br>
+              <a:rPr lang="en-US" dirty="0"/>
+            </a:br>
+            <a:r>
+              <a:rPr lang="en-US" i="1" dirty="0"/>
+              <a:t>lambda </a:t>
+            </a:r>
+            <a:r>
+              <a:rPr lang="en-US" i="1" dirty="0" err="1"/>
+              <a:t>x,y</a:t>
+            </a:r>
+            <a:r>
+              <a:rPr lang="en-US" i="1" dirty="0"/>
+              <a:t>: </a:t>
+            </a:r>
+            <a:r>
+              <a:rPr lang="en-US" i="1" dirty="0" err="1"/>
+              <a:t>x+y</a:t>
+            </a:r>
+            <a:endParaRPr lang="en-US" i="1" dirty="0"/>
+          </a:p>
+          <a:p>
+            <a:r>
+              <a:rPr lang="en-US" dirty="0"/>
+              <a:t>What is the result?</a:t>
+            </a:r>
           </a:p>
         </p:txBody>
       </p:sp>
     </p:spTree>
     <p:extLst>
       <p:ext uri="{BB962C8B-B14F-4D97-AF65-F5344CB8AC3E}">
-        <p14:creationId xmlns:p14="http://schemas.microsoft.com/office/powerpoint/2010/main" val="979518038"/>
+        <p14:creationId xmlns:p14="http://schemas.microsoft.com/office/powerpoint/2010/main" val="1596769057"/>
       </p:ext>
     </p:extLst>
   </p:cSld>
   <p:clrMapOvr>
     <a:masterClrMapping/>
   </p:clrMapOvr>
-  <p:timing>
-    <p:tnLst>
-      <p:par>
-        <p:cTn xmlns:p14="http://schemas.microsoft.com/office/powerpoint/2010/main" id="1" dur="indefinite" restart="never" nodeType="tmRoot"/>
-      </p:par>
-    </p:tnLst>
-  </p:timing>
 </p:sld>
 </file>
 
@@ -5751,14 +5989,14 @@
           <a:noFill/>
           <a:extLst>
             <a:ext uri="{909E8E84-426E-40dd-AFC4-6F175D3DCCD1}">
-              <a14:hiddenFill xmlns:a14="http://schemas.microsoft.com/office/drawing/2010/main">
+              <a14:hiddenFill xmlns:a14="http://schemas.microsoft.com/office/drawing/2010/main" xmlns="">
                 <a:solidFill>
                   <a:srgbClr val="FFFFFF"/>
                 </a:solidFill>
               </a14:hiddenFill>
             </a:ext>
             <a:ext uri="{91240B29-F687-4f45-9708-019B960494DF}">
-              <a14:hiddenLine xmlns:a14="http://schemas.microsoft.com/office/drawing/2010/main" w="9525">
+              <a14:hiddenLine xmlns:a14="http://schemas.microsoft.com/office/drawing/2010/main" xmlns="" w="9525">
                 <a:solidFill>
                   <a:srgbClr val="000000"/>
                 </a:solidFill>
@@ -5779,16 +6017,12 @@
           <a:p>
             <a:pPr eaLnBrk="1" hangingPunct="1"/>
             <a:r>
-              <a:rPr lang="en-US" dirty="0" smtClean="0">
+              <a:rPr lang="en-US" dirty="0">
                 <a:ea typeface="ヒラギノ角ゴ ProN W3" charset="0"/>
                 <a:cs typeface="ヒラギノ角ゴ ProN W3" charset="0"/>
               </a:rPr>
               <a:t>Contents</a:t>
             </a:r>
-            <a:endParaRPr lang="en-US" dirty="0">
-              <a:ea typeface="ヒラギノ角ゴ ProN W3" charset="0"/>
-              <a:cs typeface="ヒラギノ角ゴ ProN W3" charset="0"/>
-            </a:endParaRPr>
           </a:p>
         </p:txBody>
       </p:sp>
@@ -5806,14 +6040,14 @@
           <a:noFill/>
           <a:extLst>
             <a:ext uri="{909E8E84-426E-40dd-AFC4-6F175D3DCCD1}">
-              <a14:hiddenFill xmlns:a14="http://schemas.microsoft.com/office/drawing/2010/main">
+              <a14:hiddenFill xmlns:a14="http://schemas.microsoft.com/office/drawing/2010/main" xmlns="">
                 <a:solidFill>
                   <a:srgbClr val="FFFFFF"/>
                 </a:solidFill>
               </a14:hiddenFill>
             </a:ext>
             <a:ext uri="{91240B29-F687-4f45-9708-019B960494DF}">
-              <a14:hiddenLine xmlns:a14="http://schemas.microsoft.com/office/drawing/2010/main" w="9525">
+              <a14:hiddenLine xmlns:a14="http://schemas.microsoft.com/office/drawing/2010/main" xmlns="" w="9525">
                 <a:solidFill>
                   <a:srgbClr val="000000"/>
                 </a:solidFill>
@@ -5835,21 +6069,21 @@
           <a:p>
             <a:pPr eaLnBrk="1" hangingPunct="1"/>
             <a:r>
-              <a:rPr lang="en-US" dirty="0" smtClean="0">
+              <a:rPr lang="en-US" dirty="0">
                 <a:ea typeface="ヒラギノ角ゴ ProN W3" charset="0"/>
                 <a:cs typeface="ヒラギノ角ゴ ProN W3" charset="0"/>
               </a:rPr>
               <a:t>What is wrong with </a:t>
             </a:r>
             <a:r>
-              <a:rPr lang="en-US" dirty="0" err="1" smtClean="0">
+              <a:rPr lang="en-US" dirty="0" err="1">
                 <a:ea typeface="ヒラギノ角ゴ ProN W3" charset="0"/>
                 <a:cs typeface="ヒラギノ角ゴ ProN W3" charset="0"/>
               </a:rPr>
               <a:t>Hadoop</a:t>
             </a:r>
             <a:r>
-              <a:rPr lang="en-US" dirty="0" smtClean="0">
+              <a:rPr lang="en-US" dirty="0">
                 <a:ea typeface="ヒラギノ角ゴ ProN W3" charset="0"/>
                 <a:cs typeface="ヒラギノ角ゴ ProN W3" charset="0"/>
               </a:rPr>
@@ -5859,7 +6093,7 @@
           <a:p>
             <a:pPr eaLnBrk="1" hangingPunct="1"/>
             <a:r>
-              <a:rPr lang="en-US" dirty="0" smtClean="0">
+              <a:rPr lang="en-US" dirty="0">
                 <a:ea typeface="ヒラギノ角ゴ ProN W3" charset="0"/>
                 <a:cs typeface="ヒラギノ角ゴ ProN W3" charset="0"/>
               </a:rPr>
@@ -5869,14 +6103,14 @@
           <a:p>
             <a:pPr eaLnBrk="1" hangingPunct="1"/>
             <a:r>
-              <a:rPr lang="en-US" dirty="0" err="1" smtClean="0">
+              <a:rPr lang="en-US" dirty="0" err="1">
                 <a:ea typeface="ヒラギノ角ゴ ProN W3" charset="0"/>
                 <a:cs typeface="ヒラギノ角ゴ ProN W3" charset="0"/>
               </a:rPr>
               <a:t>PySpark</a:t>
             </a:r>
             <a:r>
-              <a:rPr lang="en-US" dirty="0" smtClean="0">
+              <a:rPr lang="en-US" dirty="0">
                 <a:ea typeface="ヒラギノ角ゴ ProN W3" charset="0"/>
                 <a:cs typeface="ヒラギノ角ゴ ProN W3" charset="0"/>
               </a:rPr>
@@ -5884,63 +6118,10 @@
             </a:r>
           </a:p>
           <a:p>
-            <a:pPr eaLnBrk="1" hangingPunct="1"/>
-            <a:r>
-              <a:rPr lang="en-US" dirty="0" err="1" smtClean="0">
-                <a:ea typeface="ヒラギノ角ゴ ProN W3" charset="0"/>
-                <a:cs typeface="ヒラギノ角ゴ ProN W3" charset="0"/>
-              </a:rPr>
-              <a:t>SparkSQL</a:t>
-            </a:r>
-            <a:r>
-              <a:rPr lang="en-US" dirty="0" smtClean="0">
-                <a:ea typeface="ヒラギノ角ゴ ProN W3" charset="0"/>
-                <a:cs typeface="ヒラギノ角ゴ ProN W3" charset="0"/>
-              </a:rPr>
-              <a:t> and Hive</a:t>
-            </a:r>
-          </a:p>
-          <a:p>
-            <a:pPr eaLnBrk="1" hangingPunct="1"/>
-            <a:r>
-              <a:rPr lang="en-US" dirty="0" err="1" smtClean="0">
-                <a:ea typeface="ヒラギノ角ゴ ProN W3" charset="0"/>
-                <a:cs typeface="ヒラギノ角ゴ ProN W3" charset="0"/>
-              </a:rPr>
-              <a:t>SparkR</a:t>
-            </a:r>
-            <a:endParaRPr lang="en-US" dirty="0" smtClean="0">
-              <a:ea typeface="ヒラギノ角ゴ ProN W3" charset="0"/>
-              <a:cs typeface="ヒラギノ角ゴ ProN W3" charset="0"/>
-            </a:endParaRPr>
-          </a:p>
-          <a:p>
-            <a:pPr eaLnBrk="1" hangingPunct="1"/>
-            <a:r>
-              <a:rPr lang="en-US" dirty="0" smtClean="0">
-                <a:ea typeface="ヒラギノ角ゴ ProN W3" charset="0"/>
-                <a:cs typeface="ヒラギノ角ゴ ProN W3" charset="0"/>
-              </a:rPr>
-              <a:t>Spark and Yarn</a:t>
-            </a:r>
-          </a:p>
-          <a:p>
-            <a:pPr eaLnBrk="1" hangingPunct="1"/>
-            <a:r>
-              <a:rPr lang="en-US" dirty="0" smtClean="0">
-                <a:ea typeface="ヒラギノ角ゴ ProN W3" charset="0"/>
-                <a:cs typeface="ヒラギノ角ゴ ProN W3" charset="0"/>
-              </a:rPr>
-              <a:t>Spark and </a:t>
-            </a:r>
-            <a:r>
-              <a:rPr lang="en-US" dirty="0" err="1" smtClean="0">
-                <a:ea typeface="ヒラギノ角ゴ ProN W3" charset="0"/>
-                <a:cs typeface="ヒラギノ角ゴ ProN W3" charset="0"/>
-              </a:rPr>
-              <a:t>Mesos</a:t>
-            </a:r>
-            <a:endParaRPr lang="en-US" dirty="0" smtClean="0">
+            <a:pPr marL="0" indent="0" eaLnBrk="1" hangingPunct="1">
+              <a:buNone/>
+            </a:pPr>
+            <a:endParaRPr lang="en-US" dirty="0">
               <a:ea typeface="ヒラギノ角ゴ ProN W3" charset="0"/>
               <a:cs typeface="ヒラギノ角ゴ ProN W3" charset="0"/>
             </a:endParaRPr>
@@ -5957,21 +6138,6 @@
   <p:clrMapOvr>
     <a:masterClrMapping/>
   </p:clrMapOvr>
-  <mc:AlternateContent xmlns:mc="http://schemas.openxmlformats.org/markup-compatibility/2006" xmlns:p14="http://schemas.microsoft.com/office/powerpoint/2010/main">
-    <mc:Choice Requires="p14">
-      <p:transition spd="slow" p14:dur="2000"/>
-    </mc:Choice>
-    <mc:Fallback xmlns="">
-      <p:transition xmlns:p14="http://schemas.microsoft.com/office/powerpoint/2010/main" spd="slow"/>
-    </mc:Fallback>
-  </mc:AlternateContent>
-  <p:timing>
-    <p:tnLst>
-      <p:par>
-        <p:cTn xmlns:p14="http://schemas.microsoft.com/office/powerpoint/2010/main" id="1" dur="indefinite" restart="never" nodeType="tmRoot"/>
-      </p:par>
-    </p:tnLst>
-  </p:timing>
 </p:sld>
 </file>
 
@@ -6008,10 +6174,118 @@
           <a:lstStyle/>
           <a:p>
             <a:r>
-              <a:rPr lang="en-US" dirty="0" smtClean="0"/>
+              <a:rPr lang="en-US" dirty="0"/>
+              <a:t>Getting results</a:t>
+            </a:r>
+          </a:p>
+        </p:txBody>
+      </p:sp>
+      <p:sp>
+        <p:nvSpPr>
+          <p:cNvPr id="3" name="Content Placeholder 2"/>
+          <p:cNvSpPr>
+            <a:spLocks noGrp="1"/>
+          </p:cNvSpPr>
+          <p:nvPr>
+            <p:ph idx="1"/>
+          </p:nvPr>
+        </p:nvSpPr>
+        <p:spPr/>
+        <p:txBody>
+          <a:bodyPr/>
+          <a:lstStyle/>
+          <a:p>
+            <a:r>
+              <a:rPr lang="en-US" dirty="0"/>
+              <a:t>You often need to bring the results back to a single thread to display them:</a:t>
+            </a:r>
+          </a:p>
+          <a:p>
+            <a:pPr lvl="1"/>
+            <a:r>
+              <a:rPr lang="en-US" dirty="0"/>
+              <a:t>collect()</a:t>
+            </a:r>
+          </a:p>
+          <a:p>
+            <a:r>
+              <a:rPr lang="en-US" dirty="0"/>
+              <a:t>Alternatively you can save the results (which can happen in parallel)</a:t>
+            </a:r>
+          </a:p>
+          <a:p>
+            <a:pPr lvl="1"/>
+            <a:r>
+              <a:rPr lang="en-US" dirty="0" err="1"/>
+              <a:t>RDD.saveAsTextFile</a:t>
+            </a:r>
+            <a:r>
+              <a:rPr lang="en-US" dirty="0"/>
+              <a:t>()</a:t>
+            </a:r>
+          </a:p>
+          <a:p>
+            <a:pPr lvl="1"/>
+            <a:r>
+              <a:rPr lang="en-US" dirty="0" err="1"/>
+              <a:t>DataFrame.save</a:t>
+            </a:r>
+            <a:r>
+              <a:rPr lang="en-US" dirty="0"/>
+              <a:t>()</a:t>
+            </a:r>
+          </a:p>
+        </p:txBody>
+      </p:sp>
+    </p:spTree>
+    <p:extLst>
+      <p:ext uri="{BB962C8B-B14F-4D97-AF65-F5344CB8AC3E}">
+        <p14:creationId xmlns:p14="http://schemas.microsoft.com/office/powerpoint/2010/main" val="979518038"/>
+      </p:ext>
+    </p:extLst>
+  </p:cSld>
+  <p:clrMapOvr>
+    <a:masterClrMapping/>
+  </p:clrMapOvr>
+</p:sld>
+</file>
+
+<file path=ppt/slides/slide21.xml><?xml version="1.0" encoding="utf-8"?>
+<p:sld xmlns:a="http://schemas.openxmlformats.org/drawingml/2006/main" xmlns:r="http://schemas.openxmlformats.org/officeDocument/2006/relationships" xmlns:p="http://schemas.openxmlformats.org/presentationml/2006/main">
+  <p:cSld>
+    <p:spTree>
+      <p:nvGrpSpPr>
+        <p:cNvPr id="1" name=""/>
+        <p:cNvGrpSpPr/>
+        <p:nvPr/>
+      </p:nvGrpSpPr>
+      <p:grpSpPr>
+        <a:xfrm>
+          <a:off x="0" y="0"/>
+          <a:ext cx="0" cy="0"/>
+          <a:chOff x="0" y="0"/>
+          <a:chExt cx="0" cy="0"/>
+        </a:xfrm>
+      </p:grpSpPr>
+      <p:sp>
+        <p:nvSpPr>
+          <p:cNvPr id="2" name="Title 1"/>
+          <p:cNvSpPr>
+            <a:spLocks noGrp="1"/>
+          </p:cNvSpPr>
+          <p:nvPr>
+            <p:ph type="title"/>
+          </p:nvPr>
+        </p:nvSpPr>
+        <p:spPr/>
+        <p:txBody>
+          <a:bodyPr/>
+          <a:lstStyle/>
+          <a:p>
+            <a:r>
+              <a:rPr lang="en-US" dirty="0"/>
               <a:t>Other useful things</a:t>
             </a:r>
-            <a:endParaRPr lang="en-US" dirty="0"/>
           </a:p>
         </p:txBody>
       </p:sp>
@@ -6033,100 +6307,96 @@
           <a:lstStyle/>
           <a:p>
             <a:r>
-              <a:rPr lang="en-US" sz="2000" dirty="0" smtClean="0"/>
+              <a:rPr lang="en-US" sz="2000" dirty="0"/>
               <a:t>first()</a:t>
             </a:r>
           </a:p>
           <a:p>
             <a:pPr lvl="1"/>
             <a:r>
-              <a:rPr lang="en-US" sz="1600" dirty="0" smtClean="0"/>
+              <a:rPr lang="en-US" sz="1600" dirty="0"/>
               <a:t>Returns the first member of an RDD</a:t>
             </a:r>
           </a:p>
           <a:p>
             <a:r>
-              <a:rPr lang="en-US" sz="2000" dirty="0" smtClean="0"/>
+              <a:rPr lang="en-US" sz="2000" dirty="0"/>
               <a:t>take(10)</a:t>
             </a:r>
           </a:p>
           <a:p>
             <a:pPr lvl="1"/>
             <a:r>
-              <a:rPr lang="en-US" sz="1600" dirty="0" smtClean="0"/>
+              <a:rPr lang="en-US" sz="1600" dirty="0"/>
               <a:t>Returns the first 10 elements</a:t>
             </a:r>
           </a:p>
           <a:p>
             <a:r>
               <a:rPr lang="en-US" sz="2000" dirty="0"/>
-              <a:t>s</a:t>
-            </a:r>
-            <a:r>
-              <a:rPr lang="en-US" sz="2000" dirty="0" smtClean="0"/>
-              <a:t>ample(..)/</a:t>
-            </a:r>
-            <a:r>
-              <a:rPr lang="en-US" sz="2000" dirty="0" err="1" smtClean="0"/>
+              <a:t>sample(..)/</a:t>
+            </a:r>
+            <a:r>
+              <a:rPr lang="en-US" sz="2000" dirty="0" err="1"/>
               <a:t>takeSample</a:t>
             </a:r>
             <a:r>
-              <a:rPr lang="en-US" sz="2000" dirty="0" smtClean="0"/>
+              <a:rPr lang="en-US" sz="2000" dirty="0"/>
               <a:t>(..)</a:t>
             </a:r>
           </a:p>
           <a:p>
             <a:pPr lvl="1"/>
             <a:r>
-              <a:rPr lang="en-US" sz="1600" dirty="0" smtClean="0"/>
+              <a:rPr lang="en-US" sz="1600" dirty="0"/>
               <a:t>Samples the RDD </a:t>
             </a:r>
           </a:p>
           <a:p>
             <a:pPr lvl="1"/>
             <a:r>
-              <a:rPr lang="en-US" sz="1600" dirty="0" smtClean="0"/>
+              <a:rPr lang="en-US" sz="1600" dirty="0"/>
               <a:t>Very useful for reducing a massive dataset to something workable while you are testing</a:t>
             </a:r>
           </a:p>
           <a:p>
             <a:r>
-              <a:rPr lang="en-US" sz="2000" dirty="0" smtClean="0"/>
+              <a:rPr lang="en-US" sz="2000" dirty="0"/>
               <a:t>count() </a:t>
             </a:r>
           </a:p>
           <a:p>
             <a:pPr lvl="1"/>
             <a:r>
-              <a:rPr lang="en-US" sz="1600" dirty="0" smtClean="0"/>
+              <a:rPr lang="en-US" sz="1600" dirty="0"/>
               <a:t>Counts the RDD</a:t>
             </a:r>
           </a:p>
           <a:p>
             <a:r>
-              <a:rPr lang="en-US" sz="2000" dirty="0" err="1" smtClean="0"/>
+              <a:rPr lang="en-US" sz="2000" dirty="0" err="1"/>
               <a:t>countByKey</a:t>
             </a:r>
             <a:r>
-              <a:rPr lang="en-US" sz="2000" dirty="0" smtClean="0"/>
+              <a:rPr lang="en-US" sz="2000" dirty="0"/>
               <a:t>()</a:t>
             </a:r>
           </a:p>
           <a:p>
             <a:pPr lvl="1"/>
             <a:r>
-              <a:rPr lang="en-US" sz="1600" dirty="0" smtClean="0"/>
+              <a:rPr lang="en-US" sz="1600" dirty="0"/>
               <a:t>Counts by key </a:t>
             </a:r>
           </a:p>
           <a:p>
             <a:pPr lvl="1"/>
             <a:r>
-              <a:rPr lang="en-US" sz="1600" dirty="0" smtClean="0"/>
+              <a:rPr lang="en-US" sz="1600" dirty="0"/>
               <a:t>Might have been useful in our word count example </a:t>
             </a:r>
             <a:r>
-              <a:rPr lang="en-US" sz="1600" dirty="0" smtClean="0">
+              <a:rPr lang="en-US" sz="1600" dirty="0">
                 <a:sym typeface="Wingdings"/>
               </a:rPr>
               <a:t></a:t>
@@ -6134,18 +6404,18 @@
           </a:p>
           <a:p>
             <a:r>
-              <a:rPr lang="en-US" sz="2000" dirty="0" err="1" smtClean="0"/>
+              <a:rPr lang="en-US" sz="2000" dirty="0" err="1"/>
               <a:t>forEach</a:t>
             </a:r>
             <a:r>
-              <a:rPr lang="en-US" sz="2000" dirty="0" smtClean="0"/>
+              <a:rPr lang="en-US" sz="2000" dirty="0"/>
               <a:t>()</a:t>
             </a:r>
           </a:p>
           <a:p>
             <a:pPr lvl="1"/>
             <a:r>
-              <a:rPr lang="en-US" sz="1600" dirty="0" smtClean="0"/>
+              <a:rPr lang="en-US" sz="1600" dirty="0"/>
               <a:t>Allows you to do operations with side-effects (accumulators)</a:t>
             </a:r>
           </a:p>
@@ -6161,17 +6431,10 @@
   <p:clrMapOvr>
     <a:masterClrMapping/>
   </p:clrMapOvr>
-  <p:timing>
-    <p:tnLst>
-      <p:par>
-        <p:cTn xmlns:p14="http://schemas.microsoft.com/office/powerpoint/2010/main" id="1" dur="indefinite" restart="never" nodeType="tmRoot"/>
-      </p:par>
-    </p:tnLst>
-  </p:timing>
 </p:sld>
 </file>
 
-<file path=ppt/slides/slide21.xml><?xml version="1.0" encoding="utf-8"?>
+<file path=ppt/slides/slide22.xml><?xml version="1.0" encoding="utf-8"?>
 <p:sld xmlns:a="http://schemas.openxmlformats.org/drawingml/2006/main" xmlns:r="http://schemas.openxmlformats.org/officeDocument/2006/relationships" xmlns:p="http://schemas.openxmlformats.org/presentationml/2006/main">
   <p:cSld>
     <p:spTree>
@@ -6197,7 +6460,7 @@
           <p:nvPr/>
         </p:nvPicPr>
         <p:blipFill>
-          <a:blip r:embed="rId2"/>
+          <a:blip r:embed="rId3"/>
           <a:stretch>
             <a:fillRect/>
           </a:stretch>
@@ -6222,17 +6485,10 @@
   <p:clrMapOvr>
     <a:masterClrMapping/>
   </p:clrMapOvr>
-  <p:timing>
-    <p:tnLst>
-      <p:par>
-        <p:cTn xmlns:p14="http://schemas.microsoft.com/office/powerpoint/2010/main" id="1" dur="indefinite" restart="never" nodeType="tmRoot"/>
-      </p:par>
-    </p:tnLst>
-  </p:timing>
 </p:sld>
 </file>
 
-<file path=ppt/slides/slide22.xml><?xml version="1.0" encoding="utf-8"?>
+<file path=ppt/slides/slide23.xml><?xml version="1.0" encoding="utf-8"?>
 <p:sld xmlns:a="http://schemas.openxmlformats.org/drawingml/2006/main" xmlns:r="http://schemas.openxmlformats.org/officeDocument/2006/relationships" xmlns:p="http://schemas.openxmlformats.org/presentationml/2006/main">
   <p:cSld>
     <p:spTree>
@@ -6283,17 +6539,10 @@
   <p:clrMapOvr>
     <a:masterClrMapping/>
   </p:clrMapOvr>
-  <p:timing>
-    <p:tnLst>
-      <p:par>
-        <p:cTn xmlns:p14="http://schemas.microsoft.com/office/powerpoint/2010/main" id="1" dur="indefinite" restart="never" nodeType="tmRoot"/>
-      </p:par>
-    </p:tnLst>
-  </p:timing>
 </p:sld>
 </file>
 
-<file path=ppt/slides/slide23.xml><?xml version="1.0" encoding="utf-8"?>
+<file path=ppt/slides/slide24.xml><?xml version="1.0" encoding="utf-8"?>
 <p:sld xmlns:a="http://schemas.openxmlformats.org/drawingml/2006/main" xmlns:r="http://schemas.openxmlformats.org/officeDocument/2006/relationships" xmlns:p="http://schemas.openxmlformats.org/presentationml/2006/main">
   <p:cSld>
     <p:spTree>
@@ -6319,7 +6568,7 @@
           <p:nvPr/>
         </p:nvPicPr>
         <p:blipFill>
-          <a:blip r:embed="rId2"/>
+          <a:blip r:embed="rId3"/>
           <a:stretch>
             <a:fillRect/>
           </a:stretch>
@@ -6344,17 +6593,10 @@
   <p:clrMapOvr>
     <a:masterClrMapping/>
   </p:clrMapOvr>
-  <p:timing>
-    <p:tnLst>
-      <p:par>
-        <p:cTn xmlns:p14="http://schemas.microsoft.com/office/powerpoint/2010/main" id="1" dur="indefinite" restart="never" nodeType="tmRoot"/>
-      </p:par>
-    </p:tnLst>
-  </p:timing>
 </p:sld>
 </file>
 
-<file path=ppt/slides/slide24.xml><?xml version="1.0" encoding="utf-8"?>
+<file path=ppt/slides/slide25.xml><?xml version="1.0" encoding="utf-8"?>
 <p:sld xmlns:a="http://schemas.openxmlformats.org/drawingml/2006/main" xmlns:r="http://schemas.openxmlformats.org/officeDocument/2006/relationships" xmlns:p="http://schemas.openxmlformats.org/presentationml/2006/main">
   <p:cSld>
     <p:spTree>
@@ -6373,7 +6615,13 @@
       </p:grpSpPr>
       <p:sp>
         <p:nvSpPr>
-          <p:cNvPr id="2" name="Title 1"/>
+          <p:cNvPr id="2" name="Title 1">
+            <a:extLst>
+              <a:ext uri="{FF2B5EF4-FFF2-40B4-BE49-F238E27FC236}">
+                <a16:creationId xmlns:a16="http://schemas.microsoft.com/office/drawing/2014/main" id="{5F6B288F-6985-6B4F-BA66-001762CEB3FE}"/>
+              </a:ext>
+            </a:extLst>
+          </p:cNvPr>
           <p:cNvSpPr>
             <a:spLocks noGrp="1"/>
           </p:cNvSpPr>
@@ -6387,10 +6635,264 @@
           <a:lstStyle/>
           <a:p>
             <a:r>
-              <a:rPr lang="en-US" dirty="0" smtClean="0"/>
+              <a:rPr lang="en-US" dirty="0"/>
+              <a:t>Transformations and Actions</a:t>
+            </a:r>
+          </a:p>
+        </p:txBody>
+      </p:sp>
+      <p:sp>
+        <p:nvSpPr>
+          <p:cNvPr id="3" name="Content Placeholder 2">
+            <a:extLst>
+              <a:ext uri="{FF2B5EF4-FFF2-40B4-BE49-F238E27FC236}">
+                <a16:creationId xmlns:a16="http://schemas.microsoft.com/office/drawing/2014/main" id="{3E110B6F-3B7E-B24B-84BA-F2A8407EFAEC}"/>
+              </a:ext>
+            </a:extLst>
+          </p:cNvPr>
+          <p:cNvSpPr>
+            <a:spLocks noGrp="1"/>
+          </p:cNvSpPr>
+          <p:nvPr>
+            <p:ph idx="1"/>
+          </p:nvPr>
+        </p:nvSpPr>
+        <p:spPr/>
+        <p:txBody>
+          <a:bodyPr/>
+          <a:lstStyle/>
+          <a:p>
+            <a:r>
+              <a:rPr lang="en-US" b="1" dirty="0"/>
+              <a:t>Transformations</a:t>
+            </a:r>
+            <a:r>
+              <a:rPr lang="en-US" dirty="0"/>
+              <a:t>: create a new RDD from an existing one</a:t>
+            </a:r>
+          </a:p>
+          <a:p>
+            <a:r>
+              <a:rPr lang="en-US" b="1" dirty="0"/>
+              <a:t>Actions</a:t>
+            </a:r>
+            <a:r>
+              <a:rPr lang="en-US" dirty="0"/>
+              <a:t>: return a value to the driver program after carrying out a computation</a:t>
+            </a:r>
+          </a:p>
+          <a:p>
+            <a:r>
+              <a:rPr lang="en-US" dirty="0"/>
+              <a:t>What are map(), reduce() and </a:t>
+            </a:r>
+            <a:r>
+              <a:rPr lang="en-US" dirty="0" err="1"/>
+              <a:t>reduceByKey</a:t>
+            </a:r>
+            <a:r>
+              <a:rPr lang="en-US" dirty="0"/>
+              <a:t>()?</a:t>
+            </a:r>
+          </a:p>
+          <a:p>
+            <a:r>
+              <a:rPr lang="en-US" dirty="0"/>
+              <a:t>All transformations in Spark are </a:t>
+            </a:r>
+            <a:r>
+              <a:rPr lang="en-US" b="1" dirty="0"/>
+              <a:t>lazy</a:t>
+            </a:r>
+            <a:r>
+              <a:rPr lang="en-US" dirty="0"/>
+              <a:t>: only carried out when needed by an action</a:t>
+            </a:r>
+            <a:endParaRPr lang="en-US" b="1" dirty="0"/>
+          </a:p>
+        </p:txBody>
+      </p:sp>
+    </p:spTree>
+    <p:extLst>
+      <p:ext uri="{BB962C8B-B14F-4D97-AF65-F5344CB8AC3E}">
+        <p14:creationId xmlns:p14="http://schemas.microsoft.com/office/powerpoint/2010/main" val="1930701059"/>
+      </p:ext>
+    </p:extLst>
+  </p:cSld>
+  <p:clrMapOvr>
+    <a:masterClrMapping/>
+  </p:clrMapOvr>
+</p:sld>
+</file>
+
+<file path=ppt/slides/slide26.xml><?xml version="1.0" encoding="utf-8"?>
+<p:sld xmlns:a="http://schemas.openxmlformats.org/drawingml/2006/main" xmlns:r="http://schemas.openxmlformats.org/officeDocument/2006/relationships" xmlns:p="http://schemas.openxmlformats.org/presentationml/2006/main">
+  <p:cSld>
+    <p:spTree>
+      <p:nvGrpSpPr>
+        <p:cNvPr id="1" name=""/>
+        <p:cNvGrpSpPr/>
+        <p:nvPr/>
+      </p:nvGrpSpPr>
+      <p:grpSpPr>
+        <a:xfrm>
+          <a:off x="0" y="0"/>
+          <a:ext cx="0" cy="0"/>
+          <a:chOff x="0" y="0"/>
+          <a:chExt cx="0" cy="0"/>
+        </a:xfrm>
+      </p:grpSpPr>
+      <p:sp>
+        <p:nvSpPr>
+          <p:cNvPr id="2" name="Title 1">
+            <a:extLst>
+              <a:ext uri="{FF2B5EF4-FFF2-40B4-BE49-F238E27FC236}">
+                <a16:creationId xmlns:a16="http://schemas.microsoft.com/office/drawing/2014/main" id="{A4B061DC-A588-1E48-846B-01892F24029B}"/>
+              </a:ext>
+            </a:extLst>
+          </p:cNvPr>
+          <p:cNvSpPr>
+            <a:spLocks noGrp="1"/>
+          </p:cNvSpPr>
+          <p:nvPr>
+            <p:ph type="title"/>
+          </p:nvPr>
+        </p:nvSpPr>
+        <p:spPr/>
+        <p:txBody>
+          <a:bodyPr/>
+          <a:lstStyle/>
+          <a:p>
+            <a:r>
+              <a:rPr lang="en-US" dirty="0"/>
+              <a:t>Serialization and Deserialization</a:t>
+            </a:r>
+          </a:p>
+        </p:txBody>
+      </p:sp>
+      <p:sp>
+        <p:nvSpPr>
+          <p:cNvPr id="3" name="Content Placeholder 2">
+            <a:extLst>
+              <a:ext uri="{FF2B5EF4-FFF2-40B4-BE49-F238E27FC236}">
+                <a16:creationId xmlns:a16="http://schemas.microsoft.com/office/drawing/2014/main" id="{52F710EA-A19D-EA49-B94E-7FD5C2567488}"/>
+              </a:ext>
+            </a:extLst>
+          </p:cNvPr>
+          <p:cNvSpPr>
+            <a:spLocks noGrp="1"/>
+          </p:cNvSpPr>
+          <p:nvPr>
+            <p:ph idx="1"/>
+          </p:nvPr>
+        </p:nvSpPr>
+        <p:spPr/>
+        <p:txBody>
+          <a:bodyPr>
+            <a:normAutofit fontScale="92500" lnSpcReduction="10000"/>
+          </a:bodyPr>
+          <a:lstStyle/>
+          <a:p>
+            <a:r>
+              <a:rPr lang="en-GB" b="1" dirty="0"/>
+              <a:t>serialization</a:t>
+            </a:r>
+            <a:r>
+              <a:rPr lang="en-GB" dirty="0"/>
+              <a:t> = converting an object into a sequence of bytes which can be persisted to a disk or database or can be sent through streams. </a:t>
+            </a:r>
+          </a:p>
+          <a:p>
+            <a:r>
+              <a:rPr lang="en-GB" b="1" dirty="0"/>
+              <a:t>deserialization</a:t>
+            </a:r>
+            <a:r>
+              <a:rPr lang="en-GB" dirty="0"/>
+              <a:t> =  creating object from sequence of bytes.</a:t>
+            </a:r>
+          </a:p>
+          <a:p>
+            <a:r>
+              <a:rPr lang="en-GB" dirty="0"/>
+              <a:t> may be necessary for persistence of data</a:t>
+            </a:r>
+          </a:p>
+          <a:p>
+            <a:r>
+              <a:rPr lang="en-GB" dirty="0"/>
+              <a:t>but avoid unnecessary serializations and deserializations (e.g., RDD </a:t>
+            </a:r>
+            <a:r>
+              <a:rPr lang="en-GB" dirty="0">
+                <a:sym typeface="Wingdings" pitchFamily="2" charset="2"/>
+              </a:rPr>
+              <a:t> DF  RDD)</a:t>
+            </a:r>
+          </a:p>
+          <a:p>
+            <a:r>
+              <a:rPr lang="en-GB" dirty="0">
+                <a:sym typeface="Wingdings" pitchFamily="2" charset="2"/>
+              </a:rPr>
+              <a:t>why?</a:t>
+            </a:r>
+            <a:endParaRPr lang="en-GB" dirty="0"/>
+          </a:p>
+          <a:p>
+            <a:endParaRPr lang="en-US" dirty="0"/>
+          </a:p>
+        </p:txBody>
+      </p:sp>
+    </p:spTree>
+    <p:extLst>
+      <p:ext uri="{BB962C8B-B14F-4D97-AF65-F5344CB8AC3E}">
+        <p14:creationId xmlns:p14="http://schemas.microsoft.com/office/powerpoint/2010/main" val="1618144748"/>
+      </p:ext>
+    </p:extLst>
+  </p:cSld>
+  <p:clrMapOvr>
+    <a:masterClrMapping/>
+  </p:clrMapOvr>
+</p:sld>
+</file>
+
+<file path=ppt/slides/slide27.xml><?xml version="1.0" encoding="utf-8"?>
+<p:sld xmlns:a="http://schemas.openxmlformats.org/drawingml/2006/main" xmlns:r="http://schemas.openxmlformats.org/officeDocument/2006/relationships" xmlns:p="http://schemas.openxmlformats.org/presentationml/2006/main" show="0">
+  <p:cSld>
+    <p:spTree>
+      <p:nvGrpSpPr>
+        <p:cNvPr id="1" name=""/>
+        <p:cNvGrpSpPr/>
+        <p:nvPr/>
+      </p:nvGrpSpPr>
+      <p:grpSpPr>
+        <a:xfrm>
+          <a:off x="0" y="0"/>
+          <a:ext cx="0" cy="0"/>
+          <a:chOff x="0" y="0"/>
+          <a:chExt cx="0" cy="0"/>
+        </a:xfrm>
+      </p:grpSpPr>
+      <p:sp>
+        <p:nvSpPr>
+          <p:cNvPr id="2" name="Title 1"/>
+          <p:cNvSpPr>
+            <a:spLocks noGrp="1"/>
+          </p:cNvSpPr>
+          <p:nvPr>
+            <p:ph type="title"/>
+          </p:nvPr>
+        </p:nvSpPr>
+        <p:spPr/>
+        <p:txBody>
+          <a:bodyPr/>
+          <a:lstStyle/>
+          <a:p>
+            <a:r>
+              <a:rPr lang="en-US" dirty="0"/>
               <a:t>Serialization</a:t>
             </a:r>
-            <a:endParaRPr lang="en-US" dirty="0"/>
           </a:p>
         </p:txBody>
       </p:sp>
@@ -6428,510 +6930,6 @@
   <p:clrMapOvr>
     <a:masterClrMapping/>
   </p:clrMapOvr>
-  <p:timing>
-    <p:tnLst>
-      <p:par>
-        <p:cTn xmlns:p14="http://schemas.microsoft.com/office/powerpoint/2010/main" id="1" dur="indefinite" restart="never" nodeType="tmRoot"/>
-      </p:par>
-    </p:tnLst>
-  </p:timing>
-</p:sld>
-</file>
-
-<file path=ppt/slides/slide25.xml><?xml version="1.0" encoding="utf-8"?>
-<p:sld xmlns:a="http://schemas.openxmlformats.org/drawingml/2006/main" xmlns:r="http://schemas.openxmlformats.org/officeDocument/2006/relationships" xmlns:p="http://schemas.openxmlformats.org/presentationml/2006/main">
-  <p:cSld>
-    <p:spTree>
-      <p:nvGrpSpPr>
-        <p:cNvPr id="1" name=""/>
-        <p:cNvGrpSpPr/>
-        <p:nvPr/>
-      </p:nvGrpSpPr>
-      <p:grpSpPr>
-        <a:xfrm>
-          <a:off x="0" y="0"/>
-          <a:ext cx="0" cy="0"/>
-          <a:chOff x="0" y="0"/>
-          <a:chExt cx="0" cy="0"/>
-        </a:xfrm>
-      </p:grpSpPr>
-      <p:sp>
-        <p:nvSpPr>
-          <p:cNvPr id="2" name="Title 1"/>
-          <p:cNvSpPr>
-            <a:spLocks noGrp="1"/>
-          </p:cNvSpPr>
-          <p:nvPr>
-            <p:ph type="title"/>
-          </p:nvPr>
-        </p:nvSpPr>
-        <p:spPr/>
-        <p:txBody>
-          <a:bodyPr/>
-          <a:lstStyle/>
-          <a:p>
-            <a:r>
-              <a:rPr lang="en-US" dirty="0" smtClean="0"/>
-              <a:t>Lambda syntax</a:t>
-            </a:r>
-            <a:endParaRPr lang="en-US" dirty="0"/>
-          </a:p>
-        </p:txBody>
-      </p:sp>
-      <p:sp>
-        <p:nvSpPr>
-          <p:cNvPr id="3" name="Content Placeholder 2"/>
-          <p:cNvSpPr>
-            <a:spLocks noGrp="1"/>
-          </p:cNvSpPr>
-          <p:nvPr>
-            <p:ph idx="1"/>
-          </p:nvPr>
-        </p:nvSpPr>
-        <p:spPr/>
-        <p:txBody>
-          <a:bodyPr/>
-          <a:lstStyle/>
-          <a:p>
-            <a:r>
-              <a:rPr lang="en-US" dirty="0" smtClean="0"/>
-              <a:t>Lambda’s are unnamed functions</a:t>
-            </a:r>
-          </a:p>
-          <a:p>
-            <a:pPr lvl="1"/>
-            <a:r>
-              <a:rPr lang="en-US" dirty="0" smtClean="0"/>
-              <a:t>From Alonzo Church’s 1930s work on the Lambda Calculus</a:t>
-            </a:r>
-          </a:p>
-          <a:p>
-            <a:pPr lvl="1"/>
-            <a:r>
-              <a:rPr lang="en-US" dirty="0" smtClean="0"/>
-              <a:t>Recently added to Java</a:t>
-            </a:r>
-            <a:endParaRPr lang="en-US" dirty="0"/>
-          </a:p>
-        </p:txBody>
-      </p:sp>
-    </p:spTree>
-    <p:extLst>
-      <p:ext uri="{BB962C8B-B14F-4D97-AF65-F5344CB8AC3E}">
-        <p14:creationId xmlns:p14="http://schemas.microsoft.com/office/powerpoint/2010/main" val="2738737034"/>
-      </p:ext>
-    </p:extLst>
-  </p:cSld>
-  <p:clrMapOvr>
-    <a:masterClrMapping/>
-  </p:clrMapOvr>
-  <p:timing>
-    <p:tnLst>
-      <p:par>
-        <p:cTn xmlns:p14="http://schemas.microsoft.com/office/powerpoint/2010/main" id="1" dur="indefinite" restart="never" nodeType="tmRoot"/>
-      </p:par>
-    </p:tnLst>
-  </p:timing>
-</p:sld>
-</file>
-
-<file path=ppt/slides/slide26.xml><?xml version="1.0" encoding="utf-8"?>
-<p:sld xmlns:a="http://schemas.openxmlformats.org/drawingml/2006/main" xmlns:r="http://schemas.openxmlformats.org/officeDocument/2006/relationships" xmlns:p="http://schemas.openxmlformats.org/presentationml/2006/main">
-  <p:cSld>
-    <p:spTree>
-      <p:nvGrpSpPr>
-        <p:cNvPr id="1" name=""/>
-        <p:cNvGrpSpPr/>
-        <p:nvPr/>
-      </p:nvGrpSpPr>
-      <p:grpSpPr>
-        <a:xfrm>
-          <a:off x="0" y="0"/>
-          <a:ext cx="0" cy="0"/>
-          <a:chOff x="0" y="0"/>
-          <a:chExt cx="0" cy="0"/>
-        </a:xfrm>
-      </p:grpSpPr>
-      <p:sp>
-        <p:nvSpPr>
-          <p:cNvPr id="2" name="Title 1"/>
-          <p:cNvSpPr>
-            <a:spLocks noGrp="1"/>
-          </p:cNvSpPr>
-          <p:nvPr>
-            <p:ph type="title"/>
-          </p:nvPr>
-        </p:nvSpPr>
-        <p:spPr/>
-        <p:txBody>
-          <a:bodyPr/>
-          <a:lstStyle/>
-          <a:p>
-            <a:r>
-              <a:rPr lang="en-US" dirty="0" smtClean="0"/>
-              <a:t>Lambda syntax in Python	</a:t>
-            </a:r>
-            <a:endParaRPr lang="en-US" dirty="0"/>
-          </a:p>
-        </p:txBody>
-      </p:sp>
-      <p:sp>
-        <p:nvSpPr>
-          <p:cNvPr id="3" name="Content Placeholder 2"/>
-          <p:cNvSpPr>
-            <a:spLocks noGrp="1"/>
-          </p:cNvSpPr>
-          <p:nvPr>
-            <p:ph idx="1"/>
-          </p:nvPr>
-        </p:nvSpPr>
-        <p:spPr/>
-        <p:txBody>
-          <a:bodyPr/>
-          <a:lstStyle/>
-          <a:p>
-            <a:r>
-              <a:rPr lang="en-US" dirty="0" smtClean="0"/>
-              <a:t>Simply:</a:t>
-            </a:r>
-          </a:p>
-          <a:p>
-            <a:endParaRPr lang="en-US" dirty="0"/>
-          </a:p>
-          <a:p>
-            <a:pPr marL="457200" lvl="1" indent="0">
-              <a:buNone/>
-            </a:pPr>
-            <a:r>
-              <a:rPr lang="en-US" dirty="0" smtClean="0"/>
-              <a:t>f = lambda x: </a:t>
-            </a:r>
-            <a:r>
-              <a:rPr lang="en-US" dirty="0" err="1" smtClean="0"/>
-              <a:t>x.split</a:t>
-            </a:r>
-            <a:r>
-              <a:rPr lang="en-US" dirty="0" smtClean="0"/>
-              <a:t>()</a:t>
-            </a:r>
-          </a:p>
-          <a:p>
-            <a:pPr marL="457200" lvl="1" indent="0">
-              <a:buNone/>
-            </a:pPr>
-            <a:r>
-              <a:rPr lang="en-US" dirty="0"/>
-              <a:t>g</a:t>
-            </a:r>
-            <a:r>
-              <a:rPr lang="en-US" dirty="0" smtClean="0"/>
-              <a:t> = lambda </a:t>
-            </a:r>
-            <a:r>
-              <a:rPr lang="en-US" dirty="0" err="1" smtClean="0"/>
-              <a:t>x,y</a:t>
-            </a:r>
-            <a:r>
-              <a:rPr lang="en-US" dirty="0" smtClean="0"/>
-              <a:t>: </a:t>
-            </a:r>
-            <a:r>
-              <a:rPr lang="en-US" dirty="0" err="1" smtClean="0"/>
-              <a:t>x+y</a:t>
-            </a:r>
-            <a:endParaRPr lang="en-US" dirty="0"/>
-          </a:p>
-        </p:txBody>
-      </p:sp>
-    </p:spTree>
-    <p:extLst>
-      <p:ext uri="{BB962C8B-B14F-4D97-AF65-F5344CB8AC3E}">
-        <p14:creationId xmlns:p14="http://schemas.microsoft.com/office/powerpoint/2010/main" val="4275047535"/>
-      </p:ext>
-    </p:extLst>
-  </p:cSld>
-  <p:clrMapOvr>
-    <a:masterClrMapping/>
-  </p:clrMapOvr>
-  <p:timing>
-    <p:tnLst>
-      <p:par>
-        <p:cTn xmlns:p14="http://schemas.microsoft.com/office/powerpoint/2010/main" id="1" dur="indefinite" restart="never" nodeType="tmRoot"/>
-      </p:par>
-    </p:tnLst>
-  </p:timing>
-</p:sld>
-</file>
-
-<file path=ppt/slides/slide27.xml><?xml version="1.0" encoding="utf-8"?>
-<p:sld xmlns:a="http://schemas.openxmlformats.org/drawingml/2006/main" xmlns:r="http://schemas.openxmlformats.org/officeDocument/2006/relationships" xmlns:p="http://schemas.openxmlformats.org/presentationml/2006/main">
-  <p:cSld>
-    <p:spTree>
-      <p:nvGrpSpPr>
-        <p:cNvPr id="1" name=""/>
-        <p:cNvGrpSpPr/>
-        <p:nvPr/>
-      </p:nvGrpSpPr>
-      <p:grpSpPr>
-        <a:xfrm>
-          <a:off x="0" y="0"/>
-          <a:ext cx="0" cy="0"/>
-          <a:chOff x="0" y="0"/>
-          <a:chExt cx="0" cy="0"/>
-        </a:xfrm>
-      </p:grpSpPr>
-      <p:sp>
-        <p:nvSpPr>
-          <p:cNvPr id="2" name="Title 1"/>
-          <p:cNvSpPr>
-            <a:spLocks noGrp="1"/>
-          </p:cNvSpPr>
-          <p:nvPr>
-            <p:ph type="title"/>
-          </p:nvPr>
-        </p:nvSpPr>
-        <p:spPr/>
-        <p:txBody>
-          <a:bodyPr>
-            <a:normAutofit fontScale="90000"/>
-          </a:bodyPr>
-          <a:lstStyle/>
-          <a:p>
-            <a:r>
-              <a:rPr lang="en-US" dirty="0" smtClean="0"/>
-              <a:t>Tuples</a:t>
-            </a:r>
-            <a:br>
-              <a:rPr lang="en-US" dirty="0" smtClean="0"/>
-            </a:br>
-            <a:r>
-              <a:rPr lang="en-US" dirty="0" smtClean="0"/>
-              <a:t>Clever pattern matching</a:t>
-            </a:r>
-            <a:endParaRPr lang="en-US" dirty="0"/>
-          </a:p>
-        </p:txBody>
-      </p:sp>
-      <p:sp>
-        <p:nvSpPr>
-          <p:cNvPr id="3" name="Content Placeholder 2"/>
-          <p:cNvSpPr>
-            <a:spLocks noGrp="1"/>
-          </p:cNvSpPr>
-          <p:nvPr>
-            <p:ph idx="1"/>
-          </p:nvPr>
-        </p:nvSpPr>
-        <p:spPr/>
-        <p:txBody>
-          <a:bodyPr>
-            <a:normAutofit fontScale="85000" lnSpcReduction="20000"/>
-          </a:bodyPr>
-          <a:lstStyle/>
-          <a:p>
-            <a:pPr marL="0" indent="0">
-              <a:buNone/>
-            </a:pPr>
-            <a:r>
-              <a:rPr lang="en-US" dirty="0" smtClean="0"/>
-              <a:t>A tuple in Python is just (</a:t>
-            </a:r>
-            <a:r>
-              <a:rPr lang="en-US" dirty="0" err="1" smtClean="0"/>
-              <a:t>x,y</a:t>
-            </a:r>
-            <a:r>
-              <a:rPr lang="en-US" dirty="0" smtClean="0"/>
-              <a:t>) or (</a:t>
-            </a:r>
-            <a:r>
-              <a:rPr lang="en-US" dirty="0" err="1" smtClean="0"/>
-              <a:t>x,y,z</a:t>
-            </a:r>
-            <a:r>
-              <a:rPr lang="en-US" dirty="0" smtClean="0"/>
-              <a:t>)</a:t>
-            </a:r>
-          </a:p>
-          <a:p>
-            <a:pPr marL="0" indent="0">
-              <a:buNone/>
-            </a:pPr>
-            <a:endParaRPr lang="en-US" dirty="0"/>
-          </a:p>
-          <a:p>
-            <a:pPr marL="0" indent="0">
-              <a:buNone/>
-            </a:pPr>
-            <a:r>
-              <a:rPr lang="en-US" dirty="0" smtClean="0"/>
-              <a:t>You can have tuples in tuples:</a:t>
-            </a:r>
-          </a:p>
-          <a:p>
-            <a:pPr marL="0" indent="0">
-              <a:buNone/>
-            </a:pPr>
-            <a:r>
-              <a:rPr lang="en-US" dirty="0"/>
-              <a:t>	</a:t>
-            </a:r>
-            <a:r>
-              <a:rPr lang="en-US" dirty="0" smtClean="0"/>
-              <a:t>(x, (</a:t>
-            </a:r>
-            <a:r>
-              <a:rPr lang="en-US" dirty="0" err="1" smtClean="0"/>
-              <a:t>y,w</a:t>
-            </a:r>
-            <a:r>
-              <a:rPr lang="en-US" dirty="0" smtClean="0"/>
-              <a:t>), z)</a:t>
-            </a:r>
-          </a:p>
-          <a:p>
-            <a:pPr marL="0" indent="0">
-              <a:buNone/>
-            </a:pPr>
-            <a:endParaRPr lang="en-US" dirty="0" smtClean="0"/>
-          </a:p>
-          <a:p>
-            <a:pPr marL="0" indent="0">
-              <a:buNone/>
-            </a:pPr>
-            <a:r>
-              <a:rPr lang="en-US" dirty="0" smtClean="0"/>
-              <a:t>What parameters do the following functions take and return?</a:t>
-            </a:r>
-            <a:endParaRPr lang="en-US" dirty="0"/>
-          </a:p>
-          <a:p>
-            <a:pPr marL="0" indent="0">
-              <a:buNone/>
-            </a:pPr>
-            <a:r>
-              <a:rPr lang="en-US" dirty="0" smtClean="0"/>
-              <a:t>lambda </a:t>
-            </a:r>
-            <a:r>
-              <a:rPr lang="en-US" dirty="0" err="1" smtClean="0"/>
-              <a:t>x,y</a:t>
-            </a:r>
-            <a:r>
-              <a:rPr lang="en-US" dirty="0" smtClean="0"/>
-              <a:t>: </a:t>
-            </a:r>
-            <a:r>
-              <a:rPr lang="en-US" dirty="0" err="1" smtClean="0"/>
-              <a:t>x+y</a:t>
-            </a:r>
-            <a:r>
-              <a:rPr lang="en-US" dirty="0" smtClean="0"/>
-              <a:t/>
-            </a:r>
-            <a:br>
-              <a:rPr lang="en-US" dirty="0" smtClean="0"/>
-            </a:br>
-            <a:r>
-              <a:rPr lang="en-US" dirty="0" smtClean="0"/>
-              <a:t>lambda (</a:t>
-            </a:r>
-            <a:r>
-              <a:rPr lang="en-US" dirty="0" err="1" smtClean="0"/>
-              <a:t>x,y</a:t>
-            </a:r>
-            <a:r>
-              <a:rPr lang="en-US" dirty="0" smtClean="0"/>
-              <a:t>): </a:t>
-            </a:r>
-            <a:r>
-              <a:rPr lang="en-US" dirty="0" err="1" smtClean="0"/>
-              <a:t>x+y</a:t>
-            </a:r>
-            <a:r>
-              <a:rPr lang="en-US" dirty="0" smtClean="0"/>
-              <a:t/>
-            </a:r>
-            <a:br>
-              <a:rPr lang="en-US" dirty="0" smtClean="0"/>
-            </a:br>
-            <a:r>
-              <a:rPr lang="en-US" dirty="0" smtClean="0"/>
-              <a:t>lambda (</a:t>
-            </a:r>
-            <a:r>
-              <a:rPr lang="en-US" dirty="0" err="1" smtClean="0"/>
-              <a:t>w,v</a:t>
-            </a:r>
-            <a:r>
-              <a:rPr lang="en-US" dirty="0" smtClean="0"/>
-              <a:t>),(</a:t>
-            </a:r>
-            <a:r>
-              <a:rPr lang="en-US" dirty="0" err="1" smtClean="0"/>
-              <a:t>x,y</a:t>
-            </a:r>
-            <a:r>
-              <a:rPr lang="en-US" dirty="0" smtClean="0"/>
-              <a:t>): ((</a:t>
-            </a:r>
-            <a:r>
-              <a:rPr lang="en-US" dirty="0" err="1" smtClean="0"/>
-              <a:t>w+x</a:t>
-            </a:r>
-            <a:r>
-              <a:rPr lang="en-US" dirty="0" smtClean="0"/>
-              <a:t>), (</a:t>
-            </a:r>
-            <a:r>
-              <a:rPr lang="en-US" dirty="0" err="1"/>
-              <a:t>v</a:t>
-            </a:r>
-            <a:r>
-              <a:rPr lang="en-US" dirty="0" err="1" smtClean="0"/>
-              <a:t>+y</a:t>
-            </a:r>
-            <a:r>
-              <a:rPr lang="en-US" dirty="0" smtClean="0"/>
-              <a:t>))</a:t>
-            </a:r>
-            <a:br>
-              <a:rPr lang="en-US" dirty="0" smtClean="0"/>
-            </a:br>
-            <a:r>
-              <a:rPr lang="en-US" dirty="0" smtClean="0"/>
-              <a:t>lambda (x,(</a:t>
-            </a:r>
-            <a:r>
-              <a:rPr lang="en-US" dirty="0" err="1" smtClean="0"/>
-              <a:t>y,z</a:t>
-            </a:r>
-            <a:r>
-              <a:rPr lang="en-US" dirty="0" smtClean="0"/>
-              <a:t>)): (</a:t>
-            </a:r>
-            <a:r>
-              <a:rPr lang="en-US" dirty="0" err="1" smtClean="0"/>
-              <a:t>x,y+z</a:t>
-            </a:r>
-            <a:r>
-              <a:rPr lang="en-US" smtClean="0"/>
-              <a:t>)</a:t>
-            </a:r>
-            <a:endParaRPr lang="en-US" dirty="0"/>
-          </a:p>
-        </p:txBody>
-      </p:sp>
-    </p:spTree>
-    <p:extLst>
-      <p:ext uri="{BB962C8B-B14F-4D97-AF65-F5344CB8AC3E}">
-        <p14:creationId xmlns:p14="http://schemas.microsoft.com/office/powerpoint/2010/main" val="3805805723"/>
-      </p:ext>
-    </p:extLst>
-  </p:cSld>
-  <p:clrMapOvr>
-    <a:masterClrMapping/>
-  </p:clrMapOvr>
 </p:sld>
 </file>
 
@@ -6968,244 +6966,99 @@
           <a:lstStyle/>
           <a:p>
             <a:r>
-              <a:rPr lang="en-US" dirty="0" smtClean="0"/>
-              <a:t>Example</a:t>
-            </a:r>
+              <a:rPr lang="en-US" dirty="0"/>
+              <a:t>Lambda syntax</a:t>
+            </a:r>
+          </a:p>
+        </p:txBody>
+      </p:sp>
+      <p:sp>
+        <p:nvSpPr>
+          <p:cNvPr id="3" name="Content Placeholder 2"/>
+          <p:cNvSpPr>
+            <a:spLocks noGrp="1"/>
+          </p:cNvSpPr>
+          <p:nvPr>
+            <p:ph idx="1"/>
+          </p:nvPr>
+        </p:nvSpPr>
+        <p:spPr/>
+        <p:txBody>
+          <a:bodyPr/>
+          <a:lstStyle/>
+          <a:p>
+            <a:r>
+              <a:rPr lang="en-US" dirty="0"/>
+              <a:t>Lambda’s are unnamed functions</a:t>
+            </a:r>
+          </a:p>
+          <a:p>
+            <a:pPr lvl="1"/>
+            <a:r>
+              <a:rPr lang="en-US" dirty="0"/>
+              <a:t>From Alonzo Church’s 1930s work on the Lambda Calculus</a:t>
+            </a:r>
+          </a:p>
+          <a:p>
+            <a:r>
+              <a:rPr lang="en-US" dirty="0"/>
+              <a:t>In Python, simply:</a:t>
+            </a:r>
+          </a:p>
+          <a:p>
             <a:endParaRPr lang="en-US" dirty="0"/>
           </a:p>
-        </p:txBody>
-      </p:sp>
-      <p:sp>
-        <p:nvSpPr>
-          <p:cNvPr id="3" name="Content Placeholder 2"/>
-          <p:cNvSpPr>
-            <a:spLocks noGrp="1"/>
-          </p:cNvSpPr>
-          <p:nvPr>
-            <p:ph idx="1"/>
-          </p:nvPr>
-        </p:nvSpPr>
-        <p:spPr/>
-        <p:txBody>
-          <a:bodyPr>
-            <a:normAutofit/>
-          </a:bodyPr>
-          <a:lstStyle/>
-          <a:p>
-            <a:pPr marL="0" indent="0">
+          <a:p>
+            <a:pPr marL="457200" lvl="1" indent="0">
               <a:buNone/>
             </a:pPr>
             <a:r>
-              <a:rPr lang="en-US" sz="2000" dirty="0" err="1" smtClean="0"/>
-              <a:t>sc</a:t>
-            </a:r>
-            <a:r>
-              <a:rPr lang="en-US" sz="2000" dirty="0" smtClean="0"/>
-              <a:t> = </a:t>
-            </a:r>
-            <a:r>
-              <a:rPr lang="en-US" sz="2000" dirty="0" err="1" smtClean="0"/>
-              <a:t>SparkContext</a:t>
-            </a:r>
-            <a:r>
-              <a:rPr lang="en-US" sz="2000" dirty="0" smtClean="0"/>
-              <a:t>() </a:t>
-            </a:r>
-          </a:p>
-          <a:p>
-            <a:pPr marL="0" indent="0">
+              <a:rPr lang="en-US" dirty="0"/>
+              <a:t>f = lambda x: </a:t>
+            </a:r>
+            <a:r>
+              <a:rPr lang="en-US" dirty="0" err="1"/>
+              <a:t>x.split</a:t>
+            </a:r>
+            <a:r>
+              <a:rPr lang="en-US" dirty="0"/>
+              <a:t>()</a:t>
+            </a:r>
+          </a:p>
+          <a:p>
+            <a:pPr marL="457200" lvl="1" indent="0">
               <a:buNone/>
             </a:pPr>
-            <a:endParaRPr lang="en-US" sz="2000" dirty="0"/>
-          </a:p>
-          <a:p>
-            <a:pPr marL="0" indent="0">
-              <a:buNone/>
-            </a:pPr>
-            <a:r>
-              <a:rPr lang="en-US" sz="2000" dirty="0" smtClean="0"/>
-              <a:t>books </a:t>
-            </a:r>
-            <a:r>
-              <a:rPr lang="en-US" sz="2000" dirty="0"/>
-              <a:t>= </a:t>
-            </a:r>
-            <a:r>
-              <a:rPr lang="en-US" sz="2000" dirty="0" err="1"/>
-              <a:t>sc.textFile</a:t>
-            </a:r>
-            <a:r>
-              <a:rPr lang="en-US" sz="2000" dirty="0" smtClean="0"/>
-              <a:t>(“books/*”)</a:t>
-            </a:r>
-            <a:endParaRPr lang="en-US" sz="2000" dirty="0"/>
-          </a:p>
-          <a:p>
-            <a:pPr marL="0" indent="0">
-              <a:buNone/>
-            </a:pPr>
-            <a:r>
-              <a:rPr lang="en-US" sz="2000" dirty="0"/>
-              <a:t>split = </a:t>
-            </a:r>
-            <a:r>
-              <a:rPr lang="en-US" sz="2000" dirty="0" err="1"/>
-              <a:t>books.flatMap</a:t>
-            </a:r>
-            <a:r>
-              <a:rPr lang="en-US" sz="2000" dirty="0"/>
-              <a:t>(lambda line: </a:t>
-            </a:r>
-            <a:r>
-              <a:rPr lang="en-US" sz="2000" dirty="0" err="1"/>
-              <a:t>line.split</a:t>
-            </a:r>
-            <a:r>
-              <a:rPr lang="en-US" sz="2000" dirty="0"/>
-              <a:t>())</a:t>
-            </a:r>
-          </a:p>
-          <a:p>
-            <a:pPr marL="0" indent="0">
-              <a:buNone/>
-            </a:pPr>
-            <a:r>
-              <a:rPr lang="en-US" sz="2000" dirty="0" smtClean="0"/>
-              <a:t>numbered </a:t>
-            </a:r>
-            <a:r>
-              <a:rPr lang="en-US" sz="2000" dirty="0"/>
-              <a:t>= </a:t>
-            </a:r>
-            <a:r>
-              <a:rPr lang="en-US" sz="2000" dirty="0" err="1" smtClean="0"/>
-              <a:t>split.map</a:t>
-            </a:r>
-            <a:r>
-              <a:rPr lang="en-US" sz="2000" dirty="0"/>
-              <a:t>(lambda word: (word, 1))</a:t>
-            </a:r>
-          </a:p>
-          <a:p>
-            <a:pPr marL="0" indent="0">
-              <a:buNone/>
-            </a:pPr>
-            <a:r>
-              <a:rPr lang="en-US" sz="2000" dirty="0" err="1"/>
-              <a:t>wordcount</a:t>
-            </a:r>
-            <a:r>
-              <a:rPr lang="en-US" sz="2000" dirty="0"/>
-              <a:t> = </a:t>
-            </a:r>
-            <a:r>
-              <a:rPr lang="en-US" sz="2000" dirty="0" err="1"/>
-              <a:t>numbered.reduceByKey</a:t>
-            </a:r>
-            <a:r>
-              <a:rPr lang="en-US" sz="2000" dirty="0"/>
-              <a:t>(lambda </a:t>
-            </a:r>
-            <a:r>
-              <a:rPr lang="en-US" sz="2000" dirty="0" err="1"/>
-              <a:t>a,b</a:t>
-            </a:r>
-            <a:r>
-              <a:rPr lang="en-US" sz="2000" dirty="0"/>
+            <a:r>
+              <a:rPr lang="en-US" dirty="0"/>
+              <a:t>g = lambda </a:t>
+            </a:r>
+            <a:r>
+              <a:rPr lang="en-US" dirty="0" err="1"/>
+              <a:t>x,y</a:t>
+            </a:r>
+            <a:r>
+              <a:rPr lang="en-US" dirty="0"/>
               <a:t>: </a:t>
             </a:r>
             <a:r>
-              <a:rPr lang="en-US" sz="2000" dirty="0" err="1"/>
-              <a:t>a+b</a:t>
-            </a:r>
-            <a:r>
-              <a:rPr lang="en-US" sz="2000" dirty="0" smtClean="0"/>
-              <a:t>)</a:t>
-            </a:r>
-          </a:p>
-          <a:p>
-            <a:pPr marL="0" indent="0">
-              <a:buNone/>
-            </a:pPr>
-            <a:endParaRPr lang="en-US" sz="2000" dirty="0" smtClean="0"/>
-          </a:p>
-          <a:p>
-            <a:pPr marL="0" indent="0">
-              <a:buNone/>
-            </a:pPr>
-            <a:r>
-              <a:rPr lang="en-US" sz="2000" dirty="0"/>
-              <a:t>for </a:t>
-            </a:r>
-            <a:r>
-              <a:rPr lang="en-US" sz="2000" dirty="0" err="1"/>
-              <a:t>k,v</a:t>
-            </a:r>
-            <a:r>
-              <a:rPr lang="en-US" sz="2000" dirty="0"/>
-              <a:t> in </a:t>
-            </a:r>
-            <a:r>
-              <a:rPr lang="en-US" sz="2000" dirty="0" err="1"/>
-              <a:t>wordcount.collect</a:t>
-            </a:r>
-            <a:r>
-              <a:rPr lang="en-US" sz="2000" dirty="0"/>
-              <a:t>():</a:t>
-            </a:r>
-          </a:p>
-          <a:p>
-            <a:pPr marL="0" indent="0">
-              <a:buNone/>
-            </a:pPr>
-            <a:r>
-              <a:rPr lang="en-US" sz="2000" dirty="0"/>
-              <a:t>  print </a:t>
-            </a:r>
-            <a:r>
-              <a:rPr lang="en-US" sz="2000" dirty="0" err="1"/>
-              <a:t>k,v</a:t>
-            </a:r>
-            <a:endParaRPr lang="en-US" sz="2000" dirty="0"/>
-          </a:p>
-          <a:p>
-            <a:pPr marL="0" indent="0">
-              <a:buNone/>
-            </a:pPr>
-            <a:endParaRPr lang="en-US" sz="2000" dirty="0"/>
-          </a:p>
-          <a:p>
-            <a:pPr marL="0" indent="0">
-              <a:buNone/>
-            </a:pPr>
-            <a:r>
-              <a:rPr lang="en-US" sz="2000" dirty="0" err="1"/>
-              <a:t>sc.stop</a:t>
-            </a:r>
-            <a:r>
-              <a:rPr lang="en-US" sz="2000" dirty="0"/>
-              <a:t>()</a:t>
-            </a:r>
+              <a:rPr lang="en-US" dirty="0" err="1"/>
+              <a:t>x+y</a:t>
+            </a:r>
+            <a:endParaRPr lang="en-US" dirty="0"/>
           </a:p>
         </p:txBody>
       </p:sp>
     </p:spTree>
     <p:extLst>
       <p:ext uri="{BB962C8B-B14F-4D97-AF65-F5344CB8AC3E}">
-        <p14:creationId xmlns:p14="http://schemas.microsoft.com/office/powerpoint/2010/main" val="1260108180"/>
+        <p14:creationId xmlns:p14="http://schemas.microsoft.com/office/powerpoint/2010/main" val="2738737034"/>
       </p:ext>
     </p:extLst>
   </p:cSld>
   <p:clrMapOvr>
     <a:masterClrMapping/>
   </p:clrMapOvr>
-  <p:timing>
-    <p:tnLst>
-      <p:par>
-        <p:cTn xmlns:p14="http://schemas.microsoft.com/office/powerpoint/2010/main" id="1" dur="indefinite" restart="never" nodeType="tmRoot"/>
-      </p:par>
-    </p:tnLst>
-  </p:timing>
 </p:sld>
 </file>
 
@@ -7244,27 +7097,16 @@
           <a:lstStyle/>
           <a:p>
             <a:r>
-              <a:rPr lang="en-US" dirty="0" smtClean="0"/>
-              <a:t>What doesn’t work </a:t>
-            </a:r>
-            <a:r>
-              <a:rPr lang="en-US" dirty="0">
-                <a:sym typeface="Wingdings"/>
-              </a:rPr>
-              <a:t/>
+              <a:rPr lang="en-US" dirty="0"/>
+              <a:t>Tuples</a:t>
             </a:r>
             <a:br>
-              <a:rPr lang="en-US" dirty="0">
-                <a:sym typeface="Wingdings"/>
-              </a:rPr>
+              <a:rPr lang="en-US" dirty="0"/>
             </a:br>
             <a:r>
-              <a:rPr lang="en-US" dirty="0" smtClean="0">
-                <a:sym typeface="Wingdings"/>
-              </a:rPr>
-              <a:t>in a cluster</a:t>
-            </a:r>
-            <a:endParaRPr lang="en-US" dirty="0"/>
+              <a:rPr lang="en-US" dirty="0"/>
+              <a:t>Clever pattern matching</a:t>
+            </a:r>
           </a:p>
         </p:txBody>
       </p:sp>
@@ -7281,7 +7123,7 @@
         <p:spPr/>
         <p:txBody>
           <a:bodyPr>
-            <a:normAutofit/>
+            <a:normAutofit fontScale="85000" lnSpcReduction="20000"/>
           </a:bodyPr>
           <a:lstStyle/>
           <a:p>
@@ -7289,126 +7131,188 @@
               <a:buNone/>
             </a:pPr>
             <a:r>
-              <a:rPr lang="en-US" sz="2800" dirty="0">
-                <a:latin typeface="Lucida Console"/>
-                <a:cs typeface="Lucida Console"/>
-              </a:rPr>
-              <a:t>counter = 0</a:t>
+              <a:rPr lang="en-US" dirty="0"/>
+              <a:t>A tuple in Python is just (</a:t>
+            </a:r>
+            <a:r>
+              <a:rPr lang="en-US" dirty="0" err="1"/>
+              <a:t>x,y</a:t>
+            </a:r>
+            <a:r>
+              <a:rPr lang="en-US" dirty="0"/>
+              <a:t>) or (</a:t>
+            </a:r>
+            <a:r>
+              <a:rPr lang="en-US" dirty="0" err="1"/>
+              <a:t>x,y,z</a:t>
+            </a:r>
+            <a:r>
+              <a:rPr lang="en-US" dirty="0"/>
+              <a:t>)</a:t>
             </a:r>
           </a:p>
           <a:p>
             <a:pPr marL="0" indent="0">
               <a:buNone/>
             </a:pPr>
-            <a:r>
-              <a:rPr lang="en-US" sz="2800" dirty="0" err="1">
-                <a:latin typeface="Lucida Console"/>
-                <a:cs typeface="Lucida Console"/>
-              </a:rPr>
-              <a:t>rdd</a:t>
-            </a:r>
-            <a:r>
-              <a:rPr lang="en-US" sz="2800" dirty="0">
-                <a:latin typeface="Lucida Console"/>
-                <a:cs typeface="Lucida Console"/>
-              </a:rPr>
-              <a:t> = </a:t>
-            </a:r>
-            <a:r>
-              <a:rPr lang="en-US" sz="2800" dirty="0" err="1">
-                <a:latin typeface="Lucida Console"/>
-                <a:cs typeface="Lucida Console"/>
-              </a:rPr>
-              <a:t>sc.parallelize</a:t>
-            </a:r>
-            <a:r>
-              <a:rPr lang="en-US" sz="2800" dirty="0">
-                <a:latin typeface="Lucida Console"/>
-                <a:cs typeface="Lucida Console"/>
-              </a:rPr>
-              <a:t>(data)</a:t>
-            </a:r>
+            <a:endParaRPr lang="en-US" dirty="0"/>
           </a:p>
           <a:p>
             <a:pPr marL="0" indent="0">
               <a:buNone/>
             </a:pPr>
-            <a:endParaRPr lang="en-US" sz="2800" dirty="0">
-              <a:latin typeface="Lucida Console"/>
-              <a:cs typeface="Lucida Console"/>
-            </a:endParaRPr>
+            <a:r>
+              <a:rPr lang="en-US" dirty="0"/>
+              <a:t>You can have tuples in tuples:</a:t>
+            </a:r>
           </a:p>
           <a:p>
             <a:pPr marL="0" indent="0">
               <a:buNone/>
             </a:pPr>
             <a:r>
-              <a:rPr lang="en-US" sz="2800" dirty="0">
-                <a:latin typeface="Lucida Console"/>
-                <a:cs typeface="Lucida Console"/>
-              </a:rPr>
-              <a:t># Wrong: Don't do this!!</a:t>
+              <a:rPr lang="en-US" dirty="0"/>
+              <a:t>	(x, (</a:t>
+            </a:r>
+            <a:r>
+              <a:rPr lang="en-US" dirty="0" err="1"/>
+              <a:t>y,w</a:t>
+            </a:r>
+            <a:r>
+              <a:rPr lang="en-US" dirty="0"/>
+              <a:t>), z)</a:t>
             </a:r>
           </a:p>
           <a:p>
             <a:pPr marL="0" indent="0">
               <a:buNone/>
             </a:pPr>
-            <a:r>
-              <a:rPr lang="en-US" sz="2800" dirty="0" err="1">
-                <a:latin typeface="Lucida Console"/>
-                <a:cs typeface="Lucida Console"/>
-              </a:rPr>
-              <a:t>rdd.foreach</a:t>
-            </a:r>
-            <a:r>
-              <a:rPr lang="en-US" sz="2800" dirty="0">
-                <a:latin typeface="Lucida Console"/>
-                <a:cs typeface="Lucida Console"/>
-              </a:rPr>
-              <a:t>(lambda x: counter += x)</a:t>
-            </a:r>
+            <a:endParaRPr lang="en-US" dirty="0"/>
           </a:p>
           <a:p>
             <a:pPr marL="0" indent="0">
               <a:buNone/>
             </a:pPr>
-            <a:endParaRPr lang="en-US" sz="2800" dirty="0">
-              <a:latin typeface="Lucida Console"/>
-              <a:cs typeface="Lucida Console"/>
-            </a:endParaRPr>
+            <a:r>
+              <a:rPr lang="en-US" dirty="0"/>
+              <a:t>What parameters do the following functions take and return?</a:t>
+            </a:r>
           </a:p>
           <a:p>
             <a:pPr marL="0" indent="0">
               <a:buNone/>
             </a:pPr>
             <a:r>
-              <a:rPr lang="en-US" sz="2800" dirty="0">
-                <a:latin typeface="Lucida Console"/>
-                <a:cs typeface="Lucida Console"/>
-              </a:rPr>
-              <a:t>print("Counter value: " + counter)</a:t>
-            </a:r>
+              <a:rPr lang="en-US" dirty="0"/>
+              <a:t>lambda </a:t>
+            </a:r>
+            <a:r>
+              <a:rPr lang="en-US" dirty="0" err="1"/>
+              <a:t>x,y</a:t>
+            </a:r>
+            <a:r>
+              <a:rPr lang="en-US" dirty="0"/>
+              <a:t>: </a:t>
+            </a:r>
+            <a:r>
+              <a:rPr lang="en-US" dirty="0" err="1"/>
+              <a:t>x+y</a:t>
+            </a:r>
+            <a:br>
+              <a:rPr lang="en-US" dirty="0"/>
+            </a:br>
+            <a:r>
+              <a:rPr lang="en-US" dirty="0"/>
+              <a:t>lambda (</a:t>
+            </a:r>
+            <a:r>
+              <a:rPr lang="en-US" dirty="0" err="1"/>
+              <a:t>x,y</a:t>
+            </a:r>
+            <a:r>
+              <a:rPr lang="en-US" dirty="0"/>
+              <a:t>): </a:t>
+            </a:r>
+            <a:r>
+              <a:rPr lang="en-US" dirty="0" err="1"/>
+              <a:t>x+y</a:t>
+            </a:r>
+            <a:br>
+              <a:rPr lang="en-US" dirty="0"/>
+            </a:br>
+            <a:r>
+              <a:rPr lang="en-US" dirty="0"/>
+              <a:t>lambda (</a:t>
+            </a:r>
+            <a:r>
+              <a:rPr lang="en-US" dirty="0" err="1"/>
+              <a:t>w,v</a:t>
+            </a:r>
+            <a:r>
+              <a:rPr lang="en-US" dirty="0"/>
+              <a:t>),(</a:t>
+            </a:r>
+            <a:r>
+              <a:rPr lang="en-US" dirty="0" err="1"/>
+              <a:t>x,y</a:t>
+            </a:r>
+            <a:r>
+              <a:rPr lang="en-US" dirty="0"/>
+              <a:t>): ((</a:t>
+            </a:r>
+            <a:r>
+              <a:rPr lang="en-US" dirty="0" err="1"/>
+              <a:t>w+x</a:t>
+            </a:r>
+            <a:r>
+              <a:rPr lang="en-US" dirty="0"/>
+              <a:t>), (</a:t>
+            </a:r>
+            <a:r>
+              <a:rPr lang="en-US" dirty="0" err="1"/>
+              <a:t>v+y</a:t>
+            </a:r>
+            <a:r>
+              <a:rPr lang="en-US" dirty="0"/>
+              <a:t>))</a:t>
+            </a:r>
+            <a:br>
+              <a:rPr lang="en-US" dirty="0"/>
+            </a:br>
+            <a:r>
+              <a:rPr lang="en-US" dirty="0"/>
+              <a:t>lambda (x,(</a:t>
+            </a:r>
+            <a:r>
+              <a:rPr lang="en-US" dirty="0" err="1"/>
+              <a:t>y,z</a:t>
+            </a:r>
+            <a:r>
+              <a:rPr lang="en-US" dirty="0"/>
+              <a:t>)): (</a:t>
+            </a:r>
+            <a:r>
+              <a:rPr lang="en-US" dirty="0" err="1"/>
+              <a:t>x,y+z</a:t>
+            </a:r>
+            <a:r>
+              <a:rPr lang="en-US"/>
+              <a:t>)</a:t>
+            </a:r>
+            <a:endParaRPr lang="en-US" dirty="0"/>
           </a:p>
         </p:txBody>
       </p:sp>
     </p:spTree>
     <p:extLst>
       <p:ext uri="{BB962C8B-B14F-4D97-AF65-F5344CB8AC3E}">
-        <p14:creationId xmlns:p14="http://schemas.microsoft.com/office/powerpoint/2010/main" val="965116268"/>
+        <p14:creationId xmlns:p14="http://schemas.microsoft.com/office/powerpoint/2010/main" val="3805805723"/>
       </p:ext>
     </p:extLst>
   </p:cSld>
   <p:clrMapOvr>
     <a:masterClrMapping/>
   </p:clrMapOvr>
-  <p:timing>
-    <p:tnLst>
-      <p:par>
-        <p:cTn xmlns:p14="http://schemas.microsoft.com/office/powerpoint/2010/main" id="1" dur="indefinite" restart="never" nodeType="tmRoot"/>
-      </p:par>
-    </p:tnLst>
-  </p:timing>
 </p:sld>
 </file>
 
@@ -7445,11 +7349,11 @@
           <a:lstStyle/>
           <a:p>
             <a:r>
-              <a:rPr lang="en-US" dirty="0" smtClean="0"/>
+              <a:rPr lang="en-US" dirty="0"/>
               <a:t>Issues with </a:t>
             </a:r>
             <a:r>
-              <a:rPr lang="en-US" dirty="0" err="1" smtClean="0"/>
+              <a:rPr lang="en-US" dirty="0" err="1"/>
               <a:t>Hadoop</a:t>
             </a:r>
             <a:endParaRPr lang="en-US" dirty="0"/>
@@ -7469,47 +7373,46 @@
         <p:spPr/>
         <p:txBody>
           <a:bodyPr>
-            <a:normAutofit lnSpcReduction="10000"/>
+            <a:normAutofit/>
           </a:bodyPr>
           <a:lstStyle/>
           <a:p>
             <a:r>
-              <a:rPr lang="en-US" dirty="0" err="1" smtClean="0"/>
+              <a:rPr lang="en-US" dirty="0" err="1"/>
               <a:t>Hadoop</a:t>
             </a:r>
             <a:r>
-              <a:rPr lang="en-US" dirty="0" smtClean="0"/>
+              <a:rPr lang="en-US" dirty="0"/>
               <a:t> is fundamentally all about Map Reduce</a:t>
             </a:r>
           </a:p>
           <a:p>
             <a:pPr lvl="1"/>
             <a:r>
-              <a:rPr lang="en-US" dirty="0" smtClean="0"/>
+              <a:rPr lang="en-US" dirty="0"/>
               <a:t>Though v2 did allow for other approaches</a:t>
             </a:r>
           </a:p>
           <a:p>
             <a:r>
-              <a:rPr lang="en-US" dirty="0" smtClean="0"/>
+              <a:rPr lang="en-US" dirty="0"/>
               <a:t>Based on cheap commodity hardware</a:t>
             </a:r>
-            <a:endParaRPr lang="en-US" dirty="0"/>
-          </a:p>
-          <a:p>
-            <a:r>
-              <a:rPr lang="en-US" dirty="0" smtClean="0"/>
+          </a:p>
+          <a:p>
+            <a:r>
+              <a:rPr lang="en-US" dirty="0"/>
               <a:t>But</a:t>
             </a:r>
             <a:r>
-              <a:rPr lang="is-IS" dirty="0" smtClean="0"/>
+              <a:rPr lang="is-IS" dirty="0"/>
               <a:t>….</a:t>
             </a:r>
           </a:p>
           <a:p>
             <a:pPr lvl="1"/>
             <a:r>
-              <a:rPr lang="is-IS" dirty="0" smtClean="0"/>
+              <a:rPr lang="is-IS" dirty="0"/>
               <a:t>Not based on cheap commodity hardware with lots of memory!</a:t>
             </a:r>
           </a:p>
@@ -7525,13 +7428,6 @@
   <p:clrMapOvr>
     <a:masterClrMapping/>
   </p:clrMapOvr>
-  <p:timing>
-    <p:tnLst>
-      <p:par>
-        <p:cTn xmlns:p14="http://schemas.microsoft.com/office/powerpoint/2010/main" id="1" dur="indefinite" restart="never" nodeType="tmRoot"/>
-      </p:par>
-    </p:tnLst>
-  </p:timing>
 </p:sld>
 </file>
 
@@ -7568,10 +7464,456 @@
           <a:lstStyle/>
           <a:p>
             <a:r>
-              <a:rPr lang="en-US" dirty="0" smtClean="0"/>
+              <a:rPr lang="en-US" dirty="0"/>
+              <a:t>Example</a:t>
+            </a:r>
+          </a:p>
+        </p:txBody>
+      </p:sp>
+      <p:sp>
+        <p:nvSpPr>
+          <p:cNvPr id="3" name="Content Placeholder 2"/>
+          <p:cNvSpPr>
+            <a:spLocks noGrp="1"/>
+          </p:cNvSpPr>
+          <p:nvPr>
+            <p:ph idx="1"/>
+          </p:nvPr>
+        </p:nvSpPr>
+        <p:spPr/>
+        <p:txBody>
+          <a:bodyPr>
+            <a:normAutofit/>
+          </a:bodyPr>
+          <a:lstStyle/>
+          <a:p>
+            <a:pPr marL="0" indent="0">
+              <a:buNone/>
+            </a:pPr>
+            <a:r>
+              <a:rPr lang="en-US" sz="2000" dirty="0" err="1"/>
+              <a:t>sc</a:t>
+            </a:r>
+            <a:r>
+              <a:rPr lang="en-US" sz="2000" dirty="0"/>
+              <a:t> = </a:t>
+            </a:r>
+            <a:r>
+              <a:rPr lang="en-US" sz="2000" dirty="0" err="1"/>
+              <a:t>SparkContext</a:t>
+            </a:r>
+            <a:r>
+              <a:rPr lang="en-US" sz="2000" dirty="0"/>
+              <a:t>() </a:t>
+            </a:r>
+          </a:p>
+          <a:p>
+            <a:pPr marL="0" indent="0">
+              <a:buNone/>
+            </a:pPr>
+            <a:endParaRPr lang="en-US" sz="2000" dirty="0"/>
+          </a:p>
+          <a:p>
+            <a:pPr marL="0" indent="0">
+              <a:buNone/>
+            </a:pPr>
+            <a:r>
+              <a:rPr lang="en-US" sz="2000" dirty="0"/>
+              <a:t>books = </a:t>
+            </a:r>
+            <a:r>
+              <a:rPr lang="en-US" sz="2000" dirty="0" err="1"/>
+              <a:t>sc.textFile</a:t>
+            </a:r>
+            <a:r>
+              <a:rPr lang="en-US" sz="2000" dirty="0"/>
+              <a:t>(“books/*”)</a:t>
+            </a:r>
+          </a:p>
+          <a:p>
+            <a:pPr marL="0" indent="0">
+              <a:buNone/>
+            </a:pPr>
+            <a:r>
+              <a:rPr lang="en-US" sz="2000" dirty="0"/>
+              <a:t>split = </a:t>
+            </a:r>
+            <a:r>
+              <a:rPr lang="en-US" sz="2000" dirty="0" err="1"/>
+              <a:t>books.flatMap</a:t>
+            </a:r>
+            <a:r>
+              <a:rPr lang="en-US" sz="2000" dirty="0"/>
+              <a:t>(lambda line: </a:t>
+            </a:r>
+            <a:r>
+              <a:rPr lang="en-US" sz="2000" dirty="0" err="1"/>
+              <a:t>line.split</a:t>
+            </a:r>
+            <a:r>
+              <a:rPr lang="en-US" sz="2000" dirty="0"/>
+              <a:t>())</a:t>
+            </a:r>
+          </a:p>
+          <a:p>
+            <a:pPr marL="0" indent="0">
+              <a:buNone/>
+            </a:pPr>
+            <a:r>
+              <a:rPr lang="en-US" sz="2000" dirty="0"/>
+              <a:t>numbered = </a:t>
+            </a:r>
+            <a:r>
+              <a:rPr lang="en-US" sz="2000" dirty="0" err="1"/>
+              <a:t>split.map</a:t>
+            </a:r>
+            <a:r>
+              <a:rPr lang="en-US" sz="2000" dirty="0"/>
+              <a:t>(lambda word: (word, 1))</a:t>
+            </a:r>
+          </a:p>
+          <a:p>
+            <a:pPr marL="0" indent="0">
+              <a:buNone/>
+            </a:pPr>
+            <a:r>
+              <a:rPr lang="en-US" sz="2000" dirty="0" err="1"/>
+              <a:t>wordcount</a:t>
+            </a:r>
+            <a:r>
+              <a:rPr lang="en-US" sz="2000" dirty="0"/>
+              <a:t> = </a:t>
+            </a:r>
+            <a:r>
+              <a:rPr lang="en-US" sz="2000" dirty="0" err="1"/>
+              <a:t>numbered.reduceByKey</a:t>
+            </a:r>
+            <a:r>
+              <a:rPr lang="en-US" sz="2000" dirty="0"/>
+              <a:t>(lambda </a:t>
+            </a:r>
+            <a:r>
+              <a:rPr lang="en-US" sz="2000" dirty="0" err="1"/>
+              <a:t>a,b</a:t>
+            </a:r>
+            <a:r>
+              <a:rPr lang="en-US" sz="2000" dirty="0"/>
+              <a:t>: </a:t>
+            </a:r>
+            <a:r>
+              <a:rPr lang="en-US" sz="2000" dirty="0" err="1"/>
+              <a:t>a+b</a:t>
+            </a:r>
+            <a:r>
+              <a:rPr lang="en-US" sz="2000" dirty="0"/>
+              <a:t>)</a:t>
+            </a:r>
+          </a:p>
+          <a:p>
+            <a:pPr marL="0" indent="0">
+              <a:buNone/>
+            </a:pPr>
+            <a:endParaRPr lang="en-US" sz="2000" dirty="0"/>
+          </a:p>
+          <a:p>
+            <a:pPr marL="0" indent="0">
+              <a:buNone/>
+            </a:pPr>
+            <a:r>
+              <a:rPr lang="en-US" sz="2000" dirty="0"/>
+              <a:t>for </a:t>
+            </a:r>
+            <a:r>
+              <a:rPr lang="en-US" sz="2000" dirty="0" err="1"/>
+              <a:t>k,v</a:t>
+            </a:r>
+            <a:r>
+              <a:rPr lang="en-US" sz="2000" dirty="0"/>
+              <a:t> in </a:t>
+            </a:r>
+            <a:r>
+              <a:rPr lang="en-US" sz="2000" dirty="0" err="1"/>
+              <a:t>wordcount.collect</a:t>
+            </a:r>
+            <a:r>
+              <a:rPr lang="en-US" sz="2000" dirty="0"/>
+              <a:t>():</a:t>
+            </a:r>
+          </a:p>
+          <a:p>
+            <a:pPr marL="0" indent="0">
+              <a:buNone/>
+            </a:pPr>
+            <a:r>
+              <a:rPr lang="en-US" sz="2000" dirty="0"/>
+              <a:t>  print </a:t>
+            </a:r>
+            <a:r>
+              <a:rPr lang="en-US" sz="2000" dirty="0" err="1"/>
+              <a:t>k,v</a:t>
+            </a:r>
+            <a:endParaRPr lang="en-US" sz="2000" dirty="0"/>
+          </a:p>
+          <a:p>
+            <a:pPr marL="0" indent="0">
+              <a:buNone/>
+            </a:pPr>
+            <a:endParaRPr lang="en-US" sz="2000" dirty="0"/>
+          </a:p>
+          <a:p>
+            <a:pPr marL="0" indent="0">
+              <a:buNone/>
+            </a:pPr>
+            <a:r>
+              <a:rPr lang="en-US" sz="2000" dirty="0" err="1"/>
+              <a:t>sc.stop</a:t>
+            </a:r>
+            <a:r>
+              <a:rPr lang="en-US" sz="2000" dirty="0"/>
+              <a:t>()</a:t>
+            </a:r>
+          </a:p>
+        </p:txBody>
+      </p:sp>
+    </p:spTree>
+    <p:extLst>
+      <p:ext uri="{BB962C8B-B14F-4D97-AF65-F5344CB8AC3E}">
+        <p14:creationId xmlns:p14="http://schemas.microsoft.com/office/powerpoint/2010/main" val="1260108180"/>
+      </p:ext>
+    </p:extLst>
+  </p:cSld>
+  <p:clrMapOvr>
+    <a:masterClrMapping/>
+  </p:clrMapOvr>
+</p:sld>
+</file>
+
+<file path=ppt/slides/slide31.xml><?xml version="1.0" encoding="utf-8"?>
+<p:sld xmlns:a="http://schemas.openxmlformats.org/drawingml/2006/main" xmlns:r="http://schemas.openxmlformats.org/officeDocument/2006/relationships" xmlns:p="http://schemas.openxmlformats.org/presentationml/2006/main">
+  <p:cSld>
+    <p:spTree>
+      <p:nvGrpSpPr>
+        <p:cNvPr id="1" name=""/>
+        <p:cNvGrpSpPr/>
+        <p:nvPr/>
+      </p:nvGrpSpPr>
+      <p:grpSpPr>
+        <a:xfrm>
+          <a:off x="0" y="0"/>
+          <a:ext cx="0" cy="0"/>
+          <a:chOff x="0" y="0"/>
+          <a:chExt cx="0" cy="0"/>
+        </a:xfrm>
+      </p:grpSpPr>
+      <p:sp>
+        <p:nvSpPr>
+          <p:cNvPr id="2" name="Title 1"/>
+          <p:cNvSpPr>
+            <a:spLocks noGrp="1"/>
+          </p:cNvSpPr>
+          <p:nvPr>
+            <p:ph type="title"/>
+          </p:nvPr>
+        </p:nvSpPr>
+        <p:spPr/>
+        <p:txBody>
+          <a:bodyPr>
+            <a:normAutofit fontScale="90000"/>
+          </a:bodyPr>
+          <a:lstStyle/>
+          <a:p>
+            <a:r>
+              <a:rPr lang="en-US" dirty="0"/>
+              <a:t>What doesn’t work </a:t>
+            </a:r>
+            <a:br>
+              <a:rPr lang="en-US" dirty="0">
+                <a:sym typeface="Wingdings"/>
+              </a:rPr>
+            </a:br>
+            <a:r>
+              <a:rPr lang="en-US" dirty="0">
+                <a:sym typeface="Wingdings"/>
+              </a:rPr>
+              <a:t>in a cluster</a:t>
+            </a:r>
+            <a:endParaRPr lang="en-US" dirty="0"/>
+          </a:p>
+        </p:txBody>
+      </p:sp>
+      <p:sp>
+        <p:nvSpPr>
+          <p:cNvPr id="3" name="Content Placeholder 2"/>
+          <p:cNvSpPr>
+            <a:spLocks noGrp="1"/>
+          </p:cNvSpPr>
+          <p:nvPr>
+            <p:ph idx="1"/>
+          </p:nvPr>
+        </p:nvSpPr>
+        <p:spPr/>
+        <p:txBody>
+          <a:bodyPr>
+            <a:normAutofit/>
+          </a:bodyPr>
+          <a:lstStyle/>
+          <a:p>
+            <a:pPr marL="0" indent="0">
+              <a:buNone/>
+            </a:pPr>
+            <a:r>
+              <a:rPr lang="en-US" sz="2800" dirty="0">
+                <a:latin typeface="Lucida Console"/>
+                <a:cs typeface="Lucida Console"/>
+              </a:rPr>
+              <a:t>counter = 0</a:t>
+            </a:r>
+          </a:p>
+          <a:p>
+            <a:pPr marL="0" indent="0">
+              <a:buNone/>
+            </a:pPr>
+            <a:r>
+              <a:rPr lang="en-US" sz="2800" dirty="0" err="1">
+                <a:latin typeface="Lucida Console"/>
+                <a:cs typeface="Lucida Console"/>
+              </a:rPr>
+              <a:t>rdd</a:t>
+            </a:r>
+            <a:r>
+              <a:rPr lang="en-US" sz="2800" dirty="0">
+                <a:latin typeface="Lucida Console"/>
+                <a:cs typeface="Lucida Console"/>
+              </a:rPr>
+              <a:t> = </a:t>
+            </a:r>
+            <a:r>
+              <a:rPr lang="en-US" sz="2800" dirty="0" err="1">
+                <a:latin typeface="Lucida Console"/>
+                <a:cs typeface="Lucida Console"/>
+              </a:rPr>
+              <a:t>sc.parallelize</a:t>
+            </a:r>
+            <a:r>
+              <a:rPr lang="en-US" sz="2800" dirty="0">
+                <a:latin typeface="Lucida Console"/>
+                <a:cs typeface="Lucida Console"/>
+              </a:rPr>
+              <a:t>(data)</a:t>
+            </a:r>
+          </a:p>
+          <a:p>
+            <a:pPr marL="0" indent="0">
+              <a:buNone/>
+            </a:pPr>
+            <a:endParaRPr lang="en-US" sz="2800" dirty="0">
+              <a:latin typeface="Lucida Console"/>
+              <a:cs typeface="Lucida Console"/>
+            </a:endParaRPr>
+          </a:p>
+          <a:p>
+            <a:pPr marL="0" indent="0">
+              <a:buNone/>
+            </a:pPr>
+            <a:r>
+              <a:rPr lang="en-US" sz="2800" dirty="0">
+                <a:latin typeface="Lucida Console"/>
+                <a:cs typeface="Lucida Console"/>
+              </a:rPr>
+              <a:t># Wrong: Don't do this!!</a:t>
+            </a:r>
+          </a:p>
+          <a:p>
+            <a:pPr marL="0" indent="0">
+              <a:buNone/>
+            </a:pPr>
+            <a:r>
+              <a:rPr lang="en-US" sz="2800" dirty="0" err="1">
+                <a:latin typeface="Lucida Console"/>
+                <a:cs typeface="Lucida Console"/>
+              </a:rPr>
+              <a:t>rdd.foreach</a:t>
+            </a:r>
+            <a:r>
+              <a:rPr lang="en-US" sz="2800" dirty="0">
+                <a:latin typeface="Lucida Console"/>
+                <a:cs typeface="Lucida Console"/>
+              </a:rPr>
+              <a:t>(lambda x: counter += 1)</a:t>
+            </a:r>
+          </a:p>
+          <a:p>
+            <a:pPr marL="0" indent="0">
+              <a:buNone/>
+            </a:pPr>
+            <a:endParaRPr lang="en-US" sz="2800" dirty="0">
+              <a:latin typeface="Lucida Console"/>
+              <a:cs typeface="Lucida Console"/>
+            </a:endParaRPr>
+          </a:p>
+          <a:p>
+            <a:pPr marL="0" indent="0">
+              <a:buNone/>
+            </a:pPr>
+            <a:r>
+              <a:rPr lang="en-US" sz="2800" dirty="0">
+                <a:latin typeface="Lucida Console"/>
+                <a:cs typeface="Lucida Console"/>
+              </a:rPr>
+              <a:t>print("Counter value: " + counter)</a:t>
+            </a:r>
+          </a:p>
+        </p:txBody>
+      </p:sp>
+    </p:spTree>
+    <p:extLst>
+      <p:ext uri="{BB962C8B-B14F-4D97-AF65-F5344CB8AC3E}">
+        <p14:creationId xmlns:p14="http://schemas.microsoft.com/office/powerpoint/2010/main" val="965116268"/>
+      </p:ext>
+    </p:extLst>
+  </p:cSld>
+  <p:clrMapOvr>
+    <a:masterClrMapping/>
+  </p:clrMapOvr>
+</p:sld>
+</file>
+
+<file path=ppt/slides/slide32.xml><?xml version="1.0" encoding="utf-8"?>
+<p:sld xmlns:a="http://schemas.openxmlformats.org/drawingml/2006/main" xmlns:r="http://schemas.openxmlformats.org/officeDocument/2006/relationships" xmlns:p="http://schemas.openxmlformats.org/presentationml/2006/main">
+  <p:cSld>
+    <p:spTree>
+      <p:nvGrpSpPr>
+        <p:cNvPr id="1" name=""/>
+        <p:cNvGrpSpPr/>
+        <p:nvPr/>
+      </p:nvGrpSpPr>
+      <p:grpSpPr>
+        <a:xfrm>
+          <a:off x="0" y="0"/>
+          <a:ext cx="0" cy="0"/>
+          <a:chOff x="0" y="0"/>
+          <a:chExt cx="0" cy="0"/>
+        </a:xfrm>
+      </p:grpSpPr>
+      <p:sp>
+        <p:nvSpPr>
+          <p:cNvPr id="2" name="Title 1"/>
+          <p:cNvSpPr>
+            <a:spLocks noGrp="1"/>
+          </p:cNvSpPr>
+          <p:nvPr>
+            <p:ph type="title"/>
+          </p:nvPr>
+        </p:nvSpPr>
+        <p:spPr/>
+        <p:txBody>
+          <a:bodyPr/>
+          <a:lstStyle/>
+          <a:p>
+            <a:r>
+              <a:rPr lang="en-US" dirty="0"/>
               <a:t>Apache Spark cluster model</a:t>
             </a:r>
-            <a:endParaRPr lang="en-US" dirty="0"/>
           </a:p>
         </p:txBody>
       </p:sp>
@@ -7609,356 +7951,6 @@
   <p:clrMapOvr>
     <a:masterClrMapping/>
   </p:clrMapOvr>
-  <p:timing>
-    <p:tnLst>
-      <p:par>
-        <p:cTn xmlns:p14="http://schemas.microsoft.com/office/powerpoint/2010/main" id="1" dur="indefinite" restart="never" nodeType="tmRoot"/>
-      </p:par>
-    </p:tnLst>
-  </p:timing>
-</p:sld>
-</file>
-
-<file path=ppt/slides/slide31.xml><?xml version="1.0" encoding="utf-8"?>
-<p:sld xmlns:a="http://schemas.openxmlformats.org/drawingml/2006/main" xmlns:r="http://schemas.openxmlformats.org/officeDocument/2006/relationships" xmlns:p="http://schemas.openxmlformats.org/presentationml/2006/main">
-  <p:cSld>
-    <p:spTree>
-      <p:nvGrpSpPr>
-        <p:cNvPr id="1" name=""/>
-        <p:cNvGrpSpPr/>
-        <p:nvPr/>
-      </p:nvGrpSpPr>
-      <p:grpSpPr>
-        <a:xfrm>
-          <a:off x="0" y="0"/>
-          <a:ext cx="0" cy="0"/>
-          <a:chOff x="0" y="0"/>
-          <a:chExt cx="0" cy="0"/>
-        </a:xfrm>
-      </p:grpSpPr>
-      <p:sp>
-        <p:nvSpPr>
-          <p:cNvPr id="2" name="Title 1"/>
-          <p:cNvSpPr>
-            <a:spLocks noGrp="1"/>
-          </p:cNvSpPr>
-          <p:nvPr>
-            <p:ph type="title"/>
-          </p:nvPr>
-        </p:nvSpPr>
-        <p:spPr/>
-        <p:txBody>
-          <a:bodyPr>
-            <a:normAutofit fontScale="90000"/>
-          </a:bodyPr>
-          <a:lstStyle/>
-          <a:p>
-            <a:r>
-              <a:rPr lang="en-US" dirty="0" smtClean="0"/>
-              <a:t>How to count across a cluster?</a:t>
-            </a:r>
-            <a:endParaRPr lang="en-US" dirty="0"/>
-          </a:p>
-        </p:txBody>
-      </p:sp>
-      <p:sp>
-        <p:nvSpPr>
-          <p:cNvPr id="3" name="Content Placeholder 2"/>
-          <p:cNvSpPr>
-            <a:spLocks noGrp="1"/>
-          </p:cNvSpPr>
-          <p:nvPr>
-            <p:ph idx="1"/>
-          </p:nvPr>
-        </p:nvSpPr>
-        <p:spPr/>
-        <p:txBody>
-          <a:bodyPr>
-            <a:normAutofit/>
-          </a:bodyPr>
-          <a:lstStyle/>
-          <a:p>
-            <a:r>
-              <a:rPr lang="en-US" sz="2800" dirty="0" smtClean="0"/>
-              <a:t>Accumulators</a:t>
-            </a:r>
-          </a:p>
-          <a:p>
-            <a:endParaRPr lang="en-US" sz="2800" dirty="0" smtClean="0"/>
-          </a:p>
-          <a:p>
-            <a:pPr marL="0" indent="0">
-              <a:buNone/>
-            </a:pPr>
-            <a:r>
-              <a:rPr lang="en-US" sz="2800" dirty="0" smtClean="0"/>
-              <a:t>	</a:t>
-            </a:r>
-            <a:r>
-              <a:rPr lang="en-US" sz="2800" dirty="0" err="1" smtClean="0">
-                <a:latin typeface="Lucida Console"/>
-                <a:cs typeface="Lucida Console"/>
-              </a:rPr>
-              <a:t>acc</a:t>
-            </a:r>
-            <a:r>
-              <a:rPr lang="en-US" sz="2800" dirty="0" smtClean="0">
-                <a:latin typeface="Lucida Console"/>
-                <a:cs typeface="Lucida Console"/>
-              </a:rPr>
-              <a:t> = </a:t>
-            </a:r>
-            <a:r>
-              <a:rPr lang="en-US" sz="2800" dirty="0" err="1" smtClean="0">
-                <a:latin typeface="Lucida Console"/>
-                <a:cs typeface="Lucida Console"/>
-              </a:rPr>
-              <a:t>sc.accumulator</a:t>
-            </a:r>
-            <a:r>
-              <a:rPr lang="en-US" sz="2800" dirty="0" smtClean="0">
-                <a:latin typeface="Lucida Console"/>
-                <a:cs typeface="Lucida Console"/>
-              </a:rPr>
-              <a:t>()</a:t>
-            </a:r>
-          </a:p>
-          <a:p>
-            <a:pPr marL="0" indent="0">
-              <a:buNone/>
-            </a:pPr>
-            <a:r>
-              <a:rPr lang="en-US" sz="2800" dirty="0" smtClean="0">
-                <a:latin typeface="Lucida Console"/>
-                <a:cs typeface="Lucida Console"/>
-              </a:rPr>
-              <a:t>	</a:t>
-            </a:r>
-            <a:r>
-              <a:rPr lang="en-US" sz="2800" dirty="0" err="1" smtClean="0">
-                <a:latin typeface="Lucida Console"/>
-                <a:cs typeface="Lucida Console"/>
-              </a:rPr>
-              <a:t>rdd</a:t>
-            </a:r>
-            <a:r>
-              <a:rPr lang="en-US" sz="2800" dirty="0" smtClean="0">
-                <a:latin typeface="Lucida Console"/>
-                <a:cs typeface="Lucida Console"/>
-              </a:rPr>
-              <a:t> </a:t>
-            </a:r>
-            <a:r>
-              <a:rPr lang="en-US" sz="2800" dirty="0">
-                <a:latin typeface="Lucida Console"/>
-                <a:cs typeface="Lucida Console"/>
-              </a:rPr>
-              <a:t>= </a:t>
-            </a:r>
-            <a:r>
-              <a:rPr lang="en-US" sz="2800" dirty="0" err="1">
-                <a:latin typeface="Lucida Console"/>
-                <a:cs typeface="Lucida Console"/>
-              </a:rPr>
-              <a:t>sc.parallelize</a:t>
-            </a:r>
-            <a:r>
-              <a:rPr lang="en-US" sz="2800" dirty="0">
-                <a:latin typeface="Lucida Console"/>
-                <a:cs typeface="Lucida Console"/>
-              </a:rPr>
-              <a:t>(data</a:t>
-            </a:r>
-            <a:r>
-              <a:rPr lang="en-US" sz="2800" dirty="0" smtClean="0">
-                <a:latin typeface="Lucida Console"/>
-                <a:cs typeface="Lucida Console"/>
-              </a:rPr>
-              <a:t>)</a:t>
-            </a:r>
-            <a:br>
-              <a:rPr lang="en-US" sz="2800" dirty="0" smtClean="0">
-                <a:latin typeface="Lucida Console"/>
-                <a:cs typeface="Lucida Console"/>
-              </a:rPr>
-            </a:br>
-            <a:r>
-              <a:rPr lang="en-US" sz="2800" dirty="0" smtClean="0">
-                <a:latin typeface="Lucida Console"/>
-                <a:cs typeface="Lucida Console"/>
-              </a:rPr>
-              <a:t>	</a:t>
-            </a:r>
-            <a:r>
-              <a:rPr lang="en-US" sz="2800" dirty="0" err="1" smtClean="0">
-                <a:latin typeface="Lucida Console"/>
-                <a:cs typeface="Lucida Console"/>
-              </a:rPr>
-              <a:t>rdd.foreach</a:t>
-            </a:r>
-            <a:r>
-              <a:rPr lang="en-US" sz="2800" dirty="0" smtClean="0">
-                <a:latin typeface="Lucida Console"/>
-                <a:cs typeface="Lucida Console"/>
-              </a:rPr>
-              <a:t>(lambda x: </a:t>
-            </a:r>
-            <a:r>
-              <a:rPr lang="en-US" sz="2800" dirty="0" err="1" smtClean="0">
-                <a:latin typeface="Lucida Console"/>
-                <a:cs typeface="Lucida Console"/>
-              </a:rPr>
-              <a:t>acc.add</a:t>
-            </a:r>
-            <a:r>
-              <a:rPr lang="en-US" sz="2800" dirty="0" smtClean="0">
-                <a:latin typeface="Lucida Console"/>
-                <a:cs typeface="Lucida Console"/>
-              </a:rPr>
-              <a:t>(x))</a:t>
-            </a:r>
-            <a:endParaRPr lang="en-US" sz="2800" dirty="0">
-              <a:latin typeface="Lucida Console"/>
-              <a:cs typeface="Lucida Console"/>
-            </a:endParaRPr>
-          </a:p>
-          <a:p>
-            <a:pPr marL="0" indent="0">
-              <a:buNone/>
-            </a:pPr>
-            <a:endParaRPr lang="en-US" sz="2800" dirty="0"/>
-          </a:p>
-        </p:txBody>
-      </p:sp>
-    </p:spTree>
-    <p:extLst>
-      <p:ext uri="{BB962C8B-B14F-4D97-AF65-F5344CB8AC3E}">
-        <p14:creationId xmlns:p14="http://schemas.microsoft.com/office/powerpoint/2010/main" val="1340352141"/>
-      </p:ext>
-    </p:extLst>
-  </p:cSld>
-  <p:clrMapOvr>
-    <a:masterClrMapping/>
-  </p:clrMapOvr>
-  <p:timing>
-    <p:tnLst>
-      <p:par>
-        <p:cTn xmlns:p14="http://schemas.microsoft.com/office/powerpoint/2010/main" id="1" dur="indefinite" restart="never" nodeType="tmRoot"/>
-      </p:par>
-    </p:tnLst>
-  </p:timing>
-</p:sld>
-</file>
-
-<file path=ppt/slides/slide32.xml><?xml version="1.0" encoding="utf-8"?>
-<p:sld xmlns:a="http://schemas.openxmlformats.org/drawingml/2006/main" xmlns:r="http://schemas.openxmlformats.org/officeDocument/2006/relationships" xmlns:p="http://schemas.openxmlformats.org/presentationml/2006/main">
-  <p:cSld>
-    <p:spTree>
-      <p:nvGrpSpPr>
-        <p:cNvPr id="1" name=""/>
-        <p:cNvGrpSpPr/>
-        <p:nvPr/>
-      </p:nvGrpSpPr>
-      <p:grpSpPr>
-        <a:xfrm>
-          <a:off x="0" y="0"/>
-          <a:ext cx="0" cy="0"/>
-          <a:chOff x="0" y="0"/>
-          <a:chExt cx="0" cy="0"/>
-        </a:xfrm>
-      </p:grpSpPr>
-      <p:sp>
-        <p:nvSpPr>
-          <p:cNvPr id="2" name="Title 1"/>
-          <p:cNvSpPr>
-            <a:spLocks noGrp="1"/>
-          </p:cNvSpPr>
-          <p:nvPr>
-            <p:ph type="title"/>
-          </p:nvPr>
-        </p:nvSpPr>
-        <p:spPr/>
-        <p:txBody>
-          <a:bodyPr/>
-          <a:lstStyle/>
-          <a:p>
-            <a:r>
-              <a:rPr lang="en-US" dirty="0" smtClean="0"/>
-              <a:t>What also doesn’t work</a:t>
-            </a:r>
-            <a:endParaRPr lang="en-US" dirty="0"/>
-          </a:p>
-        </p:txBody>
-      </p:sp>
-      <p:sp>
-        <p:nvSpPr>
-          <p:cNvPr id="3" name="Content Placeholder 2"/>
-          <p:cNvSpPr>
-            <a:spLocks noGrp="1"/>
-          </p:cNvSpPr>
-          <p:nvPr>
-            <p:ph idx="1"/>
-          </p:nvPr>
-        </p:nvSpPr>
-        <p:spPr/>
-        <p:txBody>
-          <a:bodyPr/>
-          <a:lstStyle/>
-          <a:p>
-            <a:r>
-              <a:rPr lang="en-US" dirty="0" err="1" smtClean="0"/>
-              <a:t>rdd.forEach</a:t>
-            </a:r>
-            <a:r>
-              <a:rPr lang="en-US" dirty="0"/>
-              <a:t>(</a:t>
-            </a:r>
-            <a:r>
-              <a:rPr lang="en-US" dirty="0" err="1"/>
-              <a:t>println</a:t>
-            </a:r>
-            <a:r>
-              <a:rPr lang="en-US" dirty="0" smtClean="0"/>
-              <a:t>)</a:t>
-            </a:r>
-          </a:p>
-          <a:p>
-            <a:endParaRPr lang="en-US" dirty="0"/>
-          </a:p>
-          <a:p>
-            <a:r>
-              <a:rPr lang="en-US" dirty="0" smtClean="0"/>
-              <a:t>Of course this </a:t>
-            </a:r>
-            <a:r>
-              <a:rPr lang="en-US" i="1" dirty="0" smtClean="0"/>
-              <a:t>will</a:t>
-            </a:r>
-            <a:r>
-              <a:rPr lang="en-US" dirty="0" smtClean="0"/>
-              <a:t> work when you test in local mode</a:t>
-            </a:r>
-            <a:endParaRPr lang="en-US" dirty="0"/>
-          </a:p>
-        </p:txBody>
-      </p:sp>
-    </p:spTree>
-    <p:extLst>
-      <p:ext uri="{BB962C8B-B14F-4D97-AF65-F5344CB8AC3E}">
-        <p14:creationId xmlns:p14="http://schemas.microsoft.com/office/powerpoint/2010/main" val="2238802243"/>
-      </p:ext>
-    </p:extLst>
-  </p:cSld>
-  <p:clrMapOvr>
-    <a:masterClrMapping/>
-  </p:clrMapOvr>
-  <p:timing>
-    <p:tnLst>
-      <p:par>
-        <p:cTn xmlns:p14="http://schemas.microsoft.com/office/powerpoint/2010/main" id="1" dur="indefinite" restart="never" nodeType="tmRoot"/>
-      </p:par>
-    </p:tnLst>
-  </p:timing>
 </p:sld>
 </file>
 
@@ -7991,14 +7983,321 @@
         </p:nvSpPr>
         <p:spPr/>
         <p:txBody>
+          <a:bodyPr>
+            <a:normAutofit/>
+          </a:bodyPr>
+          <a:lstStyle/>
+          <a:p>
+            <a:r>
+              <a:rPr lang="en-US" dirty="0"/>
+              <a:t>How to count across a cluster?</a:t>
+            </a:r>
+          </a:p>
+        </p:txBody>
+      </p:sp>
+      <p:sp>
+        <p:nvSpPr>
+          <p:cNvPr id="3" name="Content Placeholder 2"/>
+          <p:cNvSpPr>
+            <a:spLocks noGrp="1"/>
+          </p:cNvSpPr>
+          <p:nvPr>
+            <p:ph idx="1"/>
+          </p:nvPr>
+        </p:nvSpPr>
+        <p:spPr/>
+        <p:txBody>
+          <a:bodyPr>
+            <a:normAutofit/>
+          </a:bodyPr>
+          <a:lstStyle/>
+          <a:p>
+            <a:r>
+              <a:rPr lang="en-US" sz="2800" dirty="0"/>
+              <a:t>Accumulators</a:t>
+            </a:r>
+          </a:p>
+          <a:p>
+            <a:endParaRPr lang="en-US" sz="2800" dirty="0"/>
+          </a:p>
+          <a:p>
+            <a:pPr marL="0" indent="0">
+              <a:buNone/>
+            </a:pPr>
+            <a:r>
+              <a:rPr lang="en-US" sz="2800" dirty="0"/>
+              <a:t>	</a:t>
+            </a:r>
+            <a:r>
+              <a:rPr lang="en-US" sz="2800" dirty="0" err="1">
+                <a:latin typeface="Lucida Console"/>
+                <a:cs typeface="Lucida Console"/>
+              </a:rPr>
+              <a:t>acc</a:t>
+            </a:r>
+            <a:r>
+              <a:rPr lang="en-US" sz="2800" dirty="0">
+                <a:latin typeface="Lucida Console"/>
+                <a:cs typeface="Lucida Console"/>
+              </a:rPr>
+              <a:t> = </a:t>
+            </a:r>
+            <a:r>
+              <a:rPr lang="en-US" sz="2800" dirty="0" err="1">
+                <a:latin typeface="Lucida Console"/>
+                <a:cs typeface="Lucida Console"/>
+              </a:rPr>
+              <a:t>sc.accumulator</a:t>
+            </a:r>
+            <a:r>
+              <a:rPr lang="en-US" sz="2800" dirty="0">
+                <a:latin typeface="Lucida Console"/>
+                <a:cs typeface="Lucida Console"/>
+              </a:rPr>
+              <a:t>(0)</a:t>
+            </a:r>
+          </a:p>
+          <a:p>
+            <a:pPr marL="0" indent="0">
+              <a:buNone/>
+            </a:pPr>
+            <a:r>
+              <a:rPr lang="en-US" sz="2800" dirty="0">
+                <a:latin typeface="Lucida Console"/>
+                <a:cs typeface="Lucida Console"/>
+              </a:rPr>
+              <a:t>	</a:t>
+            </a:r>
+            <a:r>
+              <a:rPr lang="en-US" sz="2800" dirty="0" err="1">
+                <a:latin typeface="Lucida Console"/>
+                <a:cs typeface="Lucida Console"/>
+              </a:rPr>
+              <a:t>rdd</a:t>
+            </a:r>
+            <a:r>
+              <a:rPr lang="en-US" sz="2800" dirty="0">
+                <a:latin typeface="Lucida Console"/>
+                <a:cs typeface="Lucida Console"/>
+              </a:rPr>
+              <a:t> = </a:t>
+            </a:r>
+            <a:r>
+              <a:rPr lang="en-US" sz="2800" dirty="0" err="1">
+                <a:latin typeface="Lucida Console"/>
+                <a:cs typeface="Lucida Console"/>
+              </a:rPr>
+              <a:t>sc.parallelize</a:t>
+            </a:r>
+            <a:r>
+              <a:rPr lang="en-US" sz="2800" dirty="0">
+                <a:latin typeface="Lucida Console"/>
+                <a:cs typeface="Lucida Console"/>
+              </a:rPr>
+              <a:t>(data)</a:t>
+            </a:r>
+            <a:br>
+              <a:rPr lang="en-US" sz="2800" dirty="0">
+                <a:latin typeface="Lucida Console"/>
+                <a:cs typeface="Lucida Console"/>
+              </a:rPr>
+            </a:br>
+            <a:r>
+              <a:rPr lang="en-US" sz="2800" dirty="0">
+                <a:latin typeface="Lucida Console"/>
+                <a:cs typeface="Lucida Console"/>
+              </a:rPr>
+              <a:t>	</a:t>
+            </a:r>
+            <a:r>
+              <a:rPr lang="en-US" sz="2800" dirty="0" err="1">
+                <a:latin typeface="Lucida Console"/>
+                <a:cs typeface="Lucida Console"/>
+              </a:rPr>
+              <a:t>rdd.foreach</a:t>
+            </a:r>
+            <a:r>
+              <a:rPr lang="en-US" sz="2800" dirty="0">
+                <a:latin typeface="Lucida Console"/>
+                <a:cs typeface="Lucida Console"/>
+              </a:rPr>
+              <a:t>(lambda x: </a:t>
+            </a:r>
+            <a:r>
+              <a:rPr lang="en-US" sz="2800" dirty="0" err="1">
+                <a:latin typeface="Lucida Console"/>
+                <a:cs typeface="Lucida Console"/>
+              </a:rPr>
+              <a:t>acc.add</a:t>
+            </a:r>
+            <a:r>
+              <a:rPr lang="en-US" sz="2800" dirty="0">
+                <a:latin typeface="Lucida Console"/>
+                <a:cs typeface="Lucida Console"/>
+              </a:rPr>
+              <a:t>(1))</a:t>
+            </a:r>
+          </a:p>
+          <a:p>
+            <a:pPr marL="0" indent="0">
+              <a:buNone/>
+            </a:pPr>
+            <a:endParaRPr lang="en-US" sz="2800" dirty="0"/>
+          </a:p>
+        </p:txBody>
+      </p:sp>
+    </p:spTree>
+    <p:extLst>
+      <p:ext uri="{BB962C8B-B14F-4D97-AF65-F5344CB8AC3E}">
+        <p14:creationId xmlns:p14="http://schemas.microsoft.com/office/powerpoint/2010/main" val="1340352141"/>
+      </p:ext>
+    </p:extLst>
+  </p:cSld>
+  <p:clrMapOvr>
+    <a:masterClrMapping/>
+  </p:clrMapOvr>
+</p:sld>
+</file>
+
+<file path=ppt/slides/slide34.xml><?xml version="1.0" encoding="utf-8"?>
+<p:sld xmlns:a="http://schemas.openxmlformats.org/drawingml/2006/main" xmlns:r="http://schemas.openxmlformats.org/officeDocument/2006/relationships" xmlns:p="http://schemas.openxmlformats.org/presentationml/2006/main">
+  <p:cSld>
+    <p:spTree>
+      <p:nvGrpSpPr>
+        <p:cNvPr id="1" name=""/>
+        <p:cNvGrpSpPr/>
+        <p:nvPr/>
+      </p:nvGrpSpPr>
+      <p:grpSpPr>
+        <a:xfrm>
+          <a:off x="0" y="0"/>
+          <a:ext cx="0" cy="0"/>
+          <a:chOff x="0" y="0"/>
+          <a:chExt cx="0" cy="0"/>
+        </a:xfrm>
+      </p:grpSpPr>
+      <p:sp>
+        <p:nvSpPr>
+          <p:cNvPr id="2" name="Title 1"/>
+          <p:cNvSpPr>
+            <a:spLocks noGrp="1"/>
+          </p:cNvSpPr>
+          <p:nvPr>
+            <p:ph type="title"/>
+          </p:nvPr>
+        </p:nvSpPr>
+        <p:spPr/>
+        <p:txBody>
           <a:bodyPr/>
           <a:lstStyle/>
           <a:p>
             <a:r>
-              <a:rPr lang="en-US" dirty="0" smtClean="0"/>
+              <a:rPr lang="en-US" dirty="0"/>
+              <a:t>What also doesn’t work</a:t>
+            </a:r>
+          </a:p>
+        </p:txBody>
+      </p:sp>
+      <p:sp>
+        <p:nvSpPr>
+          <p:cNvPr id="3" name="Content Placeholder 2"/>
+          <p:cNvSpPr>
+            <a:spLocks noGrp="1"/>
+          </p:cNvSpPr>
+          <p:nvPr>
+            <p:ph idx="1"/>
+          </p:nvPr>
+        </p:nvSpPr>
+        <p:spPr/>
+        <p:txBody>
+          <a:bodyPr/>
+          <a:lstStyle/>
+          <a:p>
+            <a:r>
+              <a:rPr lang="en-US" dirty="0" err="1"/>
+              <a:t>rdd.forEach</a:t>
+            </a:r>
+            <a:r>
+              <a:rPr lang="en-US" dirty="0"/>
+              <a:t>(</a:t>
+            </a:r>
+            <a:r>
+              <a:rPr lang="en-US" dirty="0" err="1"/>
+              <a:t>println</a:t>
+            </a:r>
+            <a:r>
+              <a:rPr lang="en-US" dirty="0"/>
+              <a:t>)</a:t>
+            </a:r>
+          </a:p>
+          <a:p>
+            <a:endParaRPr lang="en-US" dirty="0"/>
+          </a:p>
+          <a:p>
+            <a:r>
+              <a:rPr lang="en-US" dirty="0"/>
+              <a:t>Of course this </a:t>
+            </a:r>
+            <a:r>
+              <a:rPr lang="en-US" i="1" dirty="0"/>
+              <a:t>will</a:t>
+            </a:r>
+            <a:r>
+              <a:rPr lang="en-US" dirty="0"/>
+              <a:t> work when you test in local mode</a:t>
+            </a:r>
+          </a:p>
+        </p:txBody>
+      </p:sp>
+    </p:spTree>
+    <p:extLst>
+      <p:ext uri="{BB962C8B-B14F-4D97-AF65-F5344CB8AC3E}">
+        <p14:creationId xmlns:p14="http://schemas.microsoft.com/office/powerpoint/2010/main" val="2238802243"/>
+      </p:ext>
+    </p:extLst>
+  </p:cSld>
+  <p:clrMapOvr>
+    <a:masterClrMapping/>
+  </p:clrMapOvr>
+</p:sld>
+</file>
+
+<file path=ppt/slides/slide35.xml><?xml version="1.0" encoding="utf-8"?>
+<p:sld xmlns:a="http://schemas.openxmlformats.org/drawingml/2006/main" xmlns:r="http://schemas.openxmlformats.org/officeDocument/2006/relationships" xmlns:p="http://schemas.openxmlformats.org/presentationml/2006/main">
+  <p:cSld>
+    <p:spTree>
+      <p:nvGrpSpPr>
+        <p:cNvPr id="1" name=""/>
+        <p:cNvGrpSpPr/>
+        <p:nvPr/>
+      </p:nvGrpSpPr>
+      <p:grpSpPr>
+        <a:xfrm>
+          <a:off x="0" y="0"/>
+          <a:ext cx="0" cy="0"/>
+          <a:chOff x="0" y="0"/>
+          <a:chExt cx="0" cy="0"/>
+        </a:xfrm>
+      </p:grpSpPr>
+      <p:sp>
+        <p:nvSpPr>
+          <p:cNvPr id="2" name="Title 1"/>
+          <p:cNvSpPr>
+            <a:spLocks noGrp="1"/>
+          </p:cNvSpPr>
+          <p:nvPr>
+            <p:ph type="title"/>
+          </p:nvPr>
+        </p:nvSpPr>
+        <p:spPr/>
+        <p:txBody>
+          <a:bodyPr/>
+          <a:lstStyle/>
+          <a:p>
+            <a:r>
+              <a:rPr lang="en-US" dirty="0"/>
               <a:t>Questions?</a:t>
             </a:r>
-            <a:endParaRPr lang="en-US" dirty="0"/>
           </a:p>
         </p:txBody>
       </p:sp>
@@ -8012,13 +8311,6 @@
   <p:clrMapOvr>
     <a:masterClrMapping/>
   </p:clrMapOvr>
-  <p:timing>
-    <p:tnLst>
-      <p:par>
-        <p:cTn xmlns:p14="http://schemas.microsoft.com/office/powerpoint/2010/main" id="1" dur="indefinite" restart="never" nodeType="tmRoot"/>
-      </p:par>
-    </p:tnLst>
-  </p:timing>
 </p:sld>
 </file>
 
@@ -8055,14 +8347,13 @@
           <a:lstStyle/>
           <a:p>
             <a:r>
-              <a:rPr lang="en-US" dirty="0" err="1" smtClean="0"/>
+              <a:rPr lang="en-US" dirty="0" err="1"/>
               <a:t>Hadoop</a:t>
             </a:r>
             <a:r>
-              <a:rPr lang="en-US" dirty="0" smtClean="0"/>
+              <a:rPr lang="en-US" dirty="0"/>
               <a:t> Model</a:t>
             </a:r>
-            <a:endParaRPr lang="en-US" dirty="0"/>
           </a:p>
         </p:txBody>
       </p:sp>
@@ -8101,10 +8392,9 @@
           <a:p>
             <a:pPr algn="ctr"/>
             <a:r>
-              <a:rPr lang="en-US" dirty="0" smtClean="0"/>
+              <a:rPr lang="en-US" dirty="0"/>
               <a:t>HDFS</a:t>
             </a:r>
-            <a:endParaRPr lang="en-US" dirty="0"/>
           </a:p>
         </p:txBody>
       </p:sp>
@@ -8143,10 +8433,9 @@
           <a:p>
             <a:pPr algn="ctr"/>
             <a:r>
-              <a:rPr lang="en-US" dirty="0" smtClean="0"/>
+              <a:rPr lang="en-US" dirty="0"/>
               <a:t>Map</a:t>
             </a:r>
-            <a:endParaRPr lang="en-US" dirty="0"/>
           </a:p>
         </p:txBody>
       </p:sp>
@@ -8185,10 +8474,9 @@
           <a:p>
             <a:pPr algn="ctr"/>
             <a:r>
-              <a:rPr lang="en-US" dirty="0" smtClean="0"/>
+              <a:rPr lang="en-US" dirty="0"/>
               <a:t>Reduce</a:t>
             </a:r>
-            <a:endParaRPr lang="en-US" dirty="0"/>
           </a:p>
         </p:txBody>
       </p:sp>
@@ -8227,10 +8515,9 @@
           <a:p>
             <a:pPr algn="ctr"/>
             <a:r>
-              <a:rPr lang="en-US" dirty="0" smtClean="0"/>
+              <a:rPr lang="en-US" dirty="0"/>
               <a:t>Map</a:t>
             </a:r>
-            <a:endParaRPr lang="en-US" dirty="0"/>
           </a:p>
         </p:txBody>
       </p:sp>
@@ -8269,10 +8556,9 @@
           <a:p>
             <a:pPr algn="ctr"/>
             <a:r>
-              <a:rPr lang="en-US" dirty="0" smtClean="0"/>
+              <a:rPr lang="en-US" dirty="0"/>
               <a:t>Reduce</a:t>
             </a:r>
-            <a:endParaRPr lang="en-US" dirty="0"/>
           </a:p>
         </p:txBody>
       </p:sp>
@@ -8311,10 +8597,9 @@
           <a:p>
             <a:pPr algn="ctr"/>
             <a:r>
-              <a:rPr lang="en-US" dirty="0" smtClean="0"/>
+              <a:rPr lang="en-US" dirty="0"/>
               <a:t>Map</a:t>
             </a:r>
-            <a:endParaRPr lang="en-US" dirty="0"/>
           </a:p>
         </p:txBody>
       </p:sp>
@@ -8353,10 +8638,9 @@
           <a:p>
             <a:pPr algn="ctr"/>
             <a:r>
-              <a:rPr lang="en-US" dirty="0" smtClean="0"/>
+              <a:rPr lang="en-US" dirty="0"/>
               <a:t>Reduce</a:t>
             </a:r>
-            <a:endParaRPr lang="en-US" dirty="0"/>
           </a:p>
         </p:txBody>
       </p:sp>
@@ -8576,13 +8860,6 @@
   <p:clrMapOvr>
     <a:masterClrMapping/>
   </p:clrMapOvr>
-  <p:timing>
-    <p:tnLst>
-      <p:par>
-        <p:cTn xmlns:p14="http://schemas.microsoft.com/office/powerpoint/2010/main" id="1" dur="indefinite" restart="never" nodeType="tmRoot"/>
-      </p:par>
-    </p:tnLst>
-  </p:timing>
 </p:sld>
 </file>
 
@@ -8619,14 +8896,13 @@
           <a:lstStyle/>
           <a:p>
             <a:r>
-              <a:rPr lang="en-US" dirty="0" err="1" smtClean="0"/>
+              <a:rPr lang="en-US" dirty="0" err="1"/>
               <a:t>Hadoop</a:t>
             </a:r>
             <a:r>
-              <a:rPr lang="en-US" dirty="0" smtClean="0"/>
+              <a:rPr lang="en-US" dirty="0"/>
               <a:t> and Disk</a:t>
             </a:r>
-            <a:endParaRPr lang="en-US" dirty="0"/>
           </a:p>
         </p:txBody>
       </p:sp>
@@ -8646,41 +8922,40 @@
           <a:lstStyle/>
           <a:p>
             <a:r>
-              <a:rPr lang="en-US" dirty="0" err="1" smtClean="0"/>
+              <a:rPr lang="en-US" dirty="0" err="1"/>
               <a:t>Hadoop</a:t>
             </a:r>
             <a:r>
-              <a:rPr lang="en-US" dirty="0" smtClean="0"/>
+              <a:rPr lang="en-US" dirty="0"/>
               <a:t> does everything via replicated disk images</a:t>
             </a:r>
           </a:p>
           <a:p>
             <a:r>
-              <a:rPr lang="en-US" dirty="0" smtClean="0"/>
+              <a:rPr lang="en-US" dirty="0"/>
               <a:t>Intermediate results are stored on disk</a:t>
             </a:r>
           </a:p>
           <a:p>
             <a:pPr lvl="1"/>
             <a:r>
-              <a:rPr lang="en-US" dirty="0" smtClean="0"/>
+              <a:rPr lang="en-US" dirty="0"/>
               <a:t>Slow for many operations</a:t>
             </a:r>
           </a:p>
           <a:p>
             <a:pPr lvl="1"/>
             <a:r>
-              <a:rPr lang="en-US" dirty="0" smtClean="0"/>
+              <a:rPr lang="en-US" dirty="0"/>
               <a:t>Including Machine Learning</a:t>
             </a:r>
           </a:p>
           <a:p>
             <a:pPr lvl="1"/>
             <a:r>
-              <a:rPr lang="en-US" dirty="0" smtClean="0"/>
+              <a:rPr lang="en-US" dirty="0"/>
               <a:t>No support for interactive processing</a:t>
             </a:r>
-            <a:endParaRPr lang="en-US" dirty="0"/>
           </a:p>
         </p:txBody>
       </p:sp>
@@ -8694,13 +8969,6 @@
   <p:clrMapOvr>
     <a:masterClrMapping/>
   </p:clrMapOvr>
-  <p:timing>
-    <p:tnLst>
-      <p:par>
-        <p:cTn xmlns:p14="http://schemas.microsoft.com/office/powerpoint/2010/main" id="1" dur="indefinite" restart="never" nodeType="tmRoot"/>
-      </p:par>
-    </p:tnLst>
-  </p:timing>
 </p:sld>
 </file>
 
@@ -8737,10 +9005,9 @@
           <a:lstStyle/>
           <a:p>
             <a:r>
-              <a:rPr lang="en-US" dirty="0" smtClean="0"/>
+              <a:rPr lang="en-US" dirty="0"/>
               <a:t>Improved Approach</a:t>
             </a:r>
-            <a:endParaRPr lang="en-US" dirty="0"/>
           </a:p>
         </p:txBody>
       </p:sp>
@@ -8760,21 +9027,21 @@
           <a:lstStyle/>
           <a:p>
             <a:r>
-              <a:rPr lang="en-US" dirty="0" smtClean="0"/>
+              <a:rPr lang="en-US" dirty="0"/>
               <a:t>A new model based on memory</a:t>
             </a:r>
           </a:p>
           <a:p>
             <a:pPr lvl="1"/>
             <a:r>
-              <a:rPr lang="en-US" dirty="0" smtClean="0"/>
-              <a:t>Based on Directed Acyclic Graphs</a:t>
+              <a:rPr lang="en-US" dirty="0"/>
+              <a:t>Based on Directed Acyclic Graphs (DAGs)</a:t>
             </a:r>
           </a:p>
           <a:p>
             <a:pPr lvl="1"/>
             <a:r>
-              <a:rPr lang="en-US" dirty="0" smtClean="0"/>
+              <a:rPr lang="en-US" dirty="0"/>
               <a:t>And partitions</a:t>
             </a:r>
           </a:p>
@@ -8783,10 +9050,9 @@
           </a:p>
           <a:p>
             <a:r>
-              <a:rPr lang="en-US" dirty="0" smtClean="0"/>
+              <a:rPr lang="en-US" dirty="0"/>
               <a:t>What about reliability?</a:t>
             </a:r>
-            <a:endParaRPr lang="en-US" dirty="0"/>
           </a:p>
         </p:txBody>
       </p:sp>
@@ -8800,13 +9066,6 @@
   <p:clrMapOvr>
     <a:masterClrMapping/>
   </p:clrMapOvr>
-  <p:timing>
-    <p:tnLst>
-      <p:par>
-        <p:cTn xmlns:p14="http://schemas.microsoft.com/office/powerpoint/2010/main" id="1" dur="indefinite" restart="never" nodeType="tmRoot"/>
-      </p:par>
-    </p:tnLst>
-  </p:timing>
 </p:sld>
 </file>
 
@@ -8845,24 +9104,23 @@
           <a:lstStyle/>
           <a:p>
             <a:r>
-              <a:rPr lang="en-US" dirty="0" smtClean="0"/>
+              <a:rPr lang="en-US" dirty="0"/>
               <a:t>DAG</a:t>
             </a:r>
             <a:br>
-              <a:rPr lang="en-US" dirty="0" smtClean="0"/>
+              <a:rPr lang="en-US" dirty="0"/>
             </a:br>
             <a:r>
-              <a:rPr lang="en-US" sz="2700" dirty="0" smtClean="0"/>
+              <a:rPr lang="en-US" sz="2700" dirty="0"/>
               <a:t>Directed Acyclic Graph</a:t>
             </a:r>
             <a:br>
-              <a:rPr lang="en-US" sz="2700" dirty="0" smtClean="0"/>
+              <a:rPr lang="en-US" sz="2700" dirty="0"/>
             </a:br>
             <a:r>
-              <a:rPr lang="en-US" dirty="0" smtClean="0"/>
+              <a:rPr lang="en-US" dirty="0"/>
               <a:t>No Loops!</a:t>
             </a:r>
-            <a:endParaRPr lang="en-US" dirty="0"/>
           </a:p>
         </p:txBody>
       </p:sp>
@@ -8900,13 +9158,6 @@
   <p:clrMapOvr>
     <a:masterClrMapping/>
   </p:clrMapOvr>
-  <p:timing>
-    <p:tnLst>
-      <p:par>
-        <p:cTn xmlns:p14="http://schemas.microsoft.com/office/powerpoint/2010/main" id="1" dur="indefinite" restart="never" nodeType="tmRoot"/>
-      </p:par>
-    </p:tnLst>
-  </p:timing>
 </p:sld>
 </file>
 
@@ -8943,10 +9194,9 @@
           <a:lstStyle/>
           <a:p>
             <a:r>
-              <a:rPr lang="en-US" dirty="0" smtClean="0"/>
+              <a:rPr lang="en-US" dirty="0"/>
               <a:t>Apache Spark</a:t>
             </a:r>
-            <a:endParaRPr lang="en-US" dirty="0"/>
           </a:p>
         </p:txBody>
       </p:sp>
@@ -8968,82 +9218,82 @@
           <a:lstStyle/>
           <a:p>
             <a:r>
-              <a:rPr lang="en-US" dirty="0" smtClean="0"/>
+              <a:rPr lang="en-US" dirty="0"/>
               <a:t>Started in 2009 at UC Berkeley</a:t>
             </a:r>
           </a:p>
           <a:p>
             <a:r>
-              <a:rPr lang="en-US" dirty="0" smtClean="0"/>
+              <a:rPr lang="en-US" dirty="0"/>
               <a:t>Donated to Apache in 2013</a:t>
             </a:r>
           </a:p>
           <a:p>
             <a:r>
-              <a:rPr lang="en-US" dirty="0" smtClean="0"/>
+              <a:rPr lang="en-US" dirty="0"/>
               <a:t>Written on top of JVM mainly in </a:t>
             </a:r>
             <a:r>
-              <a:rPr lang="en-US" dirty="0" err="1" smtClean="0"/>
+              <a:rPr lang="en-US" dirty="0" err="1"/>
               <a:t>Scala</a:t>
             </a:r>
-            <a:endParaRPr lang="en-US" dirty="0" smtClean="0"/>
-          </a:p>
-          <a:p>
-            <a:r>
-              <a:rPr lang="en-US" dirty="0" smtClean="0"/>
+            <a:endParaRPr lang="en-US" dirty="0"/>
+          </a:p>
+          <a:p>
+            <a:r>
+              <a:rPr lang="en-US" dirty="0"/>
               <a:t>10x-100x faster than </a:t>
             </a:r>
             <a:r>
-              <a:rPr lang="en-US" dirty="0" err="1" smtClean="0"/>
+              <a:rPr lang="en-US" dirty="0" err="1"/>
               <a:t>Hadoop</a:t>
             </a:r>
-            <a:endParaRPr lang="en-US" dirty="0" smtClean="0"/>
-          </a:p>
-          <a:p>
-            <a:r>
-              <a:rPr lang="en-US" dirty="0" smtClean="0"/>
+            <a:endParaRPr lang="en-US" dirty="0"/>
+          </a:p>
+          <a:p>
+            <a:r>
+              <a:rPr lang="en-US" dirty="0"/>
               <a:t>Supports coding in:</a:t>
             </a:r>
           </a:p>
           <a:p>
             <a:pPr lvl="1"/>
             <a:r>
-              <a:rPr lang="en-US" dirty="0" err="1" smtClean="0"/>
+              <a:rPr lang="en-US" dirty="0" err="1"/>
               <a:t>Scala</a:t>
             </a:r>
-            <a:endParaRPr lang="en-US" dirty="0" smtClean="0"/>
+            <a:endParaRPr lang="en-US" dirty="0"/>
           </a:p>
           <a:p>
             <a:pPr lvl="1"/>
             <a:r>
-              <a:rPr lang="en-US" dirty="0" smtClean="0"/>
+              <a:rPr lang="en-US" dirty="0"/>
               <a:t>Java</a:t>
             </a:r>
           </a:p>
           <a:p>
             <a:pPr lvl="1"/>
             <a:r>
-              <a:rPr lang="en-US" dirty="0" smtClean="0"/>
+              <a:rPr lang="en-US" dirty="0"/>
               <a:t>Python</a:t>
             </a:r>
           </a:p>
           <a:p>
             <a:pPr lvl="1"/>
             <a:r>
-              <a:rPr lang="en-US" dirty="0" smtClean="0"/>
+              <a:rPr lang="en-US" dirty="0"/>
               <a:t>R</a:t>
             </a:r>
           </a:p>
           <a:p>
             <a:r>
-              <a:rPr lang="en-US" dirty="0" smtClean="0"/>
+              <a:rPr lang="en-US" dirty="0"/>
               <a:t>Supports an interactive shell</a:t>
             </a:r>
           </a:p>
           <a:p>
             <a:r>
-              <a:rPr lang="en-US" dirty="0" smtClean="0"/>
+              <a:rPr lang="en-US" dirty="0"/>
               <a:t>More details in this paper:</a:t>
             </a:r>
           </a:p>
@@ -9073,7 +9323,7 @@
               <a:rPr lang="en-US" sz="1900" dirty="0" err="1"/>
               <a:t>nsdi_spark.pdf</a:t>
             </a:r>
-            <a:endParaRPr lang="en-US" sz="1900" dirty="0" smtClean="0"/>
+            <a:endParaRPr lang="en-US" sz="1900" dirty="0"/>
           </a:p>
         </p:txBody>
       </p:sp>
@@ -9087,13 +9337,6 @@
   <p:clrMapOvr>
     <a:masterClrMapping/>
   </p:clrMapOvr>
-  <p:timing>
-    <p:tnLst>
-      <p:par>
-        <p:cTn xmlns:p14="http://schemas.microsoft.com/office/powerpoint/2010/main" id="1" dur="indefinite" restart="never" nodeType="tmRoot"/>
-      </p:par>
-    </p:tnLst>
-  </p:timing>
 </p:sld>
 </file>
 
@@ -9127,15 +9370,14 @@
         <p:spPr/>
         <p:txBody>
           <a:bodyPr>
-            <a:normAutofit fontScale="90000"/>
+            <a:normAutofit/>
           </a:bodyPr>
           <a:lstStyle/>
           <a:p>
             <a:r>
-              <a:rPr lang="en-US" dirty="0" smtClean="0"/>
+              <a:rPr lang="en-US" dirty="0"/>
               <a:t>Resilient Distributed Datasets</a:t>
             </a:r>
-            <a:endParaRPr lang="en-US" dirty="0"/>
           </a:p>
         </p:txBody>
       </p:sp>
@@ -9155,56 +9397,56 @@
           <a:lstStyle/>
           <a:p>
             <a:r>
-              <a:rPr lang="en-US" dirty="0" smtClean="0"/>
+              <a:rPr lang="en-US" dirty="0"/>
               <a:t>A logical collection of data </a:t>
             </a:r>
           </a:p>
           <a:p>
             <a:pPr lvl="1"/>
             <a:r>
-              <a:rPr lang="en-US" dirty="0" smtClean="0"/>
+              <a:rPr lang="en-US" dirty="0"/>
               <a:t>Partitioned across multiple machines</a:t>
             </a:r>
           </a:p>
           <a:p>
             <a:r>
-              <a:rPr lang="en-US" dirty="0" smtClean="0"/>
+              <a:rPr lang="en-US" dirty="0"/>
               <a:t>Logs the lineage of the current data</a:t>
             </a:r>
           </a:p>
           <a:p>
             <a:pPr lvl="1"/>
             <a:r>
-              <a:rPr lang="en-US" dirty="0" smtClean="0"/>
+              <a:rPr lang="en-US" dirty="0"/>
               <a:t>If there is a failure, recreate the data</a:t>
             </a:r>
           </a:p>
           <a:p>
             <a:pPr lvl="1"/>
             <a:r>
-              <a:rPr lang="en-US" dirty="0" smtClean="0"/>
+              <a:rPr lang="en-US" dirty="0"/>
               <a:t>Solves the reliability problem</a:t>
             </a:r>
           </a:p>
           <a:p>
             <a:r>
-              <a:rPr lang="en-US" dirty="0" smtClean="0"/>
+              <a:rPr lang="en-US" dirty="0"/>
               <a:t>Developers can specify the </a:t>
             </a:r>
             <a:r>
-              <a:rPr lang="en-US" i="1" dirty="0" smtClean="0"/>
+              <a:rPr lang="en-US" i="1" dirty="0"/>
               <a:t>persistence</a:t>
             </a:r>
             <a:r>
-              <a:rPr lang="en-US" dirty="0" smtClean="0"/>
+              <a:rPr lang="en-US" dirty="0"/>
               <a:t> and </a:t>
             </a:r>
             <a:r>
-              <a:rPr lang="en-US" i="1" dirty="0" smtClean="0"/>
+              <a:rPr lang="en-US" i="1" dirty="0"/>
               <a:t>partitioning</a:t>
             </a:r>
             <a:r>
-              <a:rPr lang="en-US" dirty="0" smtClean="0"/>
+              <a:rPr lang="en-US" dirty="0"/>
               <a:t> of RDDs</a:t>
             </a:r>
           </a:p>
@@ -9224,13 +9466,6 @@
   <p:clrMapOvr>
     <a:masterClrMapping/>
   </p:clrMapOvr>
-  <p:timing>
-    <p:tnLst>
-      <p:par>
-        <p:cTn xmlns:p14="http://schemas.microsoft.com/office/powerpoint/2010/main" id="1" dur="indefinite" restart="never" nodeType="tmRoot"/>
-      </p:par>
-    </p:tnLst>
-  </p:timing>
 </p:sld>
 </file>
 

--- a/pres-source/03-spark.pptx
+++ b/pres-source/03-spark.pptx
@@ -247,7 +247,7 @@
             <a:fld id="{7307762F-A706-E543-A832-3C298AA3103F}" type="datetimeFigureOut">
               <a:rPr lang="en-US" smtClean="0"/>
               <a:pPr/>
-              <a:t>2/9/19</a:t>
+              <a:t>3/1/19</a:t>
             </a:fld>
             <a:endParaRPr lang="en-US" dirty="0"/>
           </a:p>
@@ -1205,7 +1205,7 @@
             <a:fld id="{875CF0EB-321F-0749-B37A-89BBA859503C}" type="datetimeFigureOut">
               <a:rPr lang="en-US" smtClean="0"/>
               <a:pPr/>
-              <a:t>2/9/19</a:t>
+              <a:t>3/1/19</a:t>
             </a:fld>
             <a:endParaRPr lang="en-US" dirty="0"/>
           </a:p>
@@ -1427,7 +1427,7 @@
             <a:fld id="{875CF0EB-321F-0749-B37A-89BBA859503C}" type="datetimeFigureOut">
               <a:rPr lang="en-US" smtClean="0"/>
               <a:pPr/>
-              <a:t>2/9/19</a:t>
+              <a:t>3/1/19</a:t>
             </a:fld>
             <a:endParaRPr lang="en-US" dirty="0"/>
           </a:p>
@@ -1639,7 +1639,7 @@
             <a:fld id="{875CF0EB-321F-0749-B37A-89BBA859503C}" type="datetimeFigureOut">
               <a:rPr lang="en-US" smtClean="0"/>
               <a:pPr/>
-              <a:t>2/9/19</a:t>
+              <a:t>3/1/19</a:t>
             </a:fld>
             <a:endParaRPr lang="en-US" dirty="0"/>
           </a:p>
@@ -1928,7 +1928,7 @@
             <a:fld id="{875CF0EB-321F-0749-B37A-89BBA859503C}" type="datetimeFigureOut">
               <a:rPr lang="en-US" smtClean="0"/>
               <a:pPr/>
-              <a:t>2/9/19</a:t>
+              <a:t>3/1/19</a:t>
             </a:fld>
             <a:endParaRPr lang="en-US" dirty="0"/>
           </a:p>
@@ -2257,7 +2257,7 @@
             <a:fld id="{875CF0EB-321F-0749-B37A-89BBA859503C}" type="datetimeFigureOut">
               <a:rPr lang="en-US" smtClean="0"/>
               <a:pPr/>
-              <a:t>2/9/19</a:t>
+              <a:t>3/1/19</a:t>
             </a:fld>
             <a:endParaRPr lang="en-US" dirty="0"/>
           </a:p>
@@ -2720,7 +2720,7 @@
             <a:fld id="{875CF0EB-321F-0749-B37A-89BBA859503C}" type="datetimeFigureOut">
               <a:rPr lang="en-US" smtClean="0"/>
               <a:pPr/>
-              <a:t>2/9/19</a:t>
+              <a:t>3/1/19</a:t>
             </a:fld>
             <a:endParaRPr lang="en-US" dirty="0"/>
           </a:p>
@@ -2881,7 +2881,7 @@
             <a:fld id="{875CF0EB-321F-0749-B37A-89BBA859503C}" type="datetimeFigureOut">
               <a:rPr lang="en-US" smtClean="0"/>
               <a:pPr/>
-              <a:t>2/9/19</a:t>
+              <a:t>3/1/19</a:t>
             </a:fld>
             <a:endParaRPr lang="en-US" dirty="0"/>
           </a:p>
@@ -3020,7 +3020,7 @@
             <a:fld id="{875CF0EB-321F-0749-B37A-89BBA859503C}" type="datetimeFigureOut">
               <a:rPr lang="en-US" smtClean="0"/>
               <a:pPr/>
-              <a:t>2/9/19</a:t>
+              <a:t>3/1/19</a:t>
             </a:fld>
             <a:endParaRPr lang="en-US" dirty="0"/>
           </a:p>
@@ -3339,7 +3339,7 @@
             <a:fld id="{875CF0EB-321F-0749-B37A-89BBA859503C}" type="datetimeFigureOut">
               <a:rPr lang="en-US" smtClean="0"/>
               <a:pPr/>
-              <a:t>2/9/19</a:t>
+              <a:t>3/1/19</a:t>
             </a:fld>
             <a:endParaRPr lang="en-US" dirty="0"/>
           </a:p>
@@ -3635,7 +3635,7 @@
             <a:fld id="{875CF0EB-321F-0749-B37A-89BBA859503C}" type="datetimeFigureOut">
               <a:rPr lang="en-US" smtClean="0"/>
               <a:pPr/>
-              <a:t>2/9/19</a:t>
+              <a:t>3/1/19</a:t>
             </a:fld>
             <a:endParaRPr lang="en-US" dirty="0"/>
           </a:p>
@@ -3862,14 +3862,14 @@
           </a:ln>
           <a:extLst>
             <a:ext uri="{909E8E84-426E-40dd-AFC4-6F175D3DCCD1}">
-              <a14:hiddenFill xmlns:a14="http://schemas.microsoft.com/office/drawing/2010/main" xmlns="">
+              <a14:hiddenFill xmlns="" xmlns:a14="http://schemas.microsoft.com/office/drawing/2010/main">
                 <a:solidFill>
                   <a:srgbClr val="FFFFFF"/>
                 </a:solidFill>
               </a14:hiddenFill>
             </a:ext>
             <a:ext uri="{91240B29-F687-4f45-9708-019B960494DF}">
-              <a14:hiddenLine xmlns:a14="http://schemas.microsoft.com/office/drawing/2010/main" xmlns="" w="9525">
+              <a14:hiddenLine xmlns="" xmlns:a14="http://schemas.microsoft.com/office/drawing/2010/main" w="9525">
                 <a:solidFill>
                   <a:srgbClr val="000000"/>
                 </a:solidFill>
@@ -4417,20 +4417,20 @@
         </p:nvSpPr>
         <p:spPr bwMode="auto">
           <a:xfrm>
-            <a:off x="685800" y="1231483"/>
-            <a:ext cx="7772400" cy="1470025"/>
+            <a:off x="685801" y="1400816"/>
+            <a:ext cx="7916332" cy="1985851"/>
           </a:xfrm>
           <a:noFill/>
           <a:extLst>
             <a:ext uri="{909E8E84-426E-40dd-AFC4-6F175D3DCCD1}">
-              <a14:hiddenFill xmlns:a14="http://schemas.microsoft.com/office/drawing/2010/main" xmlns="">
+              <a14:hiddenFill xmlns="" xmlns:a14="http://schemas.microsoft.com/office/drawing/2010/main">
                 <a:solidFill>
                   <a:srgbClr val="FFFFFF"/>
                 </a:solidFill>
               </a14:hiddenFill>
             </a:ext>
             <a:ext uri="{91240B29-F687-4f45-9708-019B960494DF}">
-              <a14:hiddenLine xmlns:a14="http://schemas.microsoft.com/office/drawing/2010/main" xmlns="" w="9525">
+              <a14:hiddenLine xmlns="" xmlns:a14="http://schemas.microsoft.com/office/drawing/2010/main" w="9525">
                 <a:solidFill>
                   <a:srgbClr val="000000"/>
                 </a:solidFill>
@@ -4452,7 +4452,7 @@
           <a:p>
             <a:pPr eaLnBrk="1" hangingPunct="1"/>
             <a:r>
-              <a:rPr lang="en-US" sz="4000" dirty="0">
+              <a:rPr lang="en-US" sz="3600" dirty="0">
                 <a:ea typeface="ヒラギノ角ゴ ProN W3" charset="0"/>
                 <a:cs typeface="ヒラギノ角ゴ ProN W3" charset="0"/>
               </a:rPr>
@@ -4471,16 +4471,84 @@
               </a:rPr>
             </a:br>
             <a:r>
-              <a:rPr lang="en-US" sz="4000" dirty="0">
+              <a:rPr lang="en-US" sz="6000" dirty="0">
                 <a:ea typeface="ヒラギノ角ゴ ProN W3" charset="0"/>
                 <a:cs typeface="ヒラギノ角ゴ ProN W3" charset="0"/>
               </a:rPr>
               <a:t>Apache Spark</a:t>
             </a:r>
-            <a:endParaRPr lang="en-US" dirty="0">
-              <a:ea typeface="ヒラギノ角ゴ ProN W3" charset="0"/>
-              <a:cs typeface="ヒラギノ角ゴ ProN W3" charset="0"/>
-            </a:endParaRPr>
+          </a:p>
+        </p:txBody>
+      </p:sp>
+      <p:sp>
+        <p:nvSpPr>
+          <p:cNvPr id="3" name="Subtitle 4">
+            <a:extLst>
+              <a:ext uri="{FF2B5EF4-FFF2-40B4-BE49-F238E27FC236}">
+                <a16:creationId xmlns:a16="http://schemas.microsoft.com/office/drawing/2014/main" id="{B2CC6D28-204D-694D-A764-4B310F7C6FF9}"/>
+              </a:ext>
+            </a:extLst>
+          </p:cNvPr>
+          <p:cNvSpPr>
+            <a:spLocks noGrp="1"/>
+          </p:cNvSpPr>
+          <p:nvPr>
+            <p:ph type="subTitle" idx="1"/>
+          </p:nvPr>
+        </p:nvSpPr>
+        <p:spPr bwMode="auto">
+          <a:xfrm>
+            <a:off x="1371824" y="4162310"/>
+            <a:ext cx="6400354" cy="1752451"/>
+          </a:xfrm>
+          <a:noFill/>
+          <a:extLst>
+            <a:ext uri="{909E8E84-426E-40dd-AFC4-6F175D3DCCD1}">
+              <a14:hiddenFill xmlns="" xmlns:a14="http://schemas.microsoft.com/office/drawing/2010/main">
+                <a:solidFill>
+                  <a:srgbClr val="FFFFFF"/>
+                </a:solidFill>
+              </a14:hiddenFill>
+            </a:ext>
+            <a:ext uri="{91240B29-F687-4f45-9708-019B960494DF}">
+              <a14:hiddenLine xmlns="" xmlns:a14="http://schemas.microsoft.com/office/drawing/2010/main" w="9525">
+                <a:solidFill>
+                  <a:srgbClr val="000000"/>
+                </a:solidFill>
+                <a:miter lim="800000"/>
+                <a:headEnd/>
+                <a:tailEnd/>
+              </a14:hiddenLine>
+            </a:ext>
+          </a:extLst>
+        </p:spPr>
+        <p:txBody>
+          <a:bodyPr wrap="square" lIns="64291" tIns="32146" rIns="64291" bIns="32146" numCol="1" anchor="t" anchorCtr="0" compatLnSpc="1">
+            <a:prstTxWarp prst="textNoShape">
+              <a:avLst/>
+            </a:prstTxWarp>
+            <a:normAutofit/>
+          </a:bodyPr>
+          <a:lstStyle/>
+          <a:p>
+            <a:pPr eaLnBrk="1" hangingPunct="1"/>
+            <a:r>
+              <a:rPr lang="en-US" dirty="0">
+                <a:ea typeface="ヒラギノ角ゴ ProN W3" charset="0"/>
+                <a:cs typeface="ヒラギノ角ゴ ProN W3" charset="0"/>
+              </a:rPr>
+              <a:t>Julie Weeds</a:t>
+            </a:r>
+          </a:p>
+          <a:p>
+            <a:pPr eaLnBrk="1" hangingPunct="1"/>
+            <a:r>
+              <a:rPr lang="en-US" dirty="0">
+                <a:ea typeface="ヒラギノ角ゴ ProN W3" charset="0"/>
+                <a:cs typeface="ヒラギノ角ゴ ProN W3" charset="0"/>
+              </a:rPr>
+              <a:t>March 2019</a:t>
+            </a:r>
           </a:p>
         </p:txBody>
       </p:sp>
@@ -5989,14 +6057,14 @@
           <a:noFill/>
           <a:extLst>
             <a:ext uri="{909E8E84-426E-40dd-AFC4-6F175D3DCCD1}">
-              <a14:hiddenFill xmlns:a14="http://schemas.microsoft.com/office/drawing/2010/main" xmlns="">
+              <a14:hiddenFill xmlns="" xmlns:a14="http://schemas.microsoft.com/office/drawing/2010/main">
                 <a:solidFill>
                   <a:srgbClr val="FFFFFF"/>
                 </a:solidFill>
               </a14:hiddenFill>
             </a:ext>
             <a:ext uri="{91240B29-F687-4f45-9708-019B960494DF}">
-              <a14:hiddenLine xmlns:a14="http://schemas.microsoft.com/office/drawing/2010/main" xmlns="" w="9525">
+              <a14:hiddenLine xmlns="" xmlns:a14="http://schemas.microsoft.com/office/drawing/2010/main" w="9525">
                 <a:solidFill>
                   <a:srgbClr val="000000"/>
                 </a:solidFill>
@@ -6040,14 +6108,14 @@
           <a:noFill/>
           <a:extLst>
             <a:ext uri="{909E8E84-426E-40dd-AFC4-6F175D3DCCD1}">
-              <a14:hiddenFill xmlns:a14="http://schemas.microsoft.com/office/drawing/2010/main" xmlns="">
+              <a14:hiddenFill xmlns="" xmlns:a14="http://schemas.microsoft.com/office/drawing/2010/main">
                 <a:solidFill>
                   <a:srgbClr val="FFFFFF"/>
                 </a:solidFill>
               </a14:hiddenFill>
             </a:ext>
             <a:ext uri="{91240B29-F687-4f45-9708-019B960494DF}">
-              <a14:hiddenLine xmlns:a14="http://schemas.microsoft.com/office/drawing/2010/main" xmlns="" w="9525">
+              <a14:hiddenLine xmlns="" xmlns:a14="http://schemas.microsoft.com/office/drawing/2010/main" w="9525">
                 <a:solidFill>
                   <a:srgbClr val="000000"/>
                 </a:solidFill>

--- a/pres-source/03-spark.pptx
+++ b/pres-source/03-spark.pptx
@@ -247,7 +247,7 @@
             <a:fld id="{7307762F-A706-E543-A832-3C298AA3103F}" type="datetimeFigureOut">
               <a:rPr lang="en-US" smtClean="0"/>
               <a:pPr/>
-              <a:t>3/1/19</a:t>
+              <a:t>2/12/20</a:t>
             </a:fld>
             <a:endParaRPr lang="en-US" dirty="0"/>
           </a:p>
@@ -908,6 +908,102 @@
 </p:notes>
 </file>
 
+<file path=ppt/notesSlides/notesSlide5.xml><?xml version="1.0" encoding="utf-8"?>
+<p:notes xmlns:a="http://schemas.openxmlformats.org/drawingml/2006/main" xmlns:r="http://schemas.openxmlformats.org/officeDocument/2006/relationships" xmlns:p="http://schemas.openxmlformats.org/presentationml/2006/main">
+  <p:cSld>
+    <p:spTree>
+      <p:nvGrpSpPr>
+        <p:cNvPr id="1" name=""/>
+        <p:cNvGrpSpPr/>
+        <p:nvPr/>
+      </p:nvGrpSpPr>
+      <p:grpSpPr>
+        <a:xfrm>
+          <a:off x="0" y="0"/>
+          <a:ext cx="0" cy="0"/>
+          <a:chOff x="0" y="0"/>
+          <a:chExt cx="0" cy="0"/>
+        </a:xfrm>
+      </p:grpSpPr>
+      <p:sp>
+        <p:nvSpPr>
+          <p:cNvPr id="2" name="Slide Image Placeholder 1"/>
+          <p:cNvSpPr>
+            <a:spLocks noGrp="1" noRot="1" noChangeAspect="1"/>
+          </p:cNvSpPr>
+          <p:nvPr>
+            <p:ph type="sldImg"/>
+          </p:nvPr>
+        </p:nvSpPr>
+        <p:spPr/>
+      </p:sp>
+      <p:sp>
+        <p:nvSpPr>
+          <p:cNvPr id="3" name="Notes Placeholder 2"/>
+          <p:cNvSpPr>
+            <a:spLocks noGrp="1"/>
+          </p:cNvSpPr>
+          <p:nvPr>
+            <p:ph type="body" idx="1"/>
+          </p:nvPr>
+        </p:nvSpPr>
+        <p:spPr/>
+        <p:txBody>
+          <a:bodyPr/>
+          <a:lstStyle/>
+          <a:p>
+            <a:r>
+              <a:rPr lang="en-US" dirty="0"/>
+              <a:t>map and </a:t>
+            </a:r>
+            <a:r>
+              <a:rPr lang="en-US" dirty="0" err="1"/>
+              <a:t>reduceByKey</a:t>
+            </a:r>
+            <a:r>
+              <a:rPr lang="en-US" dirty="0"/>
+              <a:t> are transformations whereas reduce is an action</a:t>
+            </a:r>
+          </a:p>
+        </p:txBody>
+      </p:sp>
+      <p:sp>
+        <p:nvSpPr>
+          <p:cNvPr id="4" name="Slide Number Placeholder 3"/>
+          <p:cNvSpPr>
+            <a:spLocks noGrp="1"/>
+          </p:cNvSpPr>
+          <p:nvPr>
+            <p:ph type="sldNum" sz="quarter" idx="5"/>
+          </p:nvPr>
+        </p:nvSpPr>
+        <p:spPr/>
+        <p:txBody>
+          <a:bodyPr/>
+          <a:lstStyle/>
+          <a:p>
+            <a:fld id="{BC39F3E1-B436-EB4D-8332-DAA0486A7B2B}" type="slidenum">
+              <a:rPr lang="en-US" smtClean="0"/>
+              <a:pPr/>
+              <a:t>25</a:t>
+            </a:fld>
+            <a:endParaRPr lang="en-US" dirty="0"/>
+          </a:p>
+        </p:txBody>
+      </p:sp>
+    </p:spTree>
+    <p:extLst>
+      <p:ext uri="{BB962C8B-B14F-4D97-AF65-F5344CB8AC3E}">
+        <p14:creationId xmlns:p14="http://schemas.microsoft.com/office/powerpoint/2010/main" val="375255671"/>
+      </p:ext>
+    </p:extLst>
+  </p:cSld>
+  <p:clrMapOvr>
+    <a:masterClrMapping/>
+  </p:clrMapOvr>
+</p:notes>
+</file>
+
 <file path=ppt/slideLayouts/slideLayout1.xml><?xml version="1.0" encoding="utf-8"?>
 <p:sldLayout xmlns:a="http://schemas.openxmlformats.org/drawingml/2006/main" xmlns:r="http://schemas.openxmlformats.org/officeDocument/2006/relationships" xmlns:p="http://schemas.openxmlformats.org/presentationml/2006/main" type="title" preserve="1">
   <p:cSld name="Title Slide">
@@ -1205,7 +1301,7 @@
             <a:fld id="{875CF0EB-321F-0749-B37A-89BBA859503C}" type="datetimeFigureOut">
               <a:rPr lang="en-US" smtClean="0"/>
               <a:pPr/>
-              <a:t>3/1/19</a:t>
+              <a:t>2/12/20</a:t>
             </a:fld>
             <a:endParaRPr lang="en-US" dirty="0"/>
           </a:p>
@@ -1427,7 +1523,7 @@
             <a:fld id="{875CF0EB-321F-0749-B37A-89BBA859503C}" type="datetimeFigureOut">
               <a:rPr lang="en-US" smtClean="0"/>
               <a:pPr/>
-              <a:t>3/1/19</a:t>
+              <a:t>2/12/20</a:t>
             </a:fld>
             <a:endParaRPr lang="en-US" dirty="0"/>
           </a:p>
@@ -1639,7 +1735,7 @@
             <a:fld id="{875CF0EB-321F-0749-B37A-89BBA859503C}" type="datetimeFigureOut">
               <a:rPr lang="en-US" smtClean="0"/>
               <a:pPr/>
-              <a:t>3/1/19</a:t>
+              <a:t>2/12/20</a:t>
             </a:fld>
             <a:endParaRPr lang="en-US" dirty="0"/>
           </a:p>
@@ -1928,7 +2024,7 @@
             <a:fld id="{875CF0EB-321F-0749-B37A-89BBA859503C}" type="datetimeFigureOut">
               <a:rPr lang="en-US" smtClean="0"/>
               <a:pPr/>
-              <a:t>3/1/19</a:t>
+              <a:t>2/12/20</a:t>
             </a:fld>
             <a:endParaRPr lang="en-US" dirty="0"/>
           </a:p>
@@ -2257,7 +2353,7 @@
             <a:fld id="{875CF0EB-321F-0749-B37A-89BBA859503C}" type="datetimeFigureOut">
               <a:rPr lang="en-US" smtClean="0"/>
               <a:pPr/>
-              <a:t>3/1/19</a:t>
+              <a:t>2/12/20</a:t>
             </a:fld>
             <a:endParaRPr lang="en-US" dirty="0"/>
           </a:p>
@@ -2720,7 +2816,7 @@
             <a:fld id="{875CF0EB-321F-0749-B37A-89BBA859503C}" type="datetimeFigureOut">
               <a:rPr lang="en-US" smtClean="0"/>
               <a:pPr/>
-              <a:t>3/1/19</a:t>
+              <a:t>2/12/20</a:t>
             </a:fld>
             <a:endParaRPr lang="en-US" dirty="0"/>
           </a:p>
@@ -2881,7 +2977,7 @@
             <a:fld id="{875CF0EB-321F-0749-B37A-89BBA859503C}" type="datetimeFigureOut">
               <a:rPr lang="en-US" smtClean="0"/>
               <a:pPr/>
-              <a:t>3/1/19</a:t>
+              <a:t>2/12/20</a:t>
             </a:fld>
             <a:endParaRPr lang="en-US" dirty="0"/>
           </a:p>
@@ -3020,7 +3116,7 @@
             <a:fld id="{875CF0EB-321F-0749-B37A-89BBA859503C}" type="datetimeFigureOut">
               <a:rPr lang="en-US" smtClean="0"/>
               <a:pPr/>
-              <a:t>3/1/19</a:t>
+              <a:t>2/12/20</a:t>
             </a:fld>
             <a:endParaRPr lang="en-US" dirty="0"/>
           </a:p>
@@ -3339,7 +3435,7 @@
             <a:fld id="{875CF0EB-321F-0749-B37A-89BBA859503C}" type="datetimeFigureOut">
               <a:rPr lang="en-US" smtClean="0"/>
               <a:pPr/>
-              <a:t>3/1/19</a:t>
+              <a:t>2/12/20</a:t>
             </a:fld>
             <a:endParaRPr lang="en-US" dirty="0"/>
           </a:p>
@@ -3635,7 +3731,7 @@
             <a:fld id="{875CF0EB-321F-0749-B37A-89BBA859503C}" type="datetimeFigureOut">
               <a:rPr lang="en-US" smtClean="0"/>
               <a:pPr/>
-              <a:t>3/1/19</a:t>
+              <a:t>2/12/20</a:t>
             </a:fld>
             <a:endParaRPr lang="en-US" dirty="0"/>
           </a:p>
@@ -3862,14 +3958,14 @@
           </a:ln>
           <a:extLst>
             <a:ext uri="{909E8E84-426E-40dd-AFC4-6F175D3DCCD1}">
-              <a14:hiddenFill xmlns="" xmlns:a14="http://schemas.microsoft.com/office/drawing/2010/main">
+              <a14:hiddenFill xmlns:a14="http://schemas.microsoft.com/office/drawing/2010/main" xmlns="">
                 <a:solidFill>
                   <a:srgbClr val="FFFFFF"/>
                 </a:solidFill>
               </a14:hiddenFill>
             </a:ext>
             <a:ext uri="{91240B29-F687-4f45-9708-019B960494DF}">
-              <a14:hiddenLine xmlns="" xmlns:a14="http://schemas.microsoft.com/office/drawing/2010/main" w="9525">
+              <a14:hiddenLine xmlns:a14="http://schemas.microsoft.com/office/drawing/2010/main" xmlns="" w="9525">
                 <a:solidFill>
                   <a:srgbClr val="000000"/>
                 </a:solidFill>
@@ -4423,14 +4519,14 @@
           <a:noFill/>
           <a:extLst>
             <a:ext uri="{909E8E84-426E-40dd-AFC4-6F175D3DCCD1}">
-              <a14:hiddenFill xmlns="" xmlns:a14="http://schemas.microsoft.com/office/drawing/2010/main">
+              <a14:hiddenFill xmlns:a14="http://schemas.microsoft.com/office/drawing/2010/main" xmlns="">
                 <a:solidFill>
                   <a:srgbClr val="FFFFFF"/>
                 </a:solidFill>
               </a14:hiddenFill>
             </a:ext>
             <a:ext uri="{91240B29-F687-4f45-9708-019B960494DF}">
-              <a14:hiddenLine xmlns="" xmlns:a14="http://schemas.microsoft.com/office/drawing/2010/main" w="9525">
+              <a14:hiddenLine xmlns:a14="http://schemas.microsoft.com/office/drawing/2010/main" xmlns="" w="9525">
                 <a:solidFill>
                   <a:srgbClr val="000000"/>
                 </a:solidFill>
@@ -4504,14 +4600,14 @@
           <a:noFill/>
           <a:extLst>
             <a:ext uri="{909E8E84-426E-40dd-AFC4-6F175D3DCCD1}">
-              <a14:hiddenFill xmlns="" xmlns:a14="http://schemas.microsoft.com/office/drawing/2010/main">
+              <a14:hiddenFill xmlns:a14="http://schemas.microsoft.com/office/drawing/2010/main" xmlns="">
                 <a:solidFill>
                   <a:srgbClr val="FFFFFF"/>
                 </a:solidFill>
               </a14:hiddenFill>
             </a:ext>
             <a:ext uri="{91240B29-F687-4f45-9708-019B960494DF}">
-              <a14:hiddenLine xmlns="" xmlns:a14="http://schemas.microsoft.com/office/drawing/2010/main" w="9525">
+              <a14:hiddenLine xmlns:a14="http://schemas.microsoft.com/office/drawing/2010/main" xmlns="" w="9525">
                 <a:solidFill>
                   <a:srgbClr val="000000"/>
                 </a:solidFill>
@@ -4547,7 +4643,7 @@
                 <a:ea typeface="ヒラギノ角ゴ ProN W3" charset="0"/>
                 <a:cs typeface="ヒラギノ角ゴ ProN W3" charset="0"/>
               </a:rPr>
-              <a:t>March 2019</a:t>
+              <a:t>March 2020</a:t>
             </a:r>
           </a:p>
         </p:txBody>
@@ -6057,14 +6153,14 @@
           <a:noFill/>
           <a:extLst>
             <a:ext uri="{909E8E84-426E-40dd-AFC4-6F175D3DCCD1}">
-              <a14:hiddenFill xmlns="" xmlns:a14="http://schemas.microsoft.com/office/drawing/2010/main">
+              <a14:hiddenFill xmlns:a14="http://schemas.microsoft.com/office/drawing/2010/main" xmlns="">
                 <a:solidFill>
                   <a:srgbClr val="FFFFFF"/>
                 </a:solidFill>
               </a14:hiddenFill>
             </a:ext>
             <a:ext uri="{91240B29-F687-4f45-9708-019B960494DF}">
-              <a14:hiddenLine xmlns="" xmlns:a14="http://schemas.microsoft.com/office/drawing/2010/main" w="9525">
+              <a14:hiddenLine xmlns:a14="http://schemas.microsoft.com/office/drawing/2010/main" xmlns="" w="9525">
                 <a:solidFill>
                   <a:srgbClr val="000000"/>
                 </a:solidFill>
@@ -6108,14 +6204,14 @@
           <a:noFill/>
           <a:extLst>
             <a:ext uri="{909E8E84-426E-40dd-AFC4-6F175D3DCCD1}">
-              <a14:hiddenFill xmlns="" xmlns:a14="http://schemas.microsoft.com/office/drawing/2010/main">
+              <a14:hiddenFill xmlns:a14="http://schemas.microsoft.com/office/drawing/2010/main" xmlns="">
                 <a:solidFill>
                   <a:srgbClr val="FFFFFF"/>
                 </a:solidFill>
               </a14:hiddenFill>
             </a:ext>
             <a:ext uri="{91240B29-F687-4f45-9708-019B960494DF}">
-              <a14:hiddenLine xmlns="" xmlns:a14="http://schemas.microsoft.com/office/drawing/2010/main" w="9525">
+              <a14:hiddenLine xmlns:a14="http://schemas.microsoft.com/office/drawing/2010/main" xmlns="" w="9525">
                 <a:solidFill>
                   <a:srgbClr val="000000"/>
                 </a:solidFill>
@@ -7603,8 +7699,12 @@
               <a:buNone/>
             </a:pPr>
             <a:r>
+              <a:rPr lang="en-US" sz="2000" dirty="0" err="1"/>
+              <a:t>mysplit</a:t>
+            </a:r>
+            <a:r>
               <a:rPr lang="en-US" sz="2000" dirty="0"/>
-              <a:t>split = </a:t>
+              <a:t> = </a:t>
             </a:r>
             <a:r>
               <a:rPr lang="en-US" sz="2000" dirty="0" err="1"/>
@@ -7633,7 +7733,7 @@
             </a:r>
             <a:r>
               <a:rPr lang="en-US" sz="2000" dirty="0" err="1"/>
-              <a:t>split.map</a:t>
+              <a:t>mysplit.map</a:t>
             </a:r>
             <a:r>
               <a:rPr lang="en-US" sz="2000" dirty="0"/>
@@ -7714,13 +7814,16 @@
             </a:pPr>
             <a:r>
               <a:rPr lang="en-US" sz="2000" dirty="0"/>
-              <a:t>  print </a:t>
+              <a:t>  print (</a:t>
             </a:r>
             <a:r>
               <a:rPr lang="en-US" sz="2000" dirty="0" err="1"/>
               <a:t>k,v</a:t>
             </a:r>
-            <a:endParaRPr lang="en-US" sz="2000" dirty="0"/>
+            <a:r>
+              <a:rPr lang="en-US" sz="2000" dirty="0"/>
+              <a:t>)</a:t>
+            </a:r>
           </a:p>
           <a:p>
             <a:pPr marL="0" indent="0">
